--- a/Project Proposal.pptx
+++ b/Project Proposal.pptx
@@ -215,7 +215,7 @@
           <a:p>
             <a:fld id="{F3DC1176-C79C-4333-88B3-BCEA525AFE9D}" type="datetimeFigureOut">
               <a:rPr lang="de-DE" smtClean="0"/>
-              <a:t>12.05.2025</a:t>
+              <a:t>13.05.2025</a:t>
             </a:fld>
             <a:endParaRPr lang="de-DE"/>
           </a:p>
@@ -1480,7 +1480,7 @@
           <a:p>
             <a:fld id="{AEE46315-4AAD-410B-89FA-21C15CCB14A3}" type="datetimeFigureOut">
               <a:rPr lang="de-DE" smtClean="0"/>
-              <a:t>12.05.2025</a:t>
+              <a:t>13.05.2025</a:t>
             </a:fld>
             <a:endParaRPr lang="de-DE"/>
           </a:p>
@@ -1680,7 +1680,7 @@
           <a:p>
             <a:fld id="{AEE46315-4AAD-410B-89FA-21C15CCB14A3}" type="datetimeFigureOut">
               <a:rPr lang="de-DE" smtClean="0"/>
-              <a:t>12.05.2025</a:t>
+              <a:t>13.05.2025</a:t>
             </a:fld>
             <a:endParaRPr lang="de-DE"/>
           </a:p>
@@ -1890,7 +1890,7 @@
           <a:p>
             <a:fld id="{AEE46315-4AAD-410B-89FA-21C15CCB14A3}" type="datetimeFigureOut">
               <a:rPr lang="de-DE" smtClean="0"/>
-              <a:t>12.05.2025</a:t>
+              <a:t>13.05.2025</a:t>
             </a:fld>
             <a:endParaRPr lang="de-DE"/>
           </a:p>
@@ -2090,7 +2090,7 @@
           <a:p>
             <a:fld id="{AEE46315-4AAD-410B-89FA-21C15CCB14A3}" type="datetimeFigureOut">
               <a:rPr lang="de-DE" smtClean="0"/>
-              <a:t>12.05.2025</a:t>
+              <a:t>13.05.2025</a:t>
             </a:fld>
             <a:endParaRPr lang="de-DE"/>
           </a:p>
@@ -2366,7 +2366,7 @@
           <a:p>
             <a:fld id="{AEE46315-4AAD-410B-89FA-21C15CCB14A3}" type="datetimeFigureOut">
               <a:rPr lang="de-DE" smtClean="0"/>
-              <a:t>12.05.2025</a:t>
+              <a:t>13.05.2025</a:t>
             </a:fld>
             <a:endParaRPr lang="de-DE"/>
           </a:p>
@@ -2634,7 +2634,7 @@
           <a:p>
             <a:fld id="{AEE46315-4AAD-410B-89FA-21C15CCB14A3}" type="datetimeFigureOut">
               <a:rPr lang="de-DE" smtClean="0"/>
-              <a:t>12.05.2025</a:t>
+              <a:t>13.05.2025</a:t>
             </a:fld>
             <a:endParaRPr lang="de-DE"/>
           </a:p>
@@ -3049,7 +3049,7 @@
           <a:p>
             <a:fld id="{AEE46315-4AAD-410B-89FA-21C15CCB14A3}" type="datetimeFigureOut">
               <a:rPr lang="de-DE" smtClean="0"/>
-              <a:t>12.05.2025</a:t>
+              <a:t>13.05.2025</a:t>
             </a:fld>
             <a:endParaRPr lang="de-DE"/>
           </a:p>
@@ -3191,7 +3191,7 @@
           <a:p>
             <a:fld id="{AEE46315-4AAD-410B-89FA-21C15CCB14A3}" type="datetimeFigureOut">
               <a:rPr lang="de-DE" smtClean="0"/>
-              <a:t>12.05.2025</a:t>
+              <a:t>13.05.2025</a:t>
             </a:fld>
             <a:endParaRPr lang="de-DE"/>
           </a:p>
@@ -3304,7 +3304,7 @@
           <a:p>
             <a:fld id="{AEE46315-4AAD-410B-89FA-21C15CCB14A3}" type="datetimeFigureOut">
               <a:rPr lang="de-DE" smtClean="0"/>
-              <a:t>12.05.2025</a:t>
+              <a:t>13.05.2025</a:t>
             </a:fld>
             <a:endParaRPr lang="de-DE"/>
           </a:p>
@@ -3617,7 +3617,7 @@
           <a:p>
             <a:fld id="{AEE46315-4AAD-410B-89FA-21C15CCB14A3}" type="datetimeFigureOut">
               <a:rPr lang="de-DE" smtClean="0"/>
-              <a:t>12.05.2025</a:t>
+              <a:t>13.05.2025</a:t>
             </a:fld>
             <a:endParaRPr lang="de-DE"/>
           </a:p>
@@ -3906,7 +3906,7 @@
           <a:p>
             <a:fld id="{AEE46315-4AAD-410B-89FA-21C15CCB14A3}" type="datetimeFigureOut">
               <a:rPr lang="de-DE" smtClean="0"/>
-              <a:t>12.05.2025</a:t>
+              <a:t>13.05.2025</a:t>
             </a:fld>
             <a:endParaRPr lang="de-DE"/>
           </a:p>
@@ -4149,7 +4149,7 @@
           <a:p>
             <a:fld id="{AEE46315-4AAD-410B-89FA-21C15CCB14A3}" type="datetimeFigureOut">
               <a:rPr lang="de-DE" smtClean="0"/>
-              <a:t>12.05.2025</a:t>
+              <a:t>13.05.2025</a:t>
             </a:fld>
             <a:endParaRPr lang="de-DE"/>
           </a:p>
@@ -4754,14 +4754,102 @@
           <a:lstStyle/>
           <a:p>
             <a:r>
-              <a:rPr lang="en-US" sz="1000" u="sng" noProof="0" dirty="0" err="1"/>
+              <a:rPr lang="en-US" sz="1000" dirty="0">
+                <a:solidFill>
+                  <a:schemeClr val="bg1">
+                    <a:lumMod val="65000"/>
+                  </a:schemeClr>
+                </a:solidFill>
+              </a:rPr>
+              <a:t>C</a:t>
+            </a:r>
+            <a:r>
+              <a:rPr lang="en-US" sz="1000" noProof="0" dirty="0" err="1">
+                <a:solidFill>
+                  <a:schemeClr val="bg1">
+                    <a:lumMod val="65000"/>
+                  </a:schemeClr>
+                </a:solidFill>
+              </a:rPr>
+              <a:t>arl</a:t>
+            </a:r>
+            <a:r>
+              <a:rPr lang="en-US" sz="1000" noProof="0" dirty="0">
+                <a:solidFill>
+                  <a:schemeClr val="bg1">
+                    <a:lumMod val="65000"/>
+                  </a:schemeClr>
+                </a:solidFill>
+              </a:rPr>
+              <a:t> Herrmann </a:t>
+            </a:r>
+            <a:r>
+              <a:rPr lang="en-US" sz="1000" i="1" noProof="0" dirty="0">
+                <a:solidFill>
+                  <a:schemeClr val="bg1">
+                    <a:lumMod val="65000"/>
+                  </a:schemeClr>
+                </a:solidFill>
+              </a:rPr>
+              <a:t>et. </a:t>
+            </a:r>
+            <a:r>
+              <a:rPr lang="en-US" sz="1000" i="1" dirty="0">
+                <a:solidFill>
+                  <a:schemeClr val="bg1">
+                    <a:lumMod val="65000"/>
+                  </a:schemeClr>
+                </a:solidFill>
+              </a:rPr>
+              <a:t>a</a:t>
+            </a:r>
+            <a:r>
+              <a:rPr lang="en-US" sz="1000" i="1" noProof="0" dirty="0">
+                <a:solidFill>
+                  <a:schemeClr val="bg1">
+                    <a:lumMod val="65000"/>
+                  </a:schemeClr>
+                </a:solidFill>
+              </a:rPr>
+              <a:t>l</a:t>
+            </a:r>
+            <a:r>
+              <a:rPr lang="en-US" sz="1000" noProof="0" dirty="0">
+                <a:solidFill>
+                  <a:schemeClr val="bg1">
+                    <a:lumMod val="65000"/>
+                  </a:schemeClr>
+                </a:solidFill>
+              </a:rPr>
+              <a:t>: </a:t>
+            </a:r>
+            <a:r>
+              <a:rPr lang="en-US" sz="1000" noProof="0" dirty="0" err="1">
+                <a:solidFill>
+                  <a:schemeClr val="bg1">
+                    <a:lumMod val="65000"/>
+                  </a:schemeClr>
+                </a:solidFill>
+              </a:rPr>
               <a:t>Bioinfo</a:t>
             </a:r>
             <a:r>
-              <a:rPr lang="en-US" sz="1000" u="sng" noProof="0" dirty="0"/>
+              <a:rPr lang="en-US" sz="1000" noProof="0" dirty="0">
+                <a:solidFill>
+                  <a:schemeClr val="bg1">
+                    <a:lumMod val="65000"/>
+                  </a:schemeClr>
+                </a:solidFill>
+              </a:rPr>
               <a:t> slides from the 3rd semester</a:t>
             </a:r>
-            <a:endParaRPr lang="en-GB" sz="1000" u="sng" noProof="0" dirty="0"/>
+            <a:endParaRPr lang="en-GB" sz="1000" noProof="0" dirty="0">
+              <a:solidFill>
+                <a:schemeClr val="bg1">
+                  <a:lumMod val="65000"/>
+                </a:schemeClr>
+              </a:solidFill>
+            </a:endParaRPr>
           </a:p>
         </p:txBody>
       </p:sp>
@@ -5701,20 +5789,27 @@
         </p:nvSpPr>
         <p:spPr>
           <a:xfrm>
-            <a:off x="838200" y="2766218"/>
-            <a:ext cx="10515600" cy="1325563"/>
+            <a:off x="838200" y="2336800"/>
+            <a:ext cx="10515600" cy="2184400"/>
           </a:xfrm>
         </p:spPr>
         <p:txBody>
           <a:bodyPr>
-            <a:normAutofit/>
+            <a:noAutofit/>
           </a:bodyPr>
           <a:lstStyle/>
           <a:p>
             <a:pPr algn="ctr"/>
             <a:r>
-              <a:rPr lang="en-GB" sz="6600" noProof="0" dirty="0"/>
-              <a:t>Thanks for listening</a:t>
+              <a:rPr lang="en-GB" sz="7200" noProof="0" dirty="0"/>
+              <a:t>Thank you for </a:t>
+            </a:r>
+            <a:br>
+              <a:rPr lang="en-GB" sz="7200" dirty="0"/>
+            </a:br>
+            <a:r>
+              <a:rPr lang="en-GB" sz="7200" noProof="0" dirty="0"/>
+              <a:t>your attention!</a:t>
             </a:r>
           </a:p>
         </p:txBody>
@@ -9496,7 +9591,7 @@
         <p:spPr>
           <a:xfrm>
             <a:off x="8219068" y="2455596"/>
-            <a:ext cx="3247217" cy="2677656"/>
+            <a:ext cx="3247217" cy="3046988"/>
           </a:xfrm>
           <a:prstGeom prst="rect">
             <a:avLst/>
@@ -9517,6 +9612,13 @@
               <a:rPr lang="en-GB" sz="2400" noProof="0" dirty="0"/>
               <a:t>RNA metabolism &amp; regulation of gene expression</a:t>
             </a:r>
+          </a:p>
+          <a:p>
+            <a:pPr marL="342900" indent="-342900">
+              <a:buFont typeface="Arial" panose="020B0604020202020204" pitchFamily="34" charset="0"/>
+              <a:buChar char="•"/>
+            </a:pPr>
+            <a:endParaRPr lang="en-GB" sz="2400" noProof="0" dirty="0"/>
           </a:p>
           <a:p>
             <a:pPr marL="342900" indent="-342900">
@@ -9626,7 +9728,7 @@
                                         <p:tgtEl>
                                           <p:spTgt spid="7">
                                             <p:txEl>
-                                              <p:pRg st="1" end="1"/>
+                                              <p:pRg st="2" end="2"/>
                                             </p:txEl>
                                           </p:spTgt>
                                         </p:tgtEl>
@@ -10432,7 +10534,7 @@
         </p:blipFill>
         <p:spPr bwMode="auto">
           <a:xfrm>
-            <a:off x="4068136" y="2206804"/>
+            <a:off x="4042789" y="1881700"/>
             <a:ext cx="3599524" cy="1536828"/>
           </a:xfrm>
           <a:prstGeom prst="rect">
@@ -10464,7 +10566,7 @@
         </p:nvSpPr>
         <p:spPr>
           <a:xfrm>
-            <a:off x="818144" y="5790103"/>
+            <a:off x="543212" y="5788056"/>
             <a:ext cx="1541592" cy="369332"/>
           </a:xfrm>
           <a:prstGeom prst="rect">
@@ -10514,7 +10616,7 @@
         </p:blipFill>
         <p:spPr bwMode="auto">
           <a:xfrm>
-            <a:off x="731176" y="4234968"/>
+            <a:off x="451778" y="4234968"/>
             <a:ext cx="3577461" cy="1527408"/>
           </a:xfrm>
           <a:prstGeom prst="rect">
@@ -10546,7 +10648,7 @@
         </p:nvSpPr>
         <p:spPr>
           <a:xfrm>
-            <a:off x="4068136" y="3660825"/>
+            <a:off x="4050828" y="3429000"/>
             <a:ext cx="1625026" cy="369332"/>
           </a:xfrm>
           <a:prstGeom prst="rect">
@@ -10596,7 +10698,7 @@
         </p:blipFill>
         <p:spPr bwMode="auto">
           <a:xfrm>
-            <a:off x="744037" y="2201283"/>
+            <a:off x="457200" y="1973893"/>
             <a:ext cx="3324099" cy="1419234"/>
           </a:xfrm>
           <a:prstGeom prst="rect">
@@ -10628,7 +10730,7 @@
         </p:nvSpPr>
         <p:spPr>
           <a:xfrm>
-            <a:off x="813259" y="3612703"/>
+            <a:off x="543212" y="3429000"/>
             <a:ext cx="1398993" cy="369332"/>
           </a:xfrm>
           <a:prstGeom prst="rect">
@@ -10678,7 +10780,7 @@
         </p:blipFill>
         <p:spPr bwMode="auto">
           <a:xfrm>
-            <a:off x="4118564" y="4234968"/>
+            <a:off x="4050828" y="4234968"/>
             <a:ext cx="3515282" cy="1527408"/>
           </a:xfrm>
           <a:prstGeom prst="rect">
@@ -10710,7 +10812,7 @@
         </p:nvSpPr>
         <p:spPr>
           <a:xfrm>
-            <a:off x="4186989" y="5788056"/>
+            <a:off x="4071236" y="5788056"/>
             <a:ext cx="1800850" cy="369332"/>
           </a:xfrm>
           <a:prstGeom prst="rect">
@@ -10760,7 +10862,7 @@
         </p:blipFill>
         <p:spPr bwMode="auto">
           <a:xfrm>
-            <a:off x="7697680" y="2256740"/>
+            <a:off x="7866270" y="1926072"/>
             <a:ext cx="3482565" cy="1486892"/>
           </a:xfrm>
           <a:prstGeom prst="rect">
@@ -10792,7 +10894,7 @@
         </p:nvSpPr>
         <p:spPr>
           <a:xfrm>
-            <a:off x="7697680" y="3707227"/>
+            <a:off x="7866270" y="3412964"/>
             <a:ext cx="1825864" cy="369332"/>
           </a:xfrm>
           <a:prstGeom prst="rect">
@@ -10827,7 +10929,7 @@
         </p:nvSpPr>
         <p:spPr>
           <a:xfrm>
-            <a:off x="7781689" y="4409486"/>
+            <a:off x="7866270" y="4059953"/>
             <a:ext cx="3482565" cy="1877437"/>
           </a:xfrm>
           <a:prstGeom prst="rect">
@@ -12283,7 +12385,7 @@
         <p:spPr>
           <a:xfrm>
             <a:off x="2445174" y="3982197"/>
-            <a:ext cx="2880360" cy="2585323"/>
+            <a:ext cx="2880360" cy="1754326"/>
           </a:xfrm>
           <a:prstGeom prst="rect">
             <a:avLst/>
@@ -12301,13 +12403,13 @@
               <a:buChar char="•"/>
             </a:pPr>
             <a:r>
-              <a:rPr lang="en-GB" noProof="0" dirty="0">
+              <a:rPr lang="en-GB" dirty="0">
                 <a:solidFill>
                   <a:srgbClr val="1F2328"/>
                 </a:solidFill>
                 <a:latin typeface="-apple-system"/>
               </a:rPr>
-              <a:t> Removing low variance     columns/rows</a:t>
+              <a:t> Re-ordering data</a:t>
             </a:r>
           </a:p>
           <a:p>
@@ -12334,14 +12436,10 @@
                 </a:solidFill>
                 <a:latin typeface="-apple-system"/>
               </a:rPr>
-              <a:t> Removing batch effects</a:t>
-            </a:r>
-          </a:p>
-          <a:p>
-            <a:pPr>
-              <a:buFont typeface="Arial" panose="020B0604020202020204" pitchFamily="34" charset="0"/>
-              <a:buChar char="•"/>
-            </a:pPr>
+              <a:t> remove low variance in rows</a:t>
+            </a:r>
+          </a:p>
+          <a:p>
             <a:endParaRPr lang="en-GB" noProof="0" dirty="0">
               <a:solidFill>
                 <a:srgbClr val="1F2328"/>
@@ -12363,45 +12461,6 @@
               </a:rPr>
               <a:t> Removing technical outliers</a:t>
             </a:r>
-          </a:p>
-          <a:p>
-            <a:pPr>
-              <a:buFont typeface="Arial" panose="020B0604020202020204" pitchFamily="34" charset="0"/>
-              <a:buChar char="•"/>
-            </a:pPr>
-            <a:endParaRPr lang="en-GB" noProof="0" dirty="0">
-              <a:solidFill>
-                <a:srgbClr val="1F2328"/>
-              </a:solidFill>
-              <a:latin typeface="-apple-system"/>
-            </a:endParaRPr>
-          </a:p>
-          <a:p>
-            <a:pPr>
-              <a:buFont typeface="Arial" panose="020B0604020202020204" pitchFamily="34" charset="0"/>
-              <a:buChar char="•"/>
-            </a:pPr>
-            <a:r>
-              <a:rPr lang="en-GB" noProof="0" dirty="0">
-                <a:solidFill>
-                  <a:srgbClr val="1F2328"/>
-                </a:solidFill>
-                <a:latin typeface="-apple-system"/>
-              </a:rPr>
-              <a:t> Re-ordering data</a:t>
-            </a:r>
-          </a:p>
-          <a:p>
-            <a:pPr algn="l">
-              <a:buFont typeface="Arial" panose="020B0604020202020204" pitchFamily="34" charset="0"/>
-              <a:buChar char="•"/>
-            </a:pPr>
-            <a:endParaRPr lang="en-GB" noProof="0" dirty="0">
-              <a:solidFill>
-                <a:srgbClr val="1F2328"/>
-              </a:solidFill>
-              <a:latin typeface="-apple-system"/>
-            </a:endParaRPr>
           </a:p>
         </p:txBody>
       </p:sp>
@@ -12564,7 +12623,7 @@
         </p:blipFill>
         <p:spPr>
           <a:xfrm>
-            <a:off x="5921670" y="1532666"/>
+            <a:off x="5921670" y="1565444"/>
             <a:ext cx="6206534" cy="3727112"/>
           </a:xfrm>
           <a:prstGeom prst="rect">
@@ -12586,7 +12645,7 @@
         </p:nvSpPr>
         <p:spPr>
           <a:xfrm>
-            <a:off x="6095999" y="5259778"/>
+            <a:off x="6095999" y="5175025"/>
             <a:ext cx="4572000" cy="246221"/>
           </a:xfrm>
           <a:prstGeom prst="rect">
@@ -12601,14 +12660,102 @@
           <a:lstStyle/>
           <a:p>
             <a:r>
-              <a:rPr lang="en-US" sz="1000" u="sng" noProof="0" dirty="0" err="1"/>
+              <a:rPr lang="en-US" sz="1000" dirty="0">
+                <a:solidFill>
+                  <a:schemeClr val="bg1">
+                    <a:lumMod val="65000"/>
+                  </a:schemeClr>
+                </a:solidFill>
+              </a:rPr>
+              <a:t>C</a:t>
+            </a:r>
+            <a:r>
+              <a:rPr lang="en-US" sz="1000" noProof="0" dirty="0" err="1">
+                <a:solidFill>
+                  <a:schemeClr val="bg1">
+                    <a:lumMod val="65000"/>
+                  </a:schemeClr>
+                </a:solidFill>
+              </a:rPr>
+              <a:t>arl</a:t>
+            </a:r>
+            <a:r>
+              <a:rPr lang="en-US" sz="1000" noProof="0" dirty="0">
+                <a:solidFill>
+                  <a:schemeClr val="bg1">
+                    <a:lumMod val="65000"/>
+                  </a:schemeClr>
+                </a:solidFill>
+              </a:rPr>
+              <a:t> Herrmann </a:t>
+            </a:r>
+            <a:r>
+              <a:rPr lang="en-US" sz="1000" i="1" noProof="0" dirty="0">
+                <a:solidFill>
+                  <a:schemeClr val="bg1">
+                    <a:lumMod val="65000"/>
+                  </a:schemeClr>
+                </a:solidFill>
+              </a:rPr>
+              <a:t>et. </a:t>
+            </a:r>
+            <a:r>
+              <a:rPr lang="en-US" sz="1000" i="1" dirty="0">
+                <a:solidFill>
+                  <a:schemeClr val="bg1">
+                    <a:lumMod val="65000"/>
+                  </a:schemeClr>
+                </a:solidFill>
+              </a:rPr>
+              <a:t>a</a:t>
+            </a:r>
+            <a:r>
+              <a:rPr lang="en-US" sz="1000" i="1" noProof="0" dirty="0">
+                <a:solidFill>
+                  <a:schemeClr val="bg1">
+                    <a:lumMod val="65000"/>
+                  </a:schemeClr>
+                </a:solidFill>
+              </a:rPr>
+              <a:t>l</a:t>
+            </a:r>
+            <a:r>
+              <a:rPr lang="en-US" sz="1000" noProof="0" dirty="0">
+                <a:solidFill>
+                  <a:schemeClr val="bg1">
+                    <a:lumMod val="65000"/>
+                  </a:schemeClr>
+                </a:solidFill>
+              </a:rPr>
+              <a:t>: </a:t>
+            </a:r>
+            <a:r>
+              <a:rPr lang="en-US" sz="1000" noProof="0" dirty="0" err="1">
+                <a:solidFill>
+                  <a:schemeClr val="bg1">
+                    <a:lumMod val="65000"/>
+                  </a:schemeClr>
+                </a:solidFill>
+              </a:rPr>
               <a:t>Bioinfo</a:t>
             </a:r>
             <a:r>
-              <a:rPr lang="en-US" sz="1000" u="sng" noProof="0" dirty="0"/>
+              <a:rPr lang="en-US" sz="1000" noProof="0" dirty="0">
+                <a:solidFill>
+                  <a:schemeClr val="bg1">
+                    <a:lumMod val="65000"/>
+                  </a:schemeClr>
+                </a:solidFill>
+              </a:rPr>
               <a:t> slides from the 3rd semester</a:t>
             </a:r>
-            <a:endParaRPr lang="en-GB" sz="1000" u="sng" noProof="0" dirty="0"/>
+            <a:endParaRPr lang="en-GB" sz="1000" noProof="0" dirty="0">
+              <a:solidFill>
+                <a:schemeClr val="bg1">
+                  <a:lumMod val="65000"/>
+                </a:schemeClr>
+              </a:solidFill>
+            </a:endParaRPr>
           </a:p>
         </p:txBody>
       </p:sp>
@@ -12724,7 +12871,7 @@
                             </p:stCondLst>
                             <p:childTnLst>
                               <p:par>
-                                <p:cTn id="9" presetID="1" presetClass="entr" presetSubtype="0" fill="hold" grpId="0" nodeType="clickEffect">
+                                <p:cTn id="9" presetID="1" presetClass="entr" presetSubtype="0" fill="hold" nodeType="clickEffect">
                                   <p:stCondLst>
                                     <p:cond delay="0"/>
                                   </p:stCondLst>
@@ -12773,7 +12920,7 @@
                             </p:stCondLst>
                             <p:childTnLst>
                               <p:par>
-                                <p:cTn id="13" presetID="1" presetClass="entr" presetSubtype="0" fill="hold" grpId="0" nodeType="clickEffect">
+                                <p:cTn id="13" presetID="1" presetClass="entr" presetSubtype="0" fill="hold" nodeType="clickEffect">
                                   <p:stCondLst>
                                     <p:cond delay="0"/>
                                   </p:stCondLst>
@@ -12835,11 +12982,7 @@
                                           </p:stCondLst>
                                         </p:cTn>
                                         <p:tgtEl>
-                                          <p:spTgt spid="9">
-                                            <p:txEl>
-                                              <p:pRg st="4" end="4"/>
-                                            </p:txEl>
-                                          </p:spTgt>
+                                          <p:spTgt spid="15"/>
                                         </p:tgtEl>
                                         <p:attrNameLst>
                                           <p:attrName>style.visibility</p:attrName>
@@ -12852,26 +12995,35 @@
                                   </p:childTnLst>
                                 </p:cTn>
                               </p:par>
-                            </p:childTnLst>
-                          </p:cTn>
-                        </p:par>
-                      </p:childTnLst>
-                    </p:cTn>
-                  </p:par>
-                  <p:par>
-                    <p:cTn id="19" fill="hold">
-                      <p:stCondLst>
-                        <p:cond delay="indefinite"/>
-                      </p:stCondLst>
-                      <p:childTnLst>
-                        <p:par>
-                          <p:cTn id="20" fill="hold">
-                            <p:stCondLst>
-                              <p:cond delay="0"/>
-                            </p:stCondLst>
-                            <p:childTnLst>
                               <p:par>
-                                <p:cTn id="21" presetID="1" presetClass="entr" presetSubtype="0" fill="hold" grpId="0" nodeType="clickEffect">
+                                <p:cTn id="19" presetID="1" presetClass="entr" presetSubtype="0" fill="hold" nodeType="withEffect">
+                                  <p:stCondLst>
+                                    <p:cond delay="0"/>
+                                  </p:stCondLst>
+                                  <p:childTnLst>
+                                    <p:set>
+                                      <p:cBhvr>
+                                        <p:cTn id="20" dur="1" fill="hold">
+                                          <p:stCondLst>
+                                            <p:cond delay="0"/>
+                                          </p:stCondLst>
+                                        </p:cTn>
+                                        <p:tgtEl>
+                                          <p:spTgt spid="12"/>
+                                        </p:tgtEl>
+                                        <p:attrNameLst>
+                                          <p:attrName>style.visibility</p:attrName>
+                                        </p:attrNameLst>
+                                      </p:cBhvr>
+                                      <p:to>
+                                        <p:strVal val="visible"/>
+                                      </p:to>
+                                    </p:set>
+                                  </p:childTnLst>
+                                </p:cTn>
+                              </p:par>
+                              <p:par>
+                                <p:cTn id="21" presetID="1" presetClass="entr" presetSubtype="0" fill="hold" grpId="0" nodeType="withEffect">
                                   <p:stCondLst>
                                     <p:cond delay="0"/>
                                   </p:stCondLst>
@@ -12884,11 +13036,7 @@
                                           </p:stCondLst>
                                         </p:cTn>
                                         <p:tgtEl>
-                                          <p:spTgt spid="9">
-                                            <p:txEl>
-                                              <p:pRg st="6" end="6"/>
-                                            </p:txEl>
-                                          </p:spTgt>
+                                          <p:spTgt spid="16"/>
                                         </p:tgtEl>
                                         <p:attrNameLst>
                                           <p:attrName>style.visibility</p:attrName>
@@ -12933,7 +13081,11 @@
                                           </p:stCondLst>
                                         </p:cTn>
                                         <p:tgtEl>
-                                          <p:spTgt spid="12"/>
+                                          <p:spTgt spid="9">
+                                            <p:txEl>
+                                              <p:pRg st="4" end="4"/>
+                                            </p:txEl>
+                                          </p:spTgt>
                                         </p:tgtEl>
                                         <p:attrNameLst>
                                           <p:attrName>style.visibility</p:attrName>
@@ -12965,7 +13117,7 @@
                             </p:stCondLst>
                             <p:childTnLst>
                               <p:par>
-                                <p:cTn id="29" presetID="1" presetClass="entr" presetSubtype="0" fill="hold" grpId="0" nodeType="clickEffect">
+                                <p:cTn id="29" presetID="1" presetClass="entr" presetSubtype="0" fill="hold" nodeType="clickEffect">
                                   <p:stCondLst>
                                     <p:cond delay="0"/>
                                   </p:stCondLst>
@@ -12973,51 +13125,6 @@
                                     <p:set>
                                       <p:cBhvr>
                                         <p:cTn id="30" dur="1" fill="hold">
-                                          <p:stCondLst>
-                                            <p:cond delay="0"/>
-                                          </p:stCondLst>
-                                        </p:cTn>
-                                        <p:tgtEl>
-                                          <p:spTgt spid="15"/>
-                                        </p:tgtEl>
-                                        <p:attrNameLst>
-                                          <p:attrName>style.visibility</p:attrName>
-                                        </p:attrNameLst>
-                                      </p:cBhvr>
-                                      <p:to>
-                                        <p:strVal val="visible"/>
-                                      </p:to>
-                                    </p:set>
-                                  </p:childTnLst>
-                                </p:cTn>
-                              </p:par>
-                            </p:childTnLst>
-                          </p:cTn>
-                        </p:par>
-                      </p:childTnLst>
-                    </p:cTn>
-                  </p:par>
-                  <p:par>
-                    <p:cTn id="31" fill="hold">
-                      <p:stCondLst>
-                        <p:cond delay="indefinite"/>
-                      </p:stCondLst>
-                      <p:childTnLst>
-                        <p:par>
-                          <p:cTn id="32" fill="hold">
-                            <p:stCondLst>
-                              <p:cond delay="0"/>
-                            </p:stCondLst>
-                            <p:childTnLst>
-                              <p:par>
-                                <p:cTn id="33" presetID="1" presetClass="entr" presetSubtype="0" fill="hold" nodeType="clickEffect">
-                                  <p:stCondLst>
-                                    <p:cond delay="0"/>
-                                  </p:stCondLst>
-                                  <p:childTnLst>
-                                    <p:set>
-                                      <p:cBhvr>
-                                        <p:cTn id="34" dur="1" fill="hold">
                                           <p:stCondLst>
                                             <p:cond delay="0"/>
                                           </p:stCondLst>
@@ -13065,8 +13172,8 @@
     </p:tnLst>
     <p:bldLst>
       <p:bldP spid="2" grpId="0" animBg="1"/>
-      <p:bldP spid="9" grpId="0" build="p"/>
       <p:bldP spid="15" grpId="0" animBg="1"/>
+      <p:bldP spid="16" grpId="0"/>
     </p:bldLst>
   </p:timing>
 </p:sld>
@@ -13198,7 +13305,7 @@
         </p:nvSpPr>
         <p:spPr>
           <a:xfrm>
-            <a:off x="2445174" y="3982197"/>
+            <a:off x="2424006" y="3982197"/>
             <a:ext cx="2880360" cy="1477328"/>
           </a:xfrm>
           <a:prstGeom prst="rect">
@@ -13360,117 +13467,6 @@
           </a:prstGeom>
         </p:spPr>
       </p:pic>
-      <p:pic>
-        <p:nvPicPr>
-          <p:cNvPr id="6" name="Picture 5" descr="A screenshot of a computer&#10;&#10;AI-generated content may be incorrect.">
-            <a:extLst>
-              <a:ext uri="{FF2B5EF4-FFF2-40B4-BE49-F238E27FC236}">
-                <a16:creationId xmlns:a16="http://schemas.microsoft.com/office/drawing/2014/main" id="{C38385E9-76DF-9EEC-4BBA-CA52B6B2AFF8}"/>
-              </a:ext>
-            </a:extLst>
-          </p:cNvPr>
-          <p:cNvPicPr>
-            <a:picLocks noChangeAspect="1"/>
-          </p:cNvPicPr>
-          <p:nvPr/>
-        </p:nvPicPr>
-        <p:blipFill>
-          <a:blip r:embed="rId3">
-            <a:extLst>
-              <a:ext uri="{28A0092B-C50C-407E-A947-70E740481C1C}">
-                <a14:useLocalDpi xmlns:a14="http://schemas.microsoft.com/office/drawing/2010/main" val="0"/>
-              </a:ext>
-            </a:extLst>
-          </a:blip>
-          <a:srcRect b="8917"/>
-          <a:stretch/>
-        </p:blipFill>
-        <p:spPr>
-          <a:xfrm>
-            <a:off x="6017677" y="1407919"/>
-            <a:ext cx="5789455" cy="4256282"/>
-          </a:xfrm>
-          <a:prstGeom prst="rect">
-            <a:avLst/>
-          </a:prstGeom>
-        </p:spPr>
-      </p:pic>
-      <p:pic>
-        <p:nvPicPr>
-          <p:cNvPr id="10" name="Picture 9" descr="A blue screen with black text&#10;&#10;AI-generated content may be incorrect.">
-            <a:extLst>
-              <a:ext uri="{FF2B5EF4-FFF2-40B4-BE49-F238E27FC236}">
-                <a16:creationId xmlns:a16="http://schemas.microsoft.com/office/drawing/2014/main" id="{C6A6EDF5-5A94-3215-64CE-13024C5DEDAD}"/>
-              </a:ext>
-            </a:extLst>
-          </p:cNvPr>
-          <p:cNvPicPr>
-            <a:picLocks noChangeAspect="1"/>
-          </p:cNvPicPr>
-          <p:nvPr/>
-        </p:nvPicPr>
-        <p:blipFill>
-          <a:blip r:embed="rId4">
-            <a:extLst>
-              <a:ext uri="{28A0092B-C50C-407E-A947-70E740481C1C}">
-                <a14:useLocalDpi xmlns:a14="http://schemas.microsoft.com/office/drawing/2010/main" val="0"/>
-              </a:ext>
-            </a:extLst>
-          </a:blip>
-          <a:stretch>
-            <a:fillRect/>
-          </a:stretch>
-        </p:blipFill>
-        <p:spPr>
-          <a:xfrm>
-            <a:off x="6017675" y="1407918"/>
-            <a:ext cx="5789455" cy="4347031"/>
-          </a:xfrm>
-          <a:prstGeom prst="rect">
-            <a:avLst/>
-          </a:prstGeom>
-        </p:spPr>
-      </p:pic>
-      <p:sp>
-        <p:nvSpPr>
-          <p:cNvPr id="11" name="TextBox 10">
-            <a:extLst>
-              <a:ext uri="{FF2B5EF4-FFF2-40B4-BE49-F238E27FC236}">
-                <a16:creationId xmlns:a16="http://schemas.microsoft.com/office/drawing/2014/main" id="{D1391C38-F372-C4F9-4D6F-D27F3BBD9796}"/>
-              </a:ext>
-            </a:extLst>
-          </p:cNvPr>
-          <p:cNvSpPr txBox="1"/>
-          <p:nvPr/>
-        </p:nvSpPr>
-        <p:spPr>
-          <a:xfrm>
-            <a:off x="6095999" y="5907282"/>
-            <a:ext cx="4572000" cy="246221"/>
-          </a:xfrm>
-          <a:prstGeom prst="rect">
-            <a:avLst/>
-          </a:prstGeom>
-          <a:noFill/>
-        </p:spPr>
-        <p:txBody>
-          <a:bodyPr wrap="square" rtlCol="0">
-            <a:spAutoFit/>
-          </a:bodyPr>
-          <a:lstStyle/>
-          <a:p>
-            <a:r>
-              <a:rPr lang="en-US" sz="1000" u="sng" noProof="0" dirty="0" err="1"/>
-              <a:t>Bioinfo</a:t>
-            </a:r>
-            <a:r>
-              <a:rPr lang="en-US" sz="1000" u="sng" noProof="0" dirty="0"/>
-              <a:t> slides from the 3rd semester</a:t>
-            </a:r>
-            <a:endParaRPr lang="en-GB" sz="1000" u="sng" noProof="0" dirty="0"/>
-          </a:p>
-        </p:txBody>
-      </p:sp>
       <p:sp>
         <p:nvSpPr>
           <p:cNvPr id="12" name="TextBox 11">
@@ -13504,6 +13500,317 @@
               <a:rPr lang="en-GB" noProof="0" dirty="0"/>
               <a:t>26.05.-01.06.</a:t>
             </a:r>
+          </a:p>
+        </p:txBody>
+      </p:sp>
+      <p:sp>
+        <p:nvSpPr>
+          <p:cNvPr id="5" name="TextBox 4">
+            <a:extLst>
+              <a:ext uri="{FF2B5EF4-FFF2-40B4-BE49-F238E27FC236}">
+                <a16:creationId xmlns:a16="http://schemas.microsoft.com/office/drawing/2014/main" id="{36DEDBC1-0E4A-7BB9-66D2-5DC5EF0CF2EA}"/>
+              </a:ext>
+            </a:extLst>
+          </p:cNvPr>
+          <p:cNvSpPr txBox="1"/>
+          <p:nvPr/>
+        </p:nvSpPr>
+        <p:spPr>
+          <a:xfrm>
+            <a:off x="6017678" y="5709152"/>
+            <a:ext cx="5693757" cy="400110"/>
+          </a:xfrm>
+          <a:prstGeom prst="rect">
+            <a:avLst/>
+          </a:prstGeom>
+          <a:noFill/>
+        </p:spPr>
+        <p:txBody>
+          <a:bodyPr wrap="square" rtlCol="0">
+            <a:spAutoFit/>
+          </a:bodyPr>
+          <a:lstStyle/>
+          <a:p>
+            <a:r>
+              <a:rPr lang="de-DE" sz="1000" dirty="0" err="1">
+                <a:solidFill>
+                  <a:schemeClr val="bg1">
+                    <a:lumMod val="65000"/>
+                  </a:schemeClr>
+                </a:solidFill>
+              </a:rPr>
+              <a:t>Maiwen</a:t>
+            </a:r>
+            <a:r>
+              <a:rPr lang="de-DE" sz="1000" dirty="0">
+                <a:solidFill>
+                  <a:schemeClr val="bg1">
+                    <a:lumMod val="65000"/>
+                  </a:schemeClr>
+                </a:solidFill>
+              </a:rPr>
+              <a:t> Caudron-Herger </a:t>
+            </a:r>
+            <a:r>
+              <a:rPr lang="de-DE" sz="1000" i="1" dirty="0">
+                <a:solidFill>
+                  <a:schemeClr val="bg1">
+                    <a:lumMod val="65000"/>
+                  </a:schemeClr>
+                </a:solidFill>
+              </a:rPr>
+              <a:t>et. al</a:t>
+            </a:r>
+            <a:r>
+              <a:rPr lang="de-DE" sz="1000" dirty="0">
+                <a:solidFill>
+                  <a:schemeClr val="bg1">
+                    <a:lumMod val="65000"/>
+                  </a:schemeClr>
+                </a:solidFill>
+              </a:rPr>
+              <a:t>: </a:t>
+            </a:r>
+            <a:r>
+              <a:rPr lang="en-US" sz="1000" dirty="0">
+                <a:solidFill>
+                  <a:schemeClr val="bg1">
+                    <a:lumMod val="65000"/>
+                  </a:schemeClr>
+                </a:solidFill>
+              </a:rPr>
+              <a:t>Identification, quantification and bioinformatic analysis of RNA-dependent proteins by RNase treatment and density gradient ultracentrifugation using R-</a:t>
+            </a:r>
+            <a:r>
+              <a:rPr lang="en-US" sz="1000" dirty="0" err="1">
+                <a:solidFill>
+                  <a:schemeClr val="bg1">
+                    <a:lumMod val="65000"/>
+                  </a:schemeClr>
+                </a:solidFill>
+              </a:rPr>
+              <a:t>DeeP</a:t>
+            </a:r>
+            <a:endParaRPr lang="en-GB" sz="1000" noProof="0" dirty="0">
+              <a:solidFill>
+                <a:schemeClr val="bg1">
+                  <a:lumMod val="65000"/>
+                </a:schemeClr>
+              </a:solidFill>
+            </a:endParaRPr>
+          </a:p>
+        </p:txBody>
+      </p:sp>
+      <p:sp>
+        <p:nvSpPr>
+          <p:cNvPr id="8" name="Rectangle 7">
+            <a:extLst>
+              <a:ext uri="{FF2B5EF4-FFF2-40B4-BE49-F238E27FC236}">
+                <a16:creationId xmlns:a16="http://schemas.microsoft.com/office/drawing/2014/main" id="{E9BF37F4-9EAD-E31C-DB30-7D53126069E9}"/>
+              </a:ext>
+            </a:extLst>
+          </p:cNvPr>
+          <p:cNvSpPr/>
+          <p:nvPr/>
+        </p:nvSpPr>
+        <p:spPr>
+          <a:xfrm>
+            <a:off x="5645940" y="5654757"/>
+            <a:ext cx="6341533" cy="804333"/>
+          </a:xfrm>
+          <a:prstGeom prst="rect">
+            <a:avLst/>
+          </a:prstGeom>
+          <a:solidFill>
+            <a:schemeClr val="bg1"/>
+          </a:solidFill>
+          <a:ln>
+            <a:solidFill>
+              <a:schemeClr val="bg1"/>
+            </a:solidFill>
+          </a:ln>
+        </p:spPr>
+        <p:style>
+          <a:lnRef idx="2">
+            <a:schemeClr val="accent1">
+              <a:shade val="15000"/>
+            </a:schemeClr>
+          </a:lnRef>
+          <a:fillRef idx="1">
+            <a:schemeClr val="accent1"/>
+          </a:fillRef>
+          <a:effectRef idx="0">
+            <a:schemeClr val="accent1"/>
+          </a:effectRef>
+          <a:fontRef idx="minor">
+            <a:schemeClr val="lt1"/>
+          </a:fontRef>
+        </p:style>
+        <p:txBody>
+          <a:bodyPr rtlCol="0" anchor="ctr"/>
+          <a:lstStyle/>
+          <a:p>
+            <a:pPr algn="ctr"/>
+            <a:endParaRPr lang="de-DE"/>
+          </a:p>
+        </p:txBody>
+      </p:sp>
+      <p:pic>
+        <p:nvPicPr>
+          <p:cNvPr id="6" name="Picture 5" descr="A screenshot of a computer&#10;&#10;AI-generated content may be incorrect.">
+            <a:extLst>
+              <a:ext uri="{FF2B5EF4-FFF2-40B4-BE49-F238E27FC236}">
+                <a16:creationId xmlns:a16="http://schemas.microsoft.com/office/drawing/2014/main" id="{C38385E9-76DF-9EEC-4BBA-CA52B6B2AFF8}"/>
+              </a:ext>
+            </a:extLst>
+          </p:cNvPr>
+          <p:cNvPicPr>
+            <a:picLocks noChangeAspect="1"/>
+          </p:cNvPicPr>
+          <p:nvPr/>
+        </p:nvPicPr>
+        <p:blipFill>
+          <a:blip r:embed="rId3">
+            <a:extLst>
+              <a:ext uri="{28A0092B-C50C-407E-A947-70E740481C1C}">
+                <a14:useLocalDpi xmlns:a14="http://schemas.microsoft.com/office/drawing/2010/main" val="0"/>
+              </a:ext>
+            </a:extLst>
+          </a:blip>
+          <a:srcRect b="8917"/>
+          <a:stretch/>
+        </p:blipFill>
+        <p:spPr>
+          <a:xfrm>
+            <a:off x="6017678" y="1651000"/>
+            <a:ext cx="5789455" cy="4256282"/>
+          </a:xfrm>
+          <a:prstGeom prst="rect">
+            <a:avLst/>
+          </a:prstGeom>
+        </p:spPr>
+      </p:pic>
+      <p:pic>
+        <p:nvPicPr>
+          <p:cNvPr id="10" name="Picture 9" descr="A blue screen with black text&#10;&#10;AI-generated content may be incorrect.">
+            <a:extLst>
+              <a:ext uri="{FF2B5EF4-FFF2-40B4-BE49-F238E27FC236}">
+                <a16:creationId xmlns:a16="http://schemas.microsoft.com/office/drawing/2014/main" id="{C6A6EDF5-5A94-3215-64CE-13024C5DEDAD}"/>
+              </a:ext>
+            </a:extLst>
+          </p:cNvPr>
+          <p:cNvPicPr>
+            <a:picLocks noChangeAspect="1"/>
+          </p:cNvPicPr>
+          <p:nvPr/>
+        </p:nvPicPr>
+        <p:blipFill>
+          <a:blip r:embed="rId4">
+            <a:extLst>
+              <a:ext uri="{28A0092B-C50C-407E-A947-70E740481C1C}">
+                <a14:useLocalDpi xmlns:a14="http://schemas.microsoft.com/office/drawing/2010/main" val="0"/>
+              </a:ext>
+            </a:extLst>
+          </a:blip>
+          <a:stretch>
+            <a:fillRect/>
+          </a:stretch>
+        </p:blipFill>
+        <p:spPr>
+          <a:xfrm>
+            <a:off x="6017677" y="1651000"/>
+            <a:ext cx="5789455" cy="4347031"/>
+          </a:xfrm>
+          <a:prstGeom prst="rect">
+            <a:avLst/>
+          </a:prstGeom>
+        </p:spPr>
+      </p:pic>
+      <p:sp>
+        <p:nvSpPr>
+          <p:cNvPr id="11" name="TextBox 10">
+            <a:extLst>
+              <a:ext uri="{FF2B5EF4-FFF2-40B4-BE49-F238E27FC236}">
+                <a16:creationId xmlns:a16="http://schemas.microsoft.com/office/drawing/2014/main" id="{D1391C38-F372-C4F9-4D6F-D27F3BBD9796}"/>
+              </a:ext>
+            </a:extLst>
+          </p:cNvPr>
+          <p:cNvSpPr txBox="1"/>
+          <p:nvPr/>
+        </p:nvSpPr>
+        <p:spPr>
+          <a:xfrm>
+            <a:off x="6017676" y="5986151"/>
+            <a:ext cx="4572000" cy="246221"/>
+          </a:xfrm>
+          <a:prstGeom prst="rect">
+            <a:avLst/>
+          </a:prstGeom>
+          <a:noFill/>
+        </p:spPr>
+        <p:txBody>
+          <a:bodyPr wrap="square" rtlCol="0">
+            <a:spAutoFit/>
+          </a:bodyPr>
+          <a:lstStyle/>
+          <a:p>
+            <a:r>
+              <a:rPr lang="en-US" sz="1000" dirty="0">
+                <a:solidFill>
+                  <a:schemeClr val="bg1">
+                    <a:lumMod val="65000"/>
+                  </a:schemeClr>
+                </a:solidFill>
+              </a:rPr>
+              <a:t>Carl Herrmann </a:t>
+            </a:r>
+            <a:r>
+              <a:rPr lang="en-US" sz="1000" i="1" dirty="0">
+                <a:solidFill>
+                  <a:schemeClr val="bg1">
+                    <a:lumMod val="65000"/>
+                  </a:schemeClr>
+                </a:solidFill>
+              </a:rPr>
+              <a:t>et. al</a:t>
+            </a:r>
+            <a:r>
+              <a:rPr lang="en-US" sz="1000" dirty="0">
+                <a:solidFill>
+                  <a:schemeClr val="bg1">
+                    <a:lumMod val="65000"/>
+                  </a:schemeClr>
+                </a:solidFill>
+              </a:rPr>
+              <a:t>: </a:t>
+            </a:r>
+            <a:r>
+              <a:rPr lang="en-US" sz="1000" dirty="0" err="1">
+                <a:solidFill>
+                  <a:schemeClr val="bg1">
+                    <a:lumMod val="65000"/>
+                  </a:schemeClr>
+                </a:solidFill>
+              </a:rPr>
+              <a:t>Bioinfo</a:t>
+            </a:r>
+            <a:r>
+              <a:rPr lang="en-US" sz="1000" dirty="0">
+                <a:solidFill>
+                  <a:schemeClr val="bg1">
+                    <a:lumMod val="65000"/>
+                  </a:schemeClr>
+                </a:solidFill>
+              </a:rPr>
+              <a:t> slides from the 3rd semester</a:t>
+            </a:r>
+            <a:endParaRPr lang="en-GB" sz="1000" dirty="0">
+              <a:solidFill>
+                <a:schemeClr val="bg1">
+                  <a:lumMod val="65000"/>
+                </a:schemeClr>
+              </a:solidFill>
+            </a:endParaRPr>
           </a:p>
         </p:txBody>
       </p:sp>
@@ -13583,7 +13890,7 @@
                             </p:stCondLst>
                             <p:childTnLst>
                               <p:par>
-                                <p:cTn id="9" presetID="1" presetClass="entr" presetSubtype="0" fill="hold" grpId="0" nodeType="clickEffect">
+                                <p:cTn id="9" presetID="1" presetClass="entr" presetSubtype="0" fill="hold" nodeType="clickEffect">
                                   <p:stCondLst>
                                     <p:cond delay="0"/>
                                   </p:stCondLst>
@@ -13632,7 +13939,7 @@
                             </p:stCondLst>
                             <p:childTnLst>
                               <p:par>
-                                <p:cTn id="13" presetID="1" presetClass="entr" presetSubtype="0" fill="hold" grpId="0" nodeType="clickEffect">
+                                <p:cTn id="13" presetID="1" presetClass="entr" presetSubtype="0" fill="hold" nodeType="clickEffect">
                                   <p:stCondLst>
                                     <p:cond delay="0"/>
                                   </p:stCondLst>
@@ -13640,6 +13947,78 @@
                                     <p:set>
                                       <p:cBhvr>
                                         <p:cTn id="14" dur="1" fill="hold">
+                                          <p:stCondLst>
+                                            <p:cond delay="0"/>
+                                          </p:stCondLst>
+                                        </p:cTn>
+                                        <p:tgtEl>
+                                          <p:spTgt spid="4"/>
+                                        </p:tgtEl>
+                                        <p:attrNameLst>
+                                          <p:attrName>style.visibility</p:attrName>
+                                        </p:attrNameLst>
+                                      </p:cBhvr>
+                                      <p:to>
+                                        <p:strVal val="visible"/>
+                                      </p:to>
+                                    </p:set>
+                                  </p:childTnLst>
+                                </p:cTn>
+                              </p:par>
+                              <p:par>
+                                <p:cTn id="15" presetID="1" presetClass="entr" presetSubtype="0" fill="hold" grpId="0" nodeType="withEffect">
+                                  <p:stCondLst>
+                                    <p:cond delay="0"/>
+                                  </p:stCondLst>
+                                  <p:childTnLst>
+                                    <p:set>
+                                      <p:cBhvr>
+                                        <p:cTn id="16" dur="1" fill="hold">
+                                          <p:stCondLst>
+                                            <p:cond delay="0"/>
+                                          </p:stCondLst>
+                                        </p:cTn>
+                                        <p:tgtEl>
+                                          <p:spTgt spid="5"/>
+                                        </p:tgtEl>
+                                        <p:attrNameLst>
+                                          <p:attrName>style.visibility</p:attrName>
+                                        </p:attrNameLst>
+                                      </p:cBhvr>
+                                      <p:to>
+                                        <p:strVal val="visible"/>
+                                      </p:to>
+                                    </p:set>
+                                  </p:childTnLst>
+                                </p:cTn>
+                              </p:par>
+                            </p:childTnLst>
+                          </p:cTn>
+                        </p:par>
+                      </p:childTnLst>
+                    </p:cTn>
+                  </p:par>
+                  <p:par>
+                    <p:cTn id="17" fill="hold">
+                      <p:stCondLst>
+                        <p:cond delay="indefinite"/>
+                      </p:stCondLst>
+                      <p:childTnLst>
+                        <p:par>
+                          <p:cTn id="18" fill="hold">
+                            <p:stCondLst>
+                              <p:cond delay="0"/>
+                            </p:stCondLst>
+                            <p:childTnLst>
+                              <p:par>
+                                <p:cTn id="19" presetID="1" presetClass="entr" presetSubtype="0" fill="hold" nodeType="clickEffect">
+                                  <p:stCondLst>
+                                    <p:cond delay="0"/>
+                                  </p:stCondLst>
+                                  <p:childTnLst>
+                                    <p:set>
+                                      <p:cBhvr>
+                                        <p:cTn id="20" dur="1" fill="hold">
                                           <p:stCondLst>
                                             <p:cond delay="0"/>
                                           </p:stCondLst>
@@ -13669,26 +14048,125 @@
                     </p:cTn>
                   </p:par>
                   <p:par>
-                    <p:cTn id="15" fill="hold">
+                    <p:cTn id="21" fill="hold">
                       <p:stCondLst>
                         <p:cond delay="indefinite"/>
                       </p:stCondLst>
                       <p:childTnLst>
                         <p:par>
-                          <p:cTn id="16" fill="hold">
+                          <p:cTn id="22" fill="hold">
                             <p:stCondLst>
                               <p:cond delay="0"/>
                             </p:stCondLst>
                             <p:childTnLst>
                               <p:par>
-                                <p:cTn id="17" presetID="1" presetClass="entr" presetSubtype="0" fill="hold" grpId="0" nodeType="clickEffect">
+                                <p:cTn id="23" presetID="1" presetClass="entr" presetSubtype="0" fill="hold" grpId="0" nodeType="clickEffect">
                                   <p:stCondLst>
                                     <p:cond delay="0"/>
                                   </p:stCondLst>
                                   <p:childTnLst>
                                     <p:set>
                                       <p:cBhvr>
-                                        <p:cTn id="18" dur="1" fill="hold">
+                                        <p:cTn id="24" dur="1" fill="hold">
+                                          <p:stCondLst>
+                                            <p:cond delay="0"/>
+                                          </p:stCondLst>
+                                        </p:cTn>
+                                        <p:tgtEl>
+                                          <p:spTgt spid="11"/>
+                                        </p:tgtEl>
+                                        <p:attrNameLst>
+                                          <p:attrName>style.visibility</p:attrName>
+                                        </p:attrNameLst>
+                                      </p:cBhvr>
+                                      <p:to>
+                                        <p:strVal val="visible"/>
+                                      </p:to>
+                                    </p:set>
+                                  </p:childTnLst>
+                                </p:cTn>
+                              </p:par>
+                              <p:par>
+                                <p:cTn id="25" presetID="1" presetClass="entr" presetSubtype="0" fill="hold" grpId="0" nodeType="withEffect">
+                                  <p:stCondLst>
+                                    <p:cond delay="0"/>
+                                  </p:stCondLst>
+                                  <p:childTnLst>
+                                    <p:set>
+                                      <p:cBhvr>
+                                        <p:cTn id="26" dur="1" fill="hold">
+                                          <p:stCondLst>
+                                            <p:cond delay="0"/>
+                                          </p:stCondLst>
+                                        </p:cTn>
+                                        <p:tgtEl>
+                                          <p:spTgt spid="8"/>
+                                        </p:tgtEl>
+                                        <p:attrNameLst>
+                                          <p:attrName>style.visibility</p:attrName>
+                                        </p:attrNameLst>
+                                      </p:cBhvr>
+                                      <p:to>
+                                        <p:strVal val="visible"/>
+                                      </p:to>
+                                    </p:set>
+                                  </p:childTnLst>
+                                </p:cTn>
+                              </p:par>
+                              <p:par>
+                                <p:cTn id="27" presetID="1" presetClass="entr" presetSubtype="0" fill="hold" nodeType="withEffect">
+                                  <p:stCondLst>
+                                    <p:cond delay="0"/>
+                                  </p:stCondLst>
+                                  <p:childTnLst>
+                                    <p:set>
+                                      <p:cBhvr>
+                                        <p:cTn id="28" dur="1" fill="hold">
+                                          <p:stCondLst>
+                                            <p:cond delay="0"/>
+                                          </p:stCondLst>
+                                        </p:cTn>
+                                        <p:tgtEl>
+                                          <p:spTgt spid="6"/>
+                                        </p:tgtEl>
+                                        <p:attrNameLst>
+                                          <p:attrName>style.visibility</p:attrName>
+                                        </p:attrNameLst>
+                                      </p:cBhvr>
+                                      <p:to>
+                                        <p:strVal val="visible"/>
+                                      </p:to>
+                                    </p:set>
+                                  </p:childTnLst>
+                                </p:cTn>
+                              </p:par>
+                            </p:childTnLst>
+                          </p:cTn>
+                        </p:par>
+                      </p:childTnLst>
+                    </p:cTn>
+                  </p:par>
+                  <p:par>
+                    <p:cTn id="29" fill="hold">
+                      <p:stCondLst>
+                        <p:cond delay="indefinite"/>
+                      </p:stCondLst>
+                      <p:childTnLst>
+                        <p:par>
+                          <p:cTn id="30" fill="hold">
+                            <p:stCondLst>
+                              <p:cond delay="0"/>
+                            </p:stCondLst>
+                            <p:childTnLst>
+                              <p:par>
+                                <p:cTn id="31" presetID="1" presetClass="entr" presetSubtype="0" fill="hold" nodeType="clickEffect">
+                                  <p:stCondLst>
+                                    <p:cond delay="0"/>
+                                  </p:stCondLst>
+                                  <p:childTnLst>
+                                    <p:set>
+                                      <p:cBhvr>
+                                        <p:cTn id="32" dur="1" fill="hold">
                                           <p:stCondLst>
                                             <p:cond delay="0"/>
                                           </p:stCondLst>
@@ -13718,116 +14196,26 @@
                     </p:cTn>
                   </p:par>
                   <p:par>
-                    <p:cTn id="19" fill="hold">
+                    <p:cTn id="33" fill="hold">
                       <p:stCondLst>
                         <p:cond delay="indefinite"/>
                       </p:stCondLst>
                       <p:childTnLst>
                         <p:par>
-                          <p:cTn id="20" fill="hold">
+                          <p:cTn id="34" fill="hold">
                             <p:stCondLst>
                               <p:cond delay="0"/>
                             </p:stCondLst>
                             <p:childTnLst>
                               <p:par>
-                                <p:cTn id="21" presetID="1" presetClass="entr" presetSubtype="0" fill="hold" nodeType="clickEffect">
+                                <p:cTn id="35" presetID="1" presetClass="entr" presetSubtype="0" fill="hold" nodeType="clickEffect">
                                   <p:stCondLst>
                                     <p:cond delay="0"/>
                                   </p:stCondLst>
                                   <p:childTnLst>
                                     <p:set>
                                       <p:cBhvr>
-                                        <p:cTn id="22" dur="1" fill="hold">
-                                          <p:stCondLst>
-                                            <p:cond delay="0"/>
-                                          </p:stCondLst>
-                                        </p:cTn>
-                                        <p:tgtEl>
-                                          <p:spTgt spid="4"/>
-                                        </p:tgtEl>
-                                        <p:attrNameLst>
-                                          <p:attrName>style.visibility</p:attrName>
-                                        </p:attrNameLst>
-                                      </p:cBhvr>
-                                      <p:to>
-                                        <p:strVal val="visible"/>
-                                      </p:to>
-                                    </p:set>
-                                  </p:childTnLst>
-                                </p:cTn>
-                              </p:par>
-                            </p:childTnLst>
-                          </p:cTn>
-                        </p:par>
-                      </p:childTnLst>
-                    </p:cTn>
-                  </p:par>
-                  <p:par>
-                    <p:cTn id="23" fill="hold">
-                      <p:stCondLst>
-                        <p:cond delay="indefinite"/>
-                      </p:stCondLst>
-                      <p:childTnLst>
-                        <p:par>
-                          <p:cTn id="24" fill="hold">
-                            <p:stCondLst>
-                              <p:cond delay="0"/>
-                            </p:stCondLst>
-                            <p:childTnLst>
-                              <p:par>
-                                <p:cTn id="25" presetID="1" presetClass="entr" presetSubtype="0" fill="hold" nodeType="clickEffect">
-                                  <p:stCondLst>
-                                    <p:cond delay="0"/>
-                                  </p:stCondLst>
-                                  <p:childTnLst>
-                                    <p:set>
-                                      <p:cBhvr>
-                                        <p:cTn id="26" dur="1" fill="hold">
-                                          <p:stCondLst>
-                                            <p:cond delay="0"/>
-                                          </p:stCondLst>
-                                        </p:cTn>
-                                        <p:tgtEl>
-                                          <p:spTgt spid="6"/>
-                                        </p:tgtEl>
-                                        <p:attrNameLst>
-                                          <p:attrName>style.visibility</p:attrName>
-                                        </p:attrNameLst>
-                                      </p:cBhvr>
-                                      <p:to>
-                                        <p:strVal val="visible"/>
-                                      </p:to>
-                                    </p:set>
-                                  </p:childTnLst>
-                                </p:cTn>
-                              </p:par>
-                            </p:childTnLst>
-                          </p:cTn>
-                        </p:par>
-                      </p:childTnLst>
-                    </p:cTn>
-                  </p:par>
-                  <p:par>
-                    <p:cTn id="27" fill="hold">
-                      <p:stCondLst>
-                        <p:cond delay="indefinite"/>
-                      </p:stCondLst>
-                      <p:childTnLst>
-                        <p:par>
-                          <p:cTn id="28" fill="hold">
-                            <p:stCondLst>
-                              <p:cond delay="0"/>
-                            </p:stCondLst>
-                            <p:childTnLst>
-                              <p:par>
-                                <p:cTn id="29" presetID="1" presetClass="entr" presetSubtype="0" fill="hold" nodeType="clickEffect">
-                                  <p:stCondLst>
-                                    <p:cond delay="0"/>
-                                  </p:stCondLst>
-                                  <p:childTnLst>
-                                    <p:set>
-                                      <p:cBhvr>
-                                        <p:cTn id="30" dur="1" fill="hold">
+                                        <p:cTn id="36" dur="1" fill="hold">
                                           <p:stCondLst>
                                             <p:cond delay="0"/>
                                           </p:stCondLst>
@@ -13875,7 +14263,9 @@
     </p:tnLst>
     <p:bldLst>
       <p:bldP spid="2" grpId="0" animBg="1"/>
-      <p:bldP spid="9" grpId="0" build="p"/>
+      <p:bldP spid="5" grpId="0"/>
+      <p:bldP spid="8" grpId="0" animBg="1"/>
+      <p:bldP spid="11" grpId="0"/>
     </p:bldLst>
   </p:timing>
 </p:sld>
@@ -13918,7 +14308,7 @@
         </p:nvSpPr>
         <p:spPr>
           <a:xfrm>
-            <a:off x="2445174" y="1651000"/>
+            <a:off x="2445174" y="1651001"/>
             <a:ext cx="2880360" cy="1666240"/>
           </a:xfrm>
           <a:prstGeom prst="roundRect">
@@ -14008,7 +14398,7 @@
         <p:spPr>
           <a:xfrm>
             <a:off x="2445174" y="3982197"/>
-            <a:ext cx="2880360" cy="1477328"/>
+            <a:ext cx="3090966" cy="1477328"/>
           </a:xfrm>
           <a:prstGeom prst="rect">
             <a:avLst/>
@@ -14033,7 +14423,7 @@
                 <a:effectLst/>
                 <a:latin typeface="-apple-system"/>
               </a:rPr>
-              <a:t> PCR</a:t>
+              <a:t> Principal Component Analysis</a:t>
             </a:r>
           </a:p>
           <a:p>
@@ -14058,7 +14448,7 @@
                 </a:solidFill>
                 <a:latin typeface="-apple-system"/>
               </a:rPr>
-              <a:t> k-means</a:t>
+              <a:t> k-means clustering</a:t>
             </a:r>
           </a:p>
           <a:p>
@@ -14188,7 +14578,7 @@
         </p:blipFill>
         <p:spPr>
           <a:xfrm>
-            <a:off x="5796493" y="1707771"/>
+            <a:off x="5635627" y="1522368"/>
             <a:ext cx="6456887" cy="4664477"/>
           </a:xfrm>
           <a:prstGeom prst="rect">
@@ -14210,7 +14600,7 @@
         </p:nvSpPr>
         <p:spPr>
           <a:xfrm>
-            <a:off x="6045201" y="6429020"/>
+            <a:off x="5635627" y="6403071"/>
             <a:ext cx="4572000" cy="246221"/>
           </a:xfrm>
           <a:prstGeom prst="rect">
@@ -14225,14 +14615,62 @@
           <a:lstStyle/>
           <a:p>
             <a:r>
-              <a:rPr lang="en-US" sz="1000" u="sng" noProof="0" dirty="0" err="1"/>
+              <a:rPr lang="en-US" sz="1000" dirty="0">
+                <a:solidFill>
+                  <a:schemeClr val="bg1">
+                    <a:lumMod val="65000"/>
+                  </a:schemeClr>
+                </a:solidFill>
+              </a:rPr>
+              <a:t>Carl Herrmann </a:t>
+            </a:r>
+            <a:r>
+              <a:rPr lang="en-US" sz="1000" i="1" dirty="0">
+                <a:solidFill>
+                  <a:schemeClr val="bg1">
+                    <a:lumMod val="65000"/>
+                  </a:schemeClr>
+                </a:solidFill>
+              </a:rPr>
+              <a:t>et. al</a:t>
+            </a:r>
+            <a:r>
+              <a:rPr lang="en-US" sz="1000" dirty="0">
+                <a:solidFill>
+                  <a:schemeClr val="bg1">
+                    <a:lumMod val="65000"/>
+                  </a:schemeClr>
+                </a:solidFill>
+              </a:rPr>
+              <a:t>: </a:t>
+            </a:r>
+            <a:r>
+              <a:rPr lang="en-US" sz="1000" dirty="0" err="1">
+                <a:solidFill>
+                  <a:schemeClr val="bg1">
+                    <a:lumMod val="65000"/>
+                  </a:schemeClr>
+                </a:solidFill>
+              </a:rPr>
               <a:t>Bioinfo</a:t>
             </a:r>
             <a:r>
-              <a:rPr lang="en-US" sz="1000" u="sng" noProof="0" dirty="0"/>
+              <a:rPr lang="en-US" sz="1000" dirty="0">
+                <a:solidFill>
+                  <a:schemeClr val="bg1">
+                    <a:lumMod val="65000"/>
+                  </a:schemeClr>
+                </a:solidFill>
+              </a:rPr>
               <a:t> slides from the 3rd semester</a:t>
             </a:r>
-            <a:endParaRPr lang="en-GB" sz="1000" u="sng" noProof="0" dirty="0"/>
+            <a:endParaRPr lang="en-GB" sz="1000" dirty="0">
+              <a:solidFill>
+                <a:schemeClr val="bg1">
+                  <a:lumMod val="65000"/>
+                </a:schemeClr>
+              </a:solidFill>
+            </a:endParaRPr>
           </a:p>
         </p:txBody>
       </p:sp>
@@ -14348,7 +14786,7 @@
                             </p:stCondLst>
                             <p:childTnLst>
                               <p:par>
-                                <p:cTn id="9" presetID="1" presetClass="entr" presetSubtype="0" fill="hold" grpId="0" nodeType="clickEffect">
+                                <p:cTn id="9" presetID="1" presetClass="entr" presetSubtype="0" fill="hold" nodeType="clickEffect">
                                   <p:stCondLst>
                                     <p:cond delay="0"/>
                                   </p:stCondLst>
@@ -14397,7 +14835,7 @@
                             </p:stCondLst>
                             <p:childTnLst>
                               <p:par>
-                                <p:cTn id="13" presetID="1" presetClass="entr" presetSubtype="0" fill="hold" grpId="0" nodeType="clickEffect">
+                                <p:cTn id="13" presetID="1" presetClass="entr" presetSubtype="0" fill="hold" nodeType="clickEffect">
                                   <p:stCondLst>
                                     <p:cond delay="0"/>
                                   </p:stCondLst>
@@ -14405,6 +14843,78 @@
                                     <p:set>
                                       <p:cBhvr>
                                         <p:cTn id="14" dur="1" fill="hold">
+                                          <p:stCondLst>
+                                            <p:cond delay="0"/>
+                                          </p:stCondLst>
+                                        </p:cTn>
+                                        <p:tgtEl>
+                                          <p:spTgt spid="8"/>
+                                        </p:tgtEl>
+                                        <p:attrNameLst>
+                                          <p:attrName>style.visibility</p:attrName>
+                                        </p:attrNameLst>
+                                      </p:cBhvr>
+                                      <p:to>
+                                        <p:strVal val="visible"/>
+                                      </p:to>
+                                    </p:set>
+                                  </p:childTnLst>
+                                </p:cTn>
+                              </p:par>
+                              <p:par>
+                                <p:cTn id="15" presetID="1" presetClass="entr" presetSubtype="0" fill="hold" grpId="0" nodeType="withEffect">
+                                  <p:stCondLst>
+                                    <p:cond delay="0"/>
+                                  </p:stCondLst>
+                                  <p:childTnLst>
+                                    <p:set>
+                                      <p:cBhvr>
+                                        <p:cTn id="16" dur="1" fill="hold">
+                                          <p:stCondLst>
+                                            <p:cond delay="0"/>
+                                          </p:stCondLst>
+                                        </p:cTn>
+                                        <p:tgtEl>
+                                          <p:spTgt spid="12"/>
+                                        </p:tgtEl>
+                                        <p:attrNameLst>
+                                          <p:attrName>style.visibility</p:attrName>
+                                        </p:attrNameLst>
+                                      </p:cBhvr>
+                                      <p:to>
+                                        <p:strVal val="visible"/>
+                                      </p:to>
+                                    </p:set>
+                                  </p:childTnLst>
+                                </p:cTn>
+                              </p:par>
+                            </p:childTnLst>
+                          </p:cTn>
+                        </p:par>
+                      </p:childTnLst>
+                    </p:cTn>
+                  </p:par>
+                  <p:par>
+                    <p:cTn id="17" fill="hold">
+                      <p:stCondLst>
+                        <p:cond delay="indefinite"/>
+                      </p:stCondLst>
+                      <p:childTnLst>
+                        <p:par>
+                          <p:cTn id="18" fill="hold">
+                            <p:stCondLst>
+                              <p:cond delay="0"/>
+                            </p:stCondLst>
+                            <p:childTnLst>
+                              <p:par>
+                                <p:cTn id="19" presetID="1" presetClass="entr" presetSubtype="0" fill="hold" nodeType="clickEffect">
+                                  <p:stCondLst>
+                                    <p:cond delay="0"/>
+                                  </p:stCondLst>
+                                  <p:childTnLst>
+                                    <p:set>
+                                      <p:cBhvr>
+                                        <p:cTn id="20" dur="1" fill="hold">
                                           <p:stCondLst>
                                             <p:cond delay="0"/>
                                           </p:stCondLst>
@@ -14434,36 +14944,32 @@
                     </p:cTn>
                   </p:par>
                   <p:par>
-                    <p:cTn id="15" fill="hold">
+                    <p:cTn id="21" fill="hold">
                       <p:stCondLst>
                         <p:cond delay="indefinite"/>
                       </p:stCondLst>
                       <p:childTnLst>
                         <p:par>
-                          <p:cTn id="16" fill="hold">
+                          <p:cTn id="22" fill="hold">
                             <p:stCondLst>
                               <p:cond delay="0"/>
                             </p:stCondLst>
                             <p:childTnLst>
                               <p:par>
-                                <p:cTn id="17" presetID="1" presetClass="entr" presetSubtype="0" fill="hold" grpId="0" nodeType="clickEffect">
+                                <p:cTn id="23" presetID="1" presetClass="entr" presetSubtype="0" fill="hold" nodeType="clickEffect">
                                   <p:stCondLst>
                                     <p:cond delay="0"/>
                                   </p:stCondLst>
                                   <p:childTnLst>
                                     <p:set>
                                       <p:cBhvr>
-                                        <p:cTn id="18" dur="1" fill="hold">
+                                        <p:cTn id="24" dur="1" fill="hold">
                                           <p:stCondLst>
                                             <p:cond delay="0"/>
                                           </p:stCondLst>
                                         </p:cTn>
                                         <p:tgtEl>
-                                          <p:spTgt spid="9">
-                                            <p:txEl>
-                                              <p:pRg st="4" end="4"/>
-                                            </p:txEl>
-                                          </p:spTgt>
+                                          <p:spTgt spid="5"/>
                                         </p:tgtEl>
                                         <p:attrNameLst>
                                           <p:attrName>style.visibility</p:attrName>
@@ -14483,77 +14989,36 @@
                     </p:cTn>
                   </p:par>
                   <p:par>
-                    <p:cTn id="19" fill="hold">
+                    <p:cTn id="25" fill="hold">
                       <p:stCondLst>
                         <p:cond delay="indefinite"/>
                       </p:stCondLst>
                       <p:childTnLst>
                         <p:par>
-                          <p:cTn id="20" fill="hold">
+                          <p:cTn id="26" fill="hold">
                             <p:stCondLst>
                               <p:cond delay="0"/>
                             </p:stCondLst>
                             <p:childTnLst>
                               <p:par>
-                                <p:cTn id="21" presetID="1" presetClass="entr" presetSubtype="0" fill="hold" nodeType="clickEffect">
+                                <p:cTn id="27" presetID="1" presetClass="entr" presetSubtype="0" fill="hold" nodeType="clickEffect">
                                   <p:stCondLst>
                                     <p:cond delay="0"/>
                                   </p:stCondLst>
                                   <p:childTnLst>
                                     <p:set>
                                       <p:cBhvr>
-                                        <p:cTn id="22" dur="1" fill="hold">
+                                        <p:cTn id="28" dur="1" fill="hold">
                                           <p:stCondLst>
                                             <p:cond delay="0"/>
                                           </p:stCondLst>
                                         </p:cTn>
                                         <p:tgtEl>
-                                          <p:spTgt spid="8"/>
-                                        </p:tgtEl>
-                                        <p:attrNameLst>
-                                          <p:attrName>style.visibility</p:attrName>
-                                        </p:attrNameLst>
-                                      </p:cBhvr>
-                                      <p:to>
-                                        <p:strVal val="visible"/>
-                                      </p:to>
-                                    </p:set>
-                                  </p:childTnLst>
-                                </p:cTn>
-                              </p:par>
-                            </p:childTnLst>
-                          </p:cTn>
-                        </p:par>
-                      </p:childTnLst>
-                    </p:cTn>
-                  </p:par>
-                  <p:par>
-                    <p:cTn id="23" fill="hold">
-                      <p:stCondLst>
-                        <p:cond delay="indefinite"/>
-                      </p:stCondLst>
-                      <p:childTnLst>
-                        <p:par>
-                          <p:cTn id="24" fill="hold">
-                            <p:stCondLst>
-                              <p:cond delay="0"/>
-                            </p:stCondLst>
-                            <p:childTnLst>
-                              <p:par>
-                                <p:cTn id="25" presetID="1" presetClass="entr" presetSubtype="0" fill="hold" nodeType="clickEffect">
-                                  <p:stCondLst>
-                                    <p:cond delay="0"/>
-                                  </p:stCondLst>
-                                  <p:childTnLst>
-                                    <p:set>
-                                      <p:cBhvr>
-                                        <p:cTn id="26" dur="1" fill="hold">
-                                          <p:stCondLst>
-                                            <p:cond delay="0"/>
-                                          </p:stCondLst>
-                                        </p:cTn>
-                                        <p:tgtEl>
-                                          <p:spTgt spid="5"/>
+                                          <p:spTgt spid="9">
+                                            <p:txEl>
+                                              <p:pRg st="4" end="4"/>
+                                            </p:txEl>
+                                          </p:spTgt>
                                         </p:tgtEl>
                                         <p:attrNameLst>
                                           <p:attrName>style.visibility</p:attrName>
@@ -14595,7 +15060,7 @@
     </p:tnLst>
     <p:bldLst>
       <p:bldP spid="2" grpId="0" animBg="1"/>
-      <p:bldP spid="9" grpId="0" build="p"/>
+      <p:bldP spid="12" grpId="0"/>
     </p:bldLst>
   </p:timing>
 </p:sld>

--- a/Project Proposal.pptx
+++ b/Project Proposal.pptx
@@ -373,7 +373,7 @@
           <a:p>
             <a:fld id="{5CE5EABD-9B00-4D4A-AB75-54D2757912B9}" type="slidenum">
               <a:rPr lang="de-DE" smtClean="0"/>
-              <a:t>‹#›</a:t>
+              <a:t>‹Nr.›</a:t>
             </a:fld>
             <a:endParaRPr lang="de-DE"/>
           </a:p>
@@ -1534,7 +1534,7 @@
           <a:p>
             <a:fld id="{76CD8E94-8180-4651-B6B5-5A5ABA3C85A7}" type="slidenum">
               <a:rPr lang="de-DE" smtClean="0"/>
-              <a:t>‹#›</a:t>
+              <a:t>‹Nr.›</a:t>
             </a:fld>
             <a:endParaRPr lang="de-DE"/>
           </a:p>
@@ -1734,7 +1734,7 @@
           <a:p>
             <a:fld id="{76CD8E94-8180-4651-B6B5-5A5ABA3C85A7}" type="slidenum">
               <a:rPr lang="de-DE" smtClean="0"/>
-              <a:t>‹#›</a:t>
+              <a:t>‹Nr.›</a:t>
             </a:fld>
             <a:endParaRPr lang="de-DE"/>
           </a:p>
@@ -1944,7 +1944,7 @@
           <a:p>
             <a:fld id="{76CD8E94-8180-4651-B6B5-5A5ABA3C85A7}" type="slidenum">
               <a:rPr lang="de-DE" smtClean="0"/>
-              <a:t>‹#›</a:t>
+              <a:t>‹Nr.›</a:t>
             </a:fld>
             <a:endParaRPr lang="de-DE"/>
           </a:p>
@@ -2144,7 +2144,7 @@
           <a:p>
             <a:fld id="{76CD8E94-8180-4651-B6B5-5A5ABA3C85A7}" type="slidenum">
               <a:rPr lang="de-DE" smtClean="0"/>
-              <a:t>‹#›</a:t>
+              <a:t>‹Nr.›</a:t>
             </a:fld>
             <a:endParaRPr lang="de-DE"/>
           </a:p>
@@ -2420,7 +2420,7 @@
           <a:p>
             <a:fld id="{76CD8E94-8180-4651-B6B5-5A5ABA3C85A7}" type="slidenum">
               <a:rPr lang="de-DE" smtClean="0"/>
-              <a:t>‹#›</a:t>
+              <a:t>‹Nr.›</a:t>
             </a:fld>
             <a:endParaRPr lang="de-DE"/>
           </a:p>
@@ -2688,7 +2688,7 @@
           <a:p>
             <a:fld id="{76CD8E94-8180-4651-B6B5-5A5ABA3C85A7}" type="slidenum">
               <a:rPr lang="de-DE" smtClean="0"/>
-              <a:t>‹#›</a:t>
+              <a:t>‹Nr.›</a:t>
             </a:fld>
             <a:endParaRPr lang="de-DE"/>
           </a:p>
@@ -3103,7 +3103,7 @@
           <a:p>
             <a:fld id="{76CD8E94-8180-4651-B6B5-5A5ABA3C85A7}" type="slidenum">
               <a:rPr lang="de-DE" smtClean="0"/>
-              <a:t>‹#›</a:t>
+              <a:t>‹Nr.›</a:t>
             </a:fld>
             <a:endParaRPr lang="de-DE"/>
           </a:p>
@@ -3245,7 +3245,7 @@
           <a:p>
             <a:fld id="{76CD8E94-8180-4651-B6B5-5A5ABA3C85A7}" type="slidenum">
               <a:rPr lang="de-DE" smtClean="0"/>
-              <a:t>‹#›</a:t>
+              <a:t>‹Nr.›</a:t>
             </a:fld>
             <a:endParaRPr lang="de-DE"/>
           </a:p>
@@ -3358,7 +3358,7 @@
           <a:p>
             <a:fld id="{76CD8E94-8180-4651-B6B5-5A5ABA3C85A7}" type="slidenum">
               <a:rPr lang="de-DE" smtClean="0"/>
-              <a:t>‹#›</a:t>
+              <a:t>‹Nr.›</a:t>
             </a:fld>
             <a:endParaRPr lang="de-DE"/>
           </a:p>
@@ -3671,7 +3671,7 @@
           <a:p>
             <a:fld id="{76CD8E94-8180-4651-B6B5-5A5ABA3C85A7}" type="slidenum">
               <a:rPr lang="de-DE" smtClean="0"/>
-              <a:t>‹#›</a:t>
+              <a:t>‹Nr.›</a:t>
             </a:fld>
             <a:endParaRPr lang="de-DE"/>
           </a:p>
@@ -3960,7 +3960,7 @@
           <a:p>
             <a:fld id="{76CD8E94-8180-4651-B6B5-5A5ABA3C85A7}" type="slidenum">
               <a:rPr lang="de-DE" smtClean="0"/>
-              <a:t>‹#›</a:t>
+              <a:t>‹Nr.›</a:t>
             </a:fld>
             <a:endParaRPr lang="de-DE"/>
           </a:p>
@@ -4239,7 +4239,7 @@
           <a:p>
             <a:fld id="{76CD8E94-8180-4651-B6B5-5A5ABA3C85A7}" type="slidenum">
               <a:rPr lang="de-DE" smtClean="0"/>
-              <a:t>‹#›</a:t>
+              <a:t>‹Nr.›</a:t>
             </a:fld>
             <a:endParaRPr lang="de-DE"/>
           </a:p>
@@ -4948,7 +4948,27 @@
                 <a:effectLst/>
                 <a:latin typeface="-apple-system"/>
               </a:rPr>
-              <a:t>Data modelling </a:t>
+              <a:t>Data </a:t>
+            </a:r>
+            <a:r>
+              <a:rPr lang="en-GB" sz="2400" b="1" i="0" noProof="0" dirty="0" err="1">
+                <a:solidFill>
+                  <a:srgbClr val="1F2328"/>
+                </a:solidFill>
+                <a:effectLst/>
+                <a:latin typeface="-apple-system"/>
+              </a:rPr>
+              <a:t>modeling</a:t>
+            </a:r>
+            <a:r>
+              <a:rPr lang="en-GB" sz="2400" b="1" i="0" noProof="0" dirty="0">
+                <a:solidFill>
+                  <a:srgbClr val="1F2328"/>
+                </a:solidFill>
+                <a:effectLst/>
+                <a:latin typeface="-apple-system"/>
+              </a:rPr>
+              <a:t> </a:t>
             </a:r>
           </a:p>
         </p:txBody>
@@ -5063,7 +5083,7 @@
                 <a:effectLst/>
                 <a:latin typeface="-apple-system"/>
               </a:rPr>
-              <a:t> poster</a:t>
+              <a:t> Poster</a:t>
             </a:r>
           </a:p>
           <a:p>
@@ -5103,7 +5123,36 @@
                 <a:effectLst/>
                 <a:latin typeface="-apple-system"/>
               </a:rPr>
-              <a:t> final presentation</a:t>
+              <a:t> </a:t>
+            </a:r>
+            <a:r>
+              <a:rPr lang="en-GB" dirty="0">
+                <a:solidFill>
+                  <a:srgbClr val="1F2328"/>
+                </a:solidFill>
+                <a:latin typeface="-apple-system"/>
+              </a:rPr>
+              <a:t>Fi</a:t>
+            </a:r>
+            <a:r>
+              <a:rPr lang="en-GB" b="0" i="0" noProof="0" dirty="0" err="1">
+                <a:solidFill>
+                  <a:srgbClr val="1F2328"/>
+                </a:solidFill>
+                <a:effectLst/>
+                <a:latin typeface="-apple-system"/>
+              </a:rPr>
+              <a:t>nal</a:t>
+            </a:r>
+            <a:r>
+              <a:rPr lang="en-GB" b="0" i="0" noProof="0" dirty="0">
+                <a:solidFill>
+                  <a:srgbClr val="1F2328"/>
+                </a:solidFill>
+                <a:effectLst/>
+                <a:latin typeface="-apple-system"/>
+              </a:rPr>
+              <a:t> presentation</a:t>
             </a:r>
           </a:p>
         </p:txBody>
@@ -5147,7 +5196,7 @@
                 </a:solidFill>
                 <a:latin typeface="-apple-system"/>
               </a:rPr>
-              <a:t> define selection criteria for RNA-dependent proteins</a:t>
+              <a:t> Define selection criteria for RNA-dependent proteins</a:t>
             </a:r>
           </a:p>
           <a:p>
@@ -5174,7 +5223,7 @@
                 </a:solidFill>
                 <a:latin typeface="-apple-system"/>
               </a:rPr>
-              <a:t> predict whether a protein is a RNA-dependent proteins</a:t>
+              <a:t> Predict whether a protein is a RNA-dependent protein</a:t>
             </a:r>
           </a:p>
           <a:p>
@@ -9570,8 +9619,12 @@
           <a:p>
             <a:pPr algn="ctr"/>
             <a:r>
+              <a:rPr lang="en-GB" sz="2400" dirty="0"/>
+              <a:t>N</a:t>
+            </a:r>
+            <a:r>
               <a:rPr lang="en-GB" sz="2400" noProof="0" dirty="0"/>
-              <a:t>non-synchronized HeLa cells</a:t>
+              <a:t>on-synchronized HeLa cells</a:t>
             </a:r>
           </a:p>
         </p:txBody>
@@ -12385,7 +12438,7 @@
         <p:spPr>
           <a:xfrm>
             <a:off x="2445174" y="3982197"/>
-            <a:ext cx="2880360" cy="1754326"/>
+            <a:ext cx="2880360" cy="1477328"/>
           </a:xfrm>
           <a:prstGeom prst="rect">
             <a:avLst/>
@@ -12409,7 +12462,7 @@
                 </a:solidFill>
                 <a:latin typeface="-apple-system"/>
               </a:rPr>
-              <a:t> Re-ordering data</a:t>
+              <a:t> Re-order data</a:t>
             </a:r>
           </a:p>
           <a:p>
@@ -12436,7 +12489,7 @@
                 </a:solidFill>
                 <a:latin typeface="-apple-system"/>
               </a:rPr>
-              <a:t> remove low variance in rows</a:t>
+              <a:t> Remove low variance rows</a:t>
             </a:r>
           </a:p>
           <a:p>
@@ -12459,7 +12512,7 @@
                 </a:solidFill>
                 <a:latin typeface="-apple-system"/>
               </a:rPr>
-              <a:t> Removing technical outliers</a:t>
+              <a:t> Remove technical outliers</a:t>
             </a:r>
           </a:p>
         </p:txBody>
@@ -13330,37 +13383,10 @@
                 </a:solidFill>
                 <a:latin typeface="-apple-system"/>
               </a:rPr>
-              <a:t> data distribution</a:t>
-            </a:r>
-          </a:p>
-          <a:p>
-            <a:endParaRPr lang="en-GB" noProof="0" dirty="0">
-              <a:solidFill>
-                <a:srgbClr val="1F2328"/>
-              </a:solidFill>
-              <a:latin typeface="-apple-system"/>
-            </a:endParaRPr>
-          </a:p>
-          <a:p>
-            <a:pPr>
-              <a:buFont typeface="Arial" panose="020B0604020202020204" pitchFamily="34" charset="0"/>
-              <a:buChar char="•"/>
-            </a:pPr>
-            <a:r>
-              <a:rPr lang="en-GB" noProof="0" dirty="0">
-                <a:solidFill>
-                  <a:srgbClr val="1F2328"/>
-                </a:solidFill>
-                <a:latin typeface="-apple-system"/>
-              </a:rPr>
-              <a:t> t-test</a:t>
-            </a:r>
-          </a:p>
-          <a:p>
-            <a:pPr>
-              <a:buFont typeface="Arial" panose="020B0604020202020204" pitchFamily="34" charset="0"/>
-              <a:buChar char="•"/>
-            </a:pPr>
+              <a:t> Data distribution</a:t>
+            </a:r>
+          </a:p>
+          <a:p>
             <a:endParaRPr lang="en-GB" noProof="0" dirty="0">
               <a:solidFill>
                 <a:srgbClr val="1F2328"/>
@@ -13383,16 +13409,50 @@
               <a:t> </a:t>
             </a:r>
             <a:r>
-              <a:rPr lang="en-GB" noProof="0" dirty="0"/>
-              <a:t>proportion test</a:t>
-            </a:r>
-            <a:endParaRPr lang="en-GB" b="0" i="0" noProof="0" dirty="0">
+              <a:rPr lang="en-GB" dirty="0">
+                <a:solidFill>
+                  <a:srgbClr val="1F2328"/>
+                </a:solidFill>
+                <a:latin typeface="-apple-system"/>
+              </a:rPr>
+              <a:t>t</a:t>
+            </a:r>
+            <a:r>
+              <a:rPr lang="en-GB" noProof="0" dirty="0">
+                <a:solidFill>
+                  <a:srgbClr val="1F2328"/>
+                </a:solidFill>
+                <a:latin typeface="-apple-system"/>
+              </a:rPr>
+              <a:t>-test</a:t>
+            </a:r>
+          </a:p>
+          <a:p>
+            <a:pPr>
+              <a:buFont typeface="Arial" panose="020B0604020202020204" pitchFamily="34" charset="0"/>
+              <a:buChar char="•"/>
+            </a:pPr>
+            <a:endParaRPr lang="en-GB" dirty="0">
               <a:solidFill>
                 <a:srgbClr val="1F2328"/>
               </a:solidFill>
-              <a:effectLst/>
               <a:latin typeface="-apple-system"/>
             </a:endParaRPr>
+          </a:p>
+          <a:p>
+            <a:pPr>
+              <a:buFont typeface="Arial" panose="020B0604020202020204" pitchFamily="34" charset="0"/>
+              <a:buChar char="•"/>
+            </a:pPr>
+            <a:r>
+              <a:rPr lang="en-GB" noProof="0" dirty="0">
+                <a:solidFill>
+                  <a:srgbClr val="1F2328"/>
+                </a:solidFill>
+                <a:latin typeface="-apple-system"/>
+              </a:rPr>
+              <a:t>Proportion test</a:t>
+            </a:r>
           </a:p>
         </p:txBody>
       </p:sp>
@@ -14060,7 +14120,7 @@
                             </p:stCondLst>
                             <p:childTnLst>
                               <p:par>
-                                <p:cTn id="23" presetID="1" presetClass="entr" presetSubtype="0" fill="hold" grpId="0" nodeType="clickEffect">
+                                <p:cTn id="23" presetID="1" presetClass="entr" presetSubtype="0" fill="hold" nodeType="clickEffect">
                                   <p:stCondLst>
                                     <p:cond delay="0"/>
                                   </p:stCondLst>
@@ -14068,6 +14128,55 @@
                                     <p:set>
                                       <p:cBhvr>
                                         <p:cTn id="24" dur="1" fill="hold">
+                                          <p:stCondLst>
+                                            <p:cond delay="0"/>
+                                          </p:stCondLst>
+                                        </p:cTn>
+                                        <p:tgtEl>
+                                          <p:spTgt spid="9">
+                                            <p:txEl>
+                                              <p:pRg st="4" end="4"/>
+                                            </p:txEl>
+                                          </p:spTgt>
+                                        </p:tgtEl>
+                                        <p:attrNameLst>
+                                          <p:attrName>style.visibility</p:attrName>
+                                        </p:attrNameLst>
+                                      </p:cBhvr>
+                                      <p:to>
+                                        <p:strVal val="visible"/>
+                                      </p:to>
+                                    </p:set>
+                                  </p:childTnLst>
+                                </p:cTn>
+                              </p:par>
+                            </p:childTnLst>
+                          </p:cTn>
+                        </p:par>
+                      </p:childTnLst>
+                    </p:cTn>
+                  </p:par>
+                  <p:par>
+                    <p:cTn id="25" fill="hold">
+                      <p:stCondLst>
+                        <p:cond delay="indefinite"/>
+                      </p:stCondLst>
+                      <p:childTnLst>
+                        <p:par>
+                          <p:cTn id="26" fill="hold">
+                            <p:stCondLst>
+                              <p:cond delay="0"/>
+                            </p:stCondLst>
+                            <p:childTnLst>
+                              <p:par>
+                                <p:cTn id="27" presetID="1" presetClass="entr" presetSubtype="0" fill="hold" grpId="0" nodeType="clickEffect">
+                                  <p:stCondLst>
+                                    <p:cond delay="0"/>
+                                  </p:stCondLst>
+                                  <p:childTnLst>
+                                    <p:set>
+                                      <p:cBhvr>
+                                        <p:cTn id="28" dur="1" fill="hold">
                                           <p:stCondLst>
                                             <p:cond delay="0"/>
                                           </p:stCondLst>
@@ -14087,14 +14196,14 @@
                                 </p:cTn>
                               </p:par>
                               <p:par>
-                                <p:cTn id="25" presetID="1" presetClass="entr" presetSubtype="0" fill="hold" grpId="0" nodeType="withEffect">
+                                <p:cTn id="29" presetID="1" presetClass="entr" presetSubtype="0" fill="hold" grpId="0" nodeType="withEffect">
                                   <p:stCondLst>
                                     <p:cond delay="0"/>
                                   </p:stCondLst>
                                   <p:childTnLst>
                                     <p:set>
                                       <p:cBhvr>
-                                        <p:cTn id="26" dur="1" fill="hold">
+                                        <p:cTn id="30" dur="1" fill="hold">
                                           <p:stCondLst>
                                             <p:cond delay="0"/>
                                           </p:stCondLst>
@@ -14114,52 +14223,7 @@
                                 </p:cTn>
                               </p:par>
                               <p:par>
-                                <p:cTn id="27" presetID="1" presetClass="entr" presetSubtype="0" fill="hold" nodeType="withEffect">
-                                  <p:stCondLst>
-                                    <p:cond delay="0"/>
-                                  </p:stCondLst>
-                                  <p:childTnLst>
-                                    <p:set>
-                                      <p:cBhvr>
-                                        <p:cTn id="28" dur="1" fill="hold">
-                                          <p:stCondLst>
-                                            <p:cond delay="0"/>
-                                          </p:stCondLst>
-                                        </p:cTn>
-                                        <p:tgtEl>
-                                          <p:spTgt spid="6"/>
-                                        </p:tgtEl>
-                                        <p:attrNameLst>
-                                          <p:attrName>style.visibility</p:attrName>
-                                        </p:attrNameLst>
-                                      </p:cBhvr>
-                                      <p:to>
-                                        <p:strVal val="visible"/>
-                                      </p:to>
-                                    </p:set>
-                                  </p:childTnLst>
-                                </p:cTn>
-                              </p:par>
-                            </p:childTnLst>
-                          </p:cTn>
-                        </p:par>
-                      </p:childTnLst>
-                    </p:cTn>
-                  </p:par>
-                  <p:par>
-                    <p:cTn id="29" fill="hold">
-                      <p:stCondLst>
-                        <p:cond delay="indefinite"/>
-                      </p:stCondLst>
-                      <p:childTnLst>
-                        <p:par>
-                          <p:cTn id="30" fill="hold">
-                            <p:stCondLst>
-                              <p:cond delay="0"/>
-                            </p:stCondLst>
-                            <p:childTnLst>
-                              <p:par>
-                                <p:cTn id="31" presetID="1" presetClass="entr" presetSubtype="0" fill="hold" nodeType="clickEffect">
+                                <p:cTn id="31" presetID="1" presetClass="entr" presetSubtype="0" fill="hold" nodeType="withEffect">
                                   <p:stCondLst>
                                     <p:cond delay="0"/>
                                   </p:stCondLst>
@@ -14172,11 +14236,7 @@
                                           </p:stCondLst>
                                         </p:cTn>
                                         <p:tgtEl>
-                                          <p:spTgt spid="9">
-                                            <p:txEl>
-                                              <p:pRg st="4" end="4"/>
-                                            </p:txEl>
-                                          </p:spTgt>
+                                          <p:spTgt spid="6"/>
                                         </p:tgtEl>
                                         <p:attrNameLst>
                                           <p:attrName>style.visibility</p:attrName>
@@ -14475,7 +14535,7 @@
                 </a:solidFill>
                 <a:latin typeface="-apple-system"/>
               </a:rPr>
-              <a:t> linear regression analysis</a:t>
+              <a:t> Linear regression analysis</a:t>
             </a:r>
           </a:p>
         </p:txBody>

--- a/Project Proposal.pptx
+++ b/Project Proposal.pptx
@@ -963,6 +963,190 @@
 </file>
 
 <file path=ppt/notesSlides/notesSlide3.xml><?xml version="1.0" encoding="utf-8"?>
+<p:notes xmlns:a="http://schemas.openxmlformats.org/drawingml/2006/main" xmlns:r="http://schemas.openxmlformats.org/officeDocument/2006/relationships" xmlns:p="http://schemas.openxmlformats.org/presentationml/2006/main">
+  <p:cSld>
+    <p:spTree>
+      <p:nvGrpSpPr>
+        <p:cNvPr id="1" name=""/>
+        <p:cNvGrpSpPr/>
+        <p:nvPr/>
+      </p:nvGrpSpPr>
+      <p:grpSpPr>
+        <a:xfrm>
+          <a:off x="0" y="0"/>
+          <a:ext cx="0" cy="0"/>
+          <a:chOff x="0" y="0"/>
+          <a:chExt cx="0" cy="0"/>
+        </a:xfrm>
+      </p:grpSpPr>
+      <p:sp>
+        <p:nvSpPr>
+          <p:cNvPr id="2" name="Folienbildplatzhalter 1"/>
+          <p:cNvSpPr>
+            <a:spLocks noGrp="1" noRot="1" noChangeAspect="1"/>
+          </p:cNvSpPr>
+          <p:nvPr>
+            <p:ph type="sldImg"/>
+          </p:nvPr>
+        </p:nvSpPr>
+        <p:spPr/>
+      </p:sp>
+      <p:sp>
+        <p:nvSpPr>
+          <p:cNvPr id="3" name="Notizenplatzhalter 2"/>
+          <p:cNvSpPr>
+            <a:spLocks noGrp="1"/>
+          </p:cNvSpPr>
+          <p:nvPr>
+            <p:ph type="body" idx="1"/>
+          </p:nvPr>
+        </p:nvSpPr>
+        <p:spPr/>
+        <p:txBody>
+          <a:bodyPr/>
+          <a:lstStyle/>
+          <a:p>
+            <a:r>
+              <a:rPr lang="en-US" dirty="0" err="1"/>
+              <a:t>Jetzt</a:t>
+            </a:r>
+            <a:r>
+              <a:rPr lang="en-US" dirty="0"/>
+              <a:t> </a:t>
+            </a:r>
+            <a:r>
+              <a:rPr lang="en-US" dirty="0" err="1"/>
+              <a:t>würde</a:t>
+            </a:r>
+            <a:r>
+              <a:rPr lang="en-US" dirty="0"/>
+              <a:t> ich Ihnen gerne </a:t>
+            </a:r>
+            <a:r>
+              <a:rPr lang="en-US" dirty="0" err="1"/>
+              <a:t>etwas</a:t>
+            </a:r>
+            <a:r>
+              <a:rPr lang="en-US" dirty="0"/>
+              <a:t> </a:t>
+            </a:r>
+            <a:r>
+              <a:rPr lang="en-US" dirty="0" err="1"/>
+              <a:t>über</a:t>
+            </a:r>
+            <a:r>
+              <a:rPr lang="en-US" dirty="0"/>
+              <a:t> </a:t>
+            </a:r>
+            <a:r>
+              <a:rPr lang="en-US" dirty="0" err="1"/>
+              <a:t>unseren</a:t>
+            </a:r>
+            <a:r>
+              <a:rPr lang="en-US" dirty="0"/>
+              <a:t> </a:t>
+            </a:r>
+            <a:r>
+              <a:rPr lang="en-US" dirty="0" err="1"/>
+              <a:t>Zeitplan</a:t>
+            </a:r>
+            <a:r>
+              <a:rPr lang="en-US" dirty="0"/>
+              <a:t> </a:t>
+            </a:r>
+            <a:r>
+              <a:rPr lang="en-US" dirty="0" err="1"/>
+              <a:t>erzählen</a:t>
+            </a:r>
+            <a:r>
+              <a:rPr lang="en-US" dirty="0"/>
+              <a:t>, also </a:t>
+            </a:r>
+            <a:r>
+              <a:rPr lang="en-US" dirty="0" err="1"/>
+              <a:t>welchen</a:t>
+            </a:r>
+            <a:r>
+              <a:rPr lang="en-US" dirty="0"/>
+              <a:t> </a:t>
+            </a:r>
+            <a:r>
+              <a:rPr lang="en-US" dirty="0" err="1"/>
+              <a:t>Zeitrahmen</a:t>
+            </a:r>
+            <a:r>
+              <a:rPr lang="en-US" dirty="0"/>
+              <a:t> </a:t>
+            </a:r>
+            <a:r>
+              <a:rPr lang="en-US" dirty="0" err="1"/>
+              <a:t>wir</a:t>
+            </a:r>
+            <a:r>
+              <a:rPr lang="en-US" dirty="0"/>
+              <a:t> für die </a:t>
+            </a:r>
+            <a:r>
+              <a:rPr lang="en-US" dirty="0" err="1"/>
+              <a:t>einzelnen</a:t>
+            </a:r>
+            <a:r>
+              <a:rPr lang="en-US" dirty="0"/>
+              <a:t> </a:t>
+            </a:r>
+            <a:r>
+              <a:rPr lang="en-US" dirty="0" err="1"/>
+              <a:t>Datenanalyse</a:t>
+            </a:r>
+            <a:r>
+              <a:rPr lang="en-US" dirty="0"/>
+              <a:t> </a:t>
+            </a:r>
+            <a:r>
+              <a:rPr lang="en-US"/>
+              <a:t>Schritte</a:t>
+            </a:r>
+            <a:endParaRPr lang="en-US" dirty="0"/>
+          </a:p>
+        </p:txBody>
+      </p:sp>
+      <p:sp>
+        <p:nvSpPr>
+          <p:cNvPr id="4" name="Foliennummernplatzhalter 3"/>
+          <p:cNvSpPr>
+            <a:spLocks noGrp="1"/>
+          </p:cNvSpPr>
+          <p:nvPr>
+            <p:ph type="sldNum" sz="quarter" idx="5"/>
+          </p:nvPr>
+        </p:nvSpPr>
+        <p:spPr/>
+        <p:txBody>
+          <a:bodyPr/>
+          <a:lstStyle/>
+          <a:p>
+            <a:fld id="{5CE5EABD-9B00-4D4A-AB75-54D2757912B9}" type="slidenum">
+              <a:rPr lang="de-DE" smtClean="0"/>
+              <a:t>6</a:t>
+            </a:fld>
+            <a:endParaRPr lang="de-DE"/>
+          </a:p>
+        </p:txBody>
+      </p:sp>
+    </p:spTree>
+    <p:extLst>
+      <p:ext uri="{BB962C8B-B14F-4D97-AF65-F5344CB8AC3E}">
+        <p14:creationId xmlns:p14="http://schemas.microsoft.com/office/powerpoint/2010/main" val="3589475938"/>
+      </p:ext>
+    </p:extLst>
+  </p:cSld>
+  <p:clrMapOvr>
+    <a:masterClrMapping/>
+  </p:clrMapOvr>
+</p:notes>
+</file>
+
+<file path=ppt/notesSlides/notesSlide4.xml><?xml version="1.0" encoding="utf-8"?>
 <p:notes xmlns:a="http://schemas.openxmlformats.org/drawingml/2006/main" xmlns:r="http://schemas.openxmlformats.org/officeDocument/2006/relationships" xmlns:p="http://schemas.openxmlformats.org/presentationml/2006/main">
   <p:cSld>
     <p:spTree>
@@ -12190,7 +12374,7 @@
           <p:nvPr/>
         </p:nvPicPr>
         <p:blipFill rotWithShape="1">
-          <a:blip r:embed="rId2">
+          <a:blip r:embed="rId3">
             <a:alphaModFix amt="35000"/>
             <a:extLst>
               <a:ext uri="{28A0092B-C50C-407E-A947-70E740481C1C}">
@@ -12252,7 +12436,7 @@
             <a:pPr algn="ctr"/>
             <a:r>
               <a:rPr lang="en-GB" sz="6600" noProof="0" dirty="0"/>
-              <a:t>Time Table</a:t>
+              <a:t>Timetable</a:t>
             </a:r>
           </a:p>
         </p:txBody>

--- a/Project Proposal.pptx
+++ b/Project Proposal.pptx
@@ -1020,7 +1020,15 @@
             </a:r>
             <a:r>
               <a:rPr lang="en-US" dirty="0"/>
-              <a:t> ich Ihnen gerne </a:t>
+              <a:t> ich gerne </a:t>
+            </a:r>
+            <a:r>
+              <a:rPr lang="en-US" dirty="0" err="1"/>
+              <a:t>beginnen</a:t>
+            </a:r>
+            <a:r>
+              <a:rPr lang="en-US" dirty="0"/>
+              <a:t> Ihnen </a:t>
             </a:r>
             <a:r>
               <a:rPr lang="en-US" dirty="0" err="1"/>
@@ -1064,7 +1072,7 @@
             </a:r>
             <a:r>
               <a:rPr lang="en-US" dirty="0" err="1"/>
-              <a:t>welchen</a:t>
+              <a:t>welche</a:t>
             </a:r>
             <a:r>
               <a:rPr lang="en-US" dirty="0"/>
@@ -1072,7 +1080,7 @@
             </a:r>
             <a:r>
               <a:rPr lang="en-US" dirty="0" err="1"/>
-              <a:t>Zeitrahmen</a:t>
+              <a:t>Datenanalyse</a:t>
             </a:r>
             <a:r>
               <a:rPr lang="en-US" dirty="0"/>
@@ -1080,15 +1088,7 @@
             </a:r>
             <a:r>
               <a:rPr lang="en-US" dirty="0" err="1"/>
-              <a:t>wir</a:t>
-            </a:r>
-            <a:r>
-              <a:rPr lang="en-US" dirty="0"/>
-              <a:t> für die </a:t>
-            </a:r>
-            <a:r>
-              <a:rPr lang="en-US" dirty="0" err="1"/>
-              <a:t>einzelnen</a:t>
+              <a:t>Schritte</a:t>
             </a:r>
             <a:r>
               <a:rPr lang="en-US" dirty="0"/>
@@ -1096,17 +1096,76 @@
             </a:r>
             <a:r>
               <a:rPr lang="en-US" dirty="0" err="1"/>
-              <a:t>Datenanalyse</a:t>
+              <a:t>wir</a:t>
             </a:r>
             <a:r>
               <a:rPr lang="en-US" dirty="0"/>
               <a:t> </a:t>
             </a:r>
             <a:r>
-              <a:rPr lang="en-US"/>
-              <a:t>Schritte</a:t>
-            </a:r>
-            <a:endParaRPr lang="en-US" dirty="0"/>
+              <a:rPr lang="en-US" dirty="0" err="1"/>
+              <a:t>durchführen</a:t>
+            </a:r>
+            <a:r>
+              <a:rPr lang="en-US" dirty="0"/>
+              <a:t> </a:t>
+            </a:r>
+            <a:r>
+              <a:rPr lang="en-US" dirty="0" err="1"/>
+              <a:t>möchten</a:t>
+            </a:r>
+            <a:r>
+              <a:rPr lang="en-US" dirty="0"/>
+              <a:t> und </a:t>
+            </a:r>
+            <a:r>
+              <a:rPr lang="en-US" dirty="0" err="1"/>
+              <a:t>welchen</a:t>
+            </a:r>
+            <a:r>
+              <a:rPr lang="en-US" dirty="0"/>
+              <a:t> </a:t>
+            </a:r>
+            <a:r>
+              <a:rPr lang="en-US" dirty="0" err="1"/>
+              <a:t>Zeitrahmen</a:t>
+            </a:r>
+            <a:r>
+              <a:rPr lang="en-US" dirty="0"/>
+              <a:t> </a:t>
+            </a:r>
+            <a:r>
+              <a:rPr lang="en-US" dirty="0" err="1"/>
+              <a:t>wir</a:t>
+            </a:r>
+            <a:r>
+              <a:rPr lang="en-US" dirty="0"/>
+              <a:t> </a:t>
+            </a:r>
+            <a:r>
+              <a:rPr lang="en-US" dirty="0" err="1"/>
+              <a:t>dafür</a:t>
+            </a:r>
+            <a:r>
+              <a:rPr lang="en-US" dirty="0"/>
+              <a:t> </a:t>
+            </a:r>
+            <a:r>
+              <a:rPr lang="en-US" dirty="0" err="1"/>
+              <a:t>vorgesehen</a:t>
+            </a:r>
+            <a:r>
+              <a:rPr lang="en-US" dirty="0"/>
+              <a:t> </a:t>
+            </a:r>
+            <a:r>
+              <a:rPr lang="en-US" dirty="0" err="1"/>
+              <a:t>haben</a:t>
+            </a:r>
+            <a:r>
+              <a:rPr lang="en-US" dirty="0"/>
+              <a:t>.</a:t>
+            </a:r>
           </a:p>
         </p:txBody>
       </p:sp>
@@ -1147,6 +1206,1344 @@
 </file>
 
 <file path=ppt/notesSlides/notesSlide4.xml><?xml version="1.0" encoding="utf-8"?>
+<p:notes xmlns:a="http://schemas.openxmlformats.org/drawingml/2006/main" xmlns:r="http://schemas.openxmlformats.org/officeDocument/2006/relationships" xmlns:p="http://schemas.openxmlformats.org/presentationml/2006/main">
+  <p:cSld>
+    <p:spTree>
+      <p:nvGrpSpPr>
+        <p:cNvPr id="1" name=""/>
+        <p:cNvGrpSpPr/>
+        <p:nvPr/>
+      </p:nvGrpSpPr>
+      <p:grpSpPr>
+        <a:xfrm>
+          <a:off x="0" y="0"/>
+          <a:ext cx="0" cy="0"/>
+          <a:chOff x="0" y="0"/>
+          <a:chExt cx="0" cy="0"/>
+        </a:xfrm>
+      </p:grpSpPr>
+      <p:sp>
+        <p:nvSpPr>
+          <p:cNvPr id="2" name="Folienbildplatzhalter 1"/>
+          <p:cNvSpPr>
+            <a:spLocks noGrp="1" noRot="1" noChangeAspect="1"/>
+          </p:cNvSpPr>
+          <p:nvPr>
+            <p:ph type="sldImg"/>
+          </p:nvPr>
+        </p:nvSpPr>
+        <p:spPr/>
+      </p:sp>
+      <p:sp>
+        <p:nvSpPr>
+          <p:cNvPr id="3" name="Notizenplatzhalter 2"/>
+          <p:cNvSpPr>
+            <a:spLocks noGrp="1"/>
+          </p:cNvSpPr>
+          <p:nvPr>
+            <p:ph type="body" idx="1"/>
+          </p:nvPr>
+        </p:nvSpPr>
+        <p:spPr/>
+        <p:txBody>
+          <a:bodyPr/>
+          <a:lstStyle/>
+          <a:p>
+            <a:r>
+              <a:rPr lang="en-US" dirty="0"/>
+              <a:t>In der </a:t>
+            </a:r>
+            <a:r>
+              <a:rPr lang="en-US" dirty="0" err="1"/>
+              <a:t>ersten</a:t>
+            </a:r>
+            <a:r>
+              <a:rPr lang="en-US" dirty="0"/>
+              <a:t> </a:t>
+            </a:r>
+            <a:r>
+              <a:rPr lang="en-US" dirty="0" err="1"/>
+              <a:t>Woche</a:t>
+            </a:r>
+            <a:r>
+              <a:rPr lang="en-US" dirty="0"/>
+              <a:t> </a:t>
+            </a:r>
+            <a:r>
+              <a:rPr lang="en-US" dirty="0" err="1"/>
+              <a:t>vom</a:t>
+            </a:r>
+            <a:r>
+              <a:rPr lang="en-US" dirty="0"/>
+              <a:t> 19.-25.05. </a:t>
+            </a:r>
+            <a:r>
+              <a:rPr lang="en-US" dirty="0" err="1"/>
+              <a:t>werden</a:t>
+            </a:r>
+            <a:r>
+              <a:rPr lang="en-US" dirty="0"/>
+              <a:t> </a:t>
+            </a:r>
+            <a:r>
+              <a:rPr lang="en-US" dirty="0" err="1"/>
+              <a:t>wir</a:t>
+            </a:r>
+            <a:r>
+              <a:rPr lang="en-US" dirty="0"/>
+              <a:t> und </a:t>
+            </a:r>
+            <a:r>
+              <a:rPr lang="en-US" dirty="0" err="1"/>
+              <a:t>mit</a:t>
+            </a:r>
+            <a:r>
+              <a:rPr lang="en-US" dirty="0"/>
+              <a:t> der </a:t>
+            </a:r>
+            <a:r>
+              <a:rPr lang="en-US" dirty="0" err="1"/>
+              <a:t>der</a:t>
+            </a:r>
+            <a:r>
+              <a:rPr lang="en-US" dirty="0"/>
+              <a:t> </a:t>
+            </a:r>
+            <a:r>
+              <a:rPr lang="en-US" dirty="0" err="1"/>
+              <a:t>Beschreibung</a:t>
+            </a:r>
+            <a:r>
+              <a:rPr lang="en-US" dirty="0"/>
+              <a:t> und </a:t>
+            </a:r>
+            <a:r>
+              <a:rPr lang="en-US" dirty="0" err="1"/>
+              <a:t>Aufreinigung</a:t>
+            </a:r>
+            <a:r>
+              <a:rPr lang="en-US" dirty="0"/>
+              <a:t> </a:t>
+            </a:r>
+            <a:r>
+              <a:rPr lang="en-US" dirty="0" err="1"/>
+              <a:t>unserer</a:t>
+            </a:r>
+            <a:r>
+              <a:rPr lang="en-US" dirty="0"/>
+              <a:t> Daten </a:t>
+            </a:r>
+            <a:r>
+              <a:rPr lang="en-US" dirty="0" err="1"/>
+              <a:t>beschäftigen</a:t>
+            </a:r>
+            <a:r>
+              <a:rPr lang="en-US" dirty="0"/>
+              <a:t>. Dabei </a:t>
+            </a:r>
+            <a:r>
+              <a:rPr lang="en-US" dirty="0" err="1"/>
+              <a:t>möchten</a:t>
+            </a:r>
+            <a:r>
+              <a:rPr lang="en-US" dirty="0"/>
+              <a:t> </a:t>
+            </a:r>
+            <a:r>
+              <a:rPr lang="en-US" dirty="0" err="1"/>
+              <a:t>wir</a:t>
+            </a:r>
+            <a:r>
+              <a:rPr lang="en-US" dirty="0"/>
+              <a:t> </a:t>
+            </a:r>
+            <a:r>
+              <a:rPr lang="en-US" dirty="0" err="1"/>
+              <a:t>unsere</a:t>
+            </a:r>
+            <a:r>
+              <a:rPr lang="en-US" dirty="0"/>
+              <a:t> Daten neu </a:t>
+            </a:r>
+            <a:r>
+              <a:rPr lang="en-US" dirty="0" err="1"/>
+              <a:t>sortieren</a:t>
+            </a:r>
+            <a:r>
+              <a:rPr lang="en-US" dirty="0"/>
+              <a:t>, um den Proben </a:t>
+            </a:r>
+            <a:r>
+              <a:rPr lang="en-US" dirty="0" err="1"/>
+              <a:t>eindeutig</a:t>
+            </a:r>
+            <a:r>
+              <a:rPr lang="en-US" dirty="0"/>
+              <a:t> die </a:t>
+            </a:r>
+            <a:r>
+              <a:rPr lang="en-US" dirty="0" err="1"/>
+              <a:t>richtigen</a:t>
+            </a:r>
+            <a:r>
+              <a:rPr lang="en-US" dirty="0"/>
+              <a:t> </a:t>
+            </a:r>
+            <a:r>
+              <a:rPr lang="en-US" dirty="0" err="1"/>
+              <a:t>Fraktionen</a:t>
+            </a:r>
+            <a:r>
+              <a:rPr lang="en-US" dirty="0"/>
+              <a:t> </a:t>
+            </a:r>
+            <a:r>
+              <a:rPr lang="en-US" dirty="0" err="1"/>
+              <a:t>zuordnen</a:t>
+            </a:r>
+            <a:r>
+              <a:rPr lang="en-US" dirty="0"/>
+              <a:t> </a:t>
+            </a:r>
+            <a:r>
+              <a:rPr lang="en-US" dirty="0" err="1"/>
+              <a:t>zu</a:t>
+            </a:r>
+            <a:r>
+              <a:rPr lang="en-US" dirty="0"/>
+              <a:t> </a:t>
+            </a:r>
+            <a:r>
+              <a:rPr lang="en-US" dirty="0" err="1"/>
+              <a:t>können</a:t>
+            </a:r>
+            <a:r>
+              <a:rPr lang="en-US" dirty="0"/>
+              <a:t> und </a:t>
+            </a:r>
+            <a:r>
+              <a:rPr lang="en-US" dirty="0" err="1"/>
+              <a:t>sie</a:t>
+            </a:r>
+            <a:r>
+              <a:rPr lang="en-US" dirty="0"/>
+              <a:t> in </a:t>
+            </a:r>
+            <a:r>
+              <a:rPr lang="en-US" dirty="0" err="1"/>
+              <a:t>ein</a:t>
+            </a:r>
+            <a:r>
+              <a:rPr lang="en-US" dirty="0"/>
+              <a:t> </a:t>
+            </a:r>
+            <a:r>
+              <a:rPr lang="en-US" dirty="0" err="1"/>
+              <a:t>richtiges</a:t>
+            </a:r>
+            <a:r>
+              <a:rPr lang="en-US" dirty="0"/>
+              <a:t> Format (</a:t>
+            </a:r>
+            <a:r>
+              <a:rPr lang="en-US" dirty="0" err="1"/>
+              <a:t>numerics</a:t>
+            </a:r>
+            <a:r>
+              <a:rPr lang="en-US" dirty="0"/>
+              <a:t>) </a:t>
+            </a:r>
+            <a:r>
+              <a:rPr lang="en-US" dirty="0" err="1"/>
+              <a:t>überführen</a:t>
+            </a:r>
+            <a:r>
+              <a:rPr lang="en-US" dirty="0"/>
+              <a:t>. </a:t>
+            </a:r>
+            <a:r>
+              <a:rPr lang="en-US" dirty="0" err="1"/>
+              <a:t>Weiterhin</a:t>
+            </a:r>
+            <a:r>
+              <a:rPr lang="en-US" dirty="0"/>
+              <a:t> </a:t>
+            </a:r>
+            <a:r>
+              <a:rPr lang="en-US" dirty="0" err="1"/>
+              <a:t>möchten</a:t>
+            </a:r>
+            <a:r>
+              <a:rPr lang="en-US" dirty="0"/>
+              <a:t> </a:t>
+            </a:r>
+            <a:r>
+              <a:rPr lang="en-US" dirty="0" err="1"/>
+              <a:t>wir</a:t>
+            </a:r>
+            <a:r>
+              <a:rPr lang="en-US" dirty="0"/>
+              <a:t> </a:t>
+            </a:r>
+            <a:r>
+              <a:rPr lang="en-US" dirty="0" err="1"/>
+              <a:t>Reihen</a:t>
+            </a:r>
+            <a:r>
+              <a:rPr lang="en-US" dirty="0"/>
+              <a:t> </a:t>
+            </a:r>
+            <a:r>
+              <a:rPr lang="en-US" dirty="0" err="1"/>
+              <a:t>entfernen</a:t>
+            </a:r>
+            <a:r>
+              <a:rPr lang="en-US" dirty="0"/>
+              <a:t>, die </a:t>
+            </a:r>
+            <a:r>
+              <a:rPr lang="en-US" dirty="0" err="1"/>
+              <a:t>keine</a:t>
+            </a:r>
+            <a:r>
+              <a:rPr lang="en-US" dirty="0"/>
+              <a:t> </a:t>
+            </a:r>
+            <a:r>
+              <a:rPr lang="en-US" dirty="0" err="1"/>
+              <a:t>signifikanten</a:t>
+            </a:r>
+            <a:r>
+              <a:rPr lang="en-US" dirty="0"/>
+              <a:t> Daten, </a:t>
+            </a:r>
+            <a:r>
+              <a:rPr lang="en-US" dirty="0" err="1"/>
+              <a:t>beziehungsweise</a:t>
+            </a:r>
+            <a:r>
+              <a:rPr lang="en-US" dirty="0"/>
+              <a:t> </a:t>
+            </a:r>
+            <a:r>
+              <a:rPr lang="en-US" dirty="0" err="1"/>
+              <a:t>Abweichungen</a:t>
+            </a:r>
+            <a:r>
+              <a:rPr lang="en-US" dirty="0"/>
+              <a:t> von Null </a:t>
+            </a:r>
+            <a:r>
+              <a:rPr lang="en-US" dirty="0" err="1"/>
+              <a:t>zeigen</a:t>
+            </a:r>
+            <a:r>
+              <a:rPr lang="en-US" dirty="0"/>
+              <a:t>. Auch </a:t>
+            </a:r>
+            <a:r>
+              <a:rPr lang="en-US" dirty="0" err="1"/>
+              <a:t>nicht</a:t>
+            </a:r>
+            <a:r>
+              <a:rPr lang="en-US" dirty="0"/>
+              <a:t> </a:t>
+            </a:r>
+            <a:r>
+              <a:rPr lang="en-US" dirty="0" err="1"/>
+              <a:t>vorhandene</a:t>
+            </a:r>
+            <a:r>
+              <a:rPr lang="en-US" dirty="0"/>
+              <a:t> </a:t>
+            </a:r>
+            <a:r>
+              <a:rPr lang="en-US" dirty="0" err="1"/>
+              <a:t>Werte</a:t>
+            </a:r>
+            <a:r>
+              <a:rPr lang="en-US" dirty="0"/>
+              <a:t> </a:t>
+            </a:r>
+            <a:r>
+              <a:rPr lang="en-US" dirty="0" err="1"/>
+              <a:t>würden</a:t>
+            </a:r>
+            <a:r>
+              <a:rPr lang="en-US" dirty="0"/>
+              <a:t> </a:t>
+            </a:r>
+            <a:r>
+              <a:rPr lang="en-US" dirty="0" err="1"/>
+              <a:t>entfernt</a:t>
+            </a:r>
+            <a:r>
+              <a:rPr lang="en-US" dirty="0"/>
+              <a:t> </a:t>
+            </a:r>
+            <a:r>
+              <a:rPr lang="en-US" dirty="0" err="1"/>
+              <a:t>oder</a:t>
+            </a:r>
+            <a:r>
+              <a:rPr lang="en-US" dirty="0"/>
+              <a:t> </a:t>
+            </a:r>
+            <a:r>
+              <a:rPr lang="en-US" dirty="0" err="1"/>
+              <a:t>ersetzt</a:t>
+            </a:r>
+            <a:r>
+              <a:rPr lang="en-US" dirty="0"/>
+              <a:t> </a:t>
+            </a:r>
+            <a:r>
+              <a:rPr lang="en-US" dirty="0" err="1"/>
+              <a:t>werden</a:t>
+            </a:r>
+            <a:r>
+              <a:rPr lang="en-US" dirty="0"/>
+              <a:t>. </a:t>
+            </a:r>
+            <a:r>
+              <a:rPr lang="en-US" dirty="0" err="1"/>
+              <a:t>Außerdem</a:t>
+            </a:r>
+            <a:r>
+              <a:rPr lang="en-US" dirty="0"/>
+              <a:t> </a:t>
+            </a:r>
+            <a:r>
+              <a:rPr lang="en-US" dirty="0" err="1"/>
+              <a:t>möchten</a:t>
+            </a:r>
+            <a:r>
+              <a:rPr lang="en-US" dirty="0"/>
+              <a:t> </a:t>
+            </a:r>
+            <a:r>
+              <a:rPr lang="en-US" dirty="0" err="1"/>
+              <a:t>wir</a:t>
+            </a:r>
+            <a:r>
+              <a:rPr lang="en-US" dirty="0"/>
+              <a:t> </a:t>
+            </a:r>
+            <a:r>
+              <a:rPr lang="en-US" dirty="0" err="1"/>
+              <a:t>eventuelle</a:t>
+            </a:r>
+            <a:r>
+              <a:rPr lang="en-US" dirty="0"/>
+              <a:t> </a:t>
+            </a:r>
+            <a:r>
+              <a:rPr lang="en-US" dirty="0" err="1"/>
+              <a:t>Ausreißer</a:t>
+            </a:r>
+            <a:r>
+              <a:rPr lang="en-US" dirty="0"/>
+              <a:t> </a:t>
+            </a:r>
+            <a:r>
+              <a:rPr lang="en-US" dirty="0" err="1"/>
+              <a:t>aussortieren</a:t>
+            </a:r>
+            <a:r>
+              <a:rPr lang="en-US" dirty="0"/>
+              <a:t>, </a:t>
+            </a:r>
+            <a:r>
+              <a:rPr lang="en-US" dirty="0" err="1"/>
+              <a:t>wenn</a:t>
+            </a:r>
+            <a:r>
+              <a:rPr lang="en-US" dirty="0"/>
+              <a:t> </a:t>
+            </a:r>
+            <a:r>
+              <a:rPr lang="en-US" dirty="0" err="1"/>
+              <a:t>sie</a:t>
+            </a:r>
+            <a:r>
+              <a:rPr lang="en-US" dirty="0"/>
+              <a:t> </a:t>
+            </a:r>
+            <a:r>
+              <a:rPr lang="en-US" dirty="0" err="1"/>
+              <a:t>technischen</a:t>
+            </a:r>
+            <a:r>
+              <a:rPr lang="en-US" dirty="0"/>
+              <a:t> </a:t>
+            </a:r>
+            <a:r>
+              <a:rPr lang="en-US" dirty="0" err="1"/>
+              <a:t>Ursprungs</a:t>
+            </a:r>
+            <a:r>
+              <a:rPr lang="en-US" dirty="0"/>
+              <a:t> </a:t>
+            </a:r>
+            <a:r>
+              <a:rPr lang="en-US" dirty="0" err="1"/>
+              <a:t>sind</a:t>
+            </a:r>
+            <a:r>
+              <a:rPr lang="en-US" dirty="0"/>
+              <a:t>. Das </a:t>
+            </a:r>
+            <a:r>
+              <a:rPr lang="en-US" dirty="0" err="1"/>
+              <a:t>allgemeine</a:t>
+            </a:r>
+            <a:r>
+              <a:rPr lang="en-US" dirty="0"/>
+              <a:t> </a:t>
+            </a:r>
+            <a:r>
+              <a:rPr lang="en-US" dirty="0" err="1"/>
+              <a:t>Grundprinzip</a:t>
+            </a:r>
+            <a:r>
+              <a:rPr lang="en-US" dirty="0"/>
+              <a:t> </a:t>
+            </a:r>
+            <a:r>
+              <a:rPr lang="en-US" dirty="0" err="1"/>
+              <a:t>eines</a:t>
+            </a:r>
+            <a:r>
+              <a:rPr lang="en-US" dirty="0"/>
+              <a:t> </a:t>
+            </a:r>
+            <a:r>
+              <a:rPr lang="en-US" dirty="0" err="1"/>
+              <a:t>Ausreißers</a:t>
+            </a:r>
+            <a:r>
+              <a:rPr lang="en-US" dirty="0"/>
+              <a:t> </a:t>
+            </a:r>
+            <a:r>
+              <a:rPr lang="en-US" dirty="0" err="1"/>
+              <a:t>ist</a:t>
+            </a:r>
+            <a:r>
+              <a:rPr lang="en-US" dirty="0"/>
+              <a:t> </a:t>
+            </a:r>
+            <a:r>
+              <a:rPr lang="en-US" dirty="0" err="1"/>
+              <a:t>hier</a:t>
+            </a:r>
+            <a:r>
+              <a:rPr lang="en-US" dirty="0"/>
+              <a:t> </a:t>
+            </a:r>
+            <a:r>
+              <a:rPr lang="en-US" dirty="0" err="1"/>
+              <a:t>dargestellt</a:t>
+            </a:r>
+            <a:r>
+              <a:rPr lang="en-US" dirty="0"/>
+              <a:t>. Dabei </a:t>
+            </a:r>
+            <a:r>
+              <a:rPr lang="en-US" dirty="0" err="1"/>
+              <a:t>zeigt</a:t>
+            </a:r>
+            <a:r>
+              <a:rPr lang="en-US" dirty="0"/>
+              <a:t> der </a:t>
+            </a:r>
+            <a:r>
+              <a:rPr lang="en-US" dirty="0" err="1"/>
+              <a:t>Datenpunkt</a:t>
+            </a:r>
+            <a:r>
+              <a:rPr lang="en-US" dirty="0"/>
+              <a:t> </a:t>
+            </a:r>
+            <a:r>
+              <a:rPr lang="en-US" dirty="0" err="1"/>
+              <a:t>im</a:t>
+            </a:r>
+            <a:r>
+              <a:rPr lang="en-US" dirty="0"/>
+              <a:t> </a:t>
+            </a:r>
+            <a:r>
+              <a:rPr lang="en-US" dirty="0" err="1"/>
+              <a:t>roten</a:t>
+            </a:r>
+            <a:r>
+              <a:rPr lang="en-US" dirty="0"/>
+              <a:t> Kreis </a:t>
+            </a:r>
+            <a:r>
+              <a:rPr lang="en-US" dirty="0" err="1"/>
+              <a:t>signifikant</a:t>
+            </a:r>
+            <a:r>
+              <a:rPr lang="en-US" dirty="0"/>
+              <a:t> </a:t>
+            </a:r>
+            <a:r>
+              <a:rPr lang="en-US" dirty="0" err="1"/>
+              <a:t>erhöhte</a:t>
+            </a:r>
+            <a:r>
+              <a:rPr lang="en-US" dirty="0"/>
+              <a:t> </a:t>
+            </a:r>
+            <a:r>
+              <a:rPr lang="en-US" dirty="0" err="1"/>
+              <a:t>Cholesterolwerte</a:t>
+            </a:r>
+            <a:r>
+              <a:rPr lang="en-US" dirty="0"/>
+              <a:t> </a:t>
+            </a:r>
+            <a:r>
+              <a:rPr lang="en-US" dirty="0" err="1"/>
+              <a:t>im</a:t>
+            </a:r>
+            <a:r>
+              <a:rPr lang="en-US" dirty="0"/>
+              <a:t> </a:t>
+            </a:r>
+            <a:r>
+              <a:rPr lang="en-US" dirty="0" err="1"/>
+              <a:t>Vergleich</a:t>
+            </a:r>
+            <a:r>
+              <a:rPr lang="en-US" dirty="0"/>
+              <a:t> </a:t>
+            </a:r>
+            <a:r>
+              <a:rPr lang="en-US" dirty="0" err="1"/>
+              <a:t>zu</a:t>
+            </a:r>
+            <a:r>
+              <a:rPr lang="en-US" dirty="0"/>
+              <a:t> </a:t>
+            </a:r>
+            <a:r>
+              <a:rPr lang="en-US" dirty="0" err="1"/>
+              <a:t>anderen</a:t>
+            </a:r>
+            <a:r>
+              <a:rPr lang="en-US" dirty="0"/>
+              <a:t> </a:t>
+            </a:r>
+            <a:r>
+              <a:rPr lang="en-US" dirty="0" err="1"/>
+              <a:t>Werten</a:t>
+            </a:r>
+            <a:r>
+              <a:rPr lang="en-US" dirty="0"/>
+              <a:t> in der </a:t>
+            </a:r>
+            <a:r>
+              <a:rPr lang="en-US" dirty="0" err="1"/>
+              <a:t>gleichen</a:t>
+            </a:r>
+            <a:r>
+              <a:rPr lang="en-US" dirty="0"/>
+              <a:t> </a:t>
+            </a:r>
+            <a:r>
+              <a:rPr lang="en-US" dirty="0" err="1"/>
+              <a:t>Altersgruppe</a:t>
+            </a:r>
+            <a:r>
+              <a:rPr lang="en-US" dirty="0"/>
+              <a:t>. </a:t>
+            </a:r>
+            <a:r>
+              <a:rPr lang="en-US" dirty="0" err="1"/>
+              <a:t>Zuletzt</a:t>
+            </a:r>
+            <a:r>
+              <a:rPr lang="en-US" dirty="0"/>
+              <a:t> </a:t>
+            </a:r>
+            <a:r>
+              <a:rPr lang="en-US" dirty="0" err="1"/>
+              <a:t>möchten</a:t>
+            </a:r>
+            <a:r>
+              <a:rPr lang="en-US" dirty="0"/>
+              <a:t> </a:t>
+            </a:r>
+            <a:r>
+              <a:rPr lang="en-US" dirty="0" err="1"/>
+              <a:t>wir</a:t>
+            </a:r>
+            <a:r>
+              <a:rPr lang="en-US" dirty="0"/>
+              <a:t> </a:t>
+            </a:r>
+            <a:r>
+              <a:rPr lang="en-US" dirty="0" err="1"/>
+              <a:t>als</a:t>
+            </a:r>
+            <a:r>
+              <a:rPr lang="en-US" dirty="0"/>
+              <a:t> Teil der </a:t>
+            </a:r>
+            <a:r>
+              <a:rPr lang="en-US" dirty="0" err="1"/>
+              <a:t>Datenaufreinigung</a:t>
+            </a:r>
+            <a:r>
+              <a:rPr lang="en-US" dirty="0"/>
+              <a:t> </a:t>
+            </a:r>
+            <a:r>
+              <a:rPr lang="en-US" dirty="0" err="1"/>
+              <a:t>unsere</a:t>
+            </a:r>
+            <a:r>
+              <a:rPr lang="en-US" dirty="0"/>
+              <a:t> Daten für </a:t>
+            </a:r>
+            <a:r>
+              <a:rPr lang="en-US" dirty="0" err="1"/>
+              <a:t>bessere</a:t>
+            </a:r>
+            <a:r>
+              <a:rPr lang="en-US" dirty="0"/>
+              <a:t> </a:t>
+            </a:r>
+            <a:r>
+              <a:rPr lang="en-US" dirty="0" err="1"/>
+              <a:t>Vergleichbarkeit</a:t>
+            </a:r>
+            <a:r>
+              <a:rPr lang="en-US" dirty="0"/>
+              <a:t> </a:t>
+            </a:r>
+            <a:r>
+              <a:rPr lang="en-US" dirty="0" err="1"/>
+              <a:t>zwischen</a:t>
+            </a:r>
+            <a:r>
+              <a:rPr lang="en-US" dirty="0"/>
+              <a:t> den Proben </a:t>
+            </a:r>
+            <a:r>
+              <a:rPr lang="en-US" dirty="0" err="1"/>
+              <a:t>normalisieren</a:t>
+            </a:r>
+            <a:r>
+              <a:rPr lang="en-US" dirty="0"/>
+              <a:t>.</a:t>
+            </a:r>
+          </a:p>
+        </p:txBody>
+      </p:sp>
+      <p:sp>
+        <p:nvSpPr>
+          <p:cNvPr id="4" name="Foliennummernplatzhalter 3"/>
+          <p:cNvSpPr>
+            <a:spLocks noGrp="1"/>
+          </p:cNvSpPr>
+          <p:nvPr>
+            <p:ph type="sldNum" sz="quarter" idx="5"/>
+          </p:nvPr>
+        </p:nvSpPr>
+        <p:spPr/>
+        <p:txBody>
+          <a:bodyPr/>
+          <a:lstStyle/>
+          <a:p>
+            <a:fld id="{5CE5EABD-9B00-4D4A-AB75-54D2757912B9}" type="slidenum">
+              <a:rPr lang="de-DE" smtClean="0"/>
+              <a:t>7</a:t>
+            </a:fld>
+            <a:endParaRPr lang="de-DE"/>
+          </a:p>
+        </p:txBody>
+      </p:sp>
+    </p:spTree>
+    <p:extLst>
+      <p:ext uri="{BB962C8B-B14F-4D97-AF65-F5344CB8AC3E}">
+        <p14:creationId xmlns:p14="http://schemas.microsoft.com/office/powerpoint/2010/main" val="2971346601"/>
+      </p:ext>
+    </p:extLst>
+  </p:cSld>
+  <p:clrMapOvr>
+    <a:masterClrMapping/>
+  </p:clrMapOvr>
+</p:notes>
+</file>
+
+<file path=ppt/notesSlides/notesSlide5.xml><?xml version="1.0" encoding="utf-8"?>
+<p:notes xmlns:a="http://schemas.openxmlformats.org/drawingml/2006/main" xmlns:r="http://schemas.openxmlformats.org/officeDocument/2006/relationships" xmlns:p="http://schemas.openxmlformats.org/presentationml/2006/main">
+  <p:cSld>
+    <p:spTree>
+      <p:nvGrpSpPr>
+        <p:cNvPr id="1" name=""/>
+        <p:cNvGrpSpPr/>
+        <p:nvPr/>
+      </p:nvGrpSpPr>
+      <p:grpSpPr>
+        <a:xfrm>
+          <a:off x="0" y="0"/>
+          <a:ext cx="0" cy="0"/>
+          <a:chOff x="0" y="0"/>
+          <a:chExt cx="0" cy="0"/>
+        </a:xfrm>
+      </p:grpSpPr>
+      <p:sp>
+        <p:nvSpPr>
+          <p:cNvPr id="2" name="Folienbildplatzhalter 1"/>
+          <p:cNvSpPr>
+            <a:spLocks noGrp="1" noRot="1" noChangeAspect="1"/>
+          </p:cNvSpPr>
+          <p:nvPr>
+            <p:ph type="sldImg"/>
+          </p:nvPr>
+        </p:nvSpPr>
+        <p:spPr/>
+      </p:sp>
+      <p:sp>
+        <p:nvSpPr>
+          <p:cNvPr id="3" name="Notizenplatzhalter 2"/>
+          <p:cNvSpPr>
+            <a:spLocks noGrp="1"/>
+          </p:cNvSpPr>
+          <p:nvPr>
+            <p:ph type="body" idx="1"/>
+          </p:nvPr>
+        </p:nvSpPr>
+        <p:spPr/>
+        <p:txBody>
+          <a:bodyPr/>
+          <a:lstStyle/>
+          <a:p>
+            <a:r>
+              <a:rPr lang="en-US" dirty="0" err="1"/>
+              <a:t>Nachdem</a:t>
+            </a:r>
+            <a:r>
+              <a:rPr lang="en-US" dirty="0"/>
+              <a:t> </a:t>
+            </a:r>
+            <a:r>
+              <a:rPr lang="en-US" dirty="0" err="1"/>
+              <a:t>wir</a:t>
+            </a:r>
+            <a:r>
+              <a:rPr lang="en-US" dirty="0"/>
+              <a:t> </a:t>
+            </a:r>
+            <a:r>
+              <a:rPr lang="en-US" dirty="0" err="1"/>
+              <a:t>unsere</a:t>
+            </a:r>
+            <a:r>
+              <a:rPr lang="en-US" dirty="0"/>
+              <a:t> Daten </a:t>
+            </a:r>
+            <a:r>
+              <a:rPr lang="en-US" dirty="0" err="1"/>
+              <a:t>bereinigt</a:t>
+            </a:r>
+            <a:r>
+              <a:rPr lang="en-US" dirty="0"/>
+              <a:t> </a:t>
+            </a:r>
+            <a:r>
+              <a:rPr lang="en-US" dirty="0" err="1"/>
+              <a:t>haben</a:t>
+            </a:r>
+            <a:r>
+              <a:rPr lang="en-US" dirty="0"/>
+              <a:t>, </a:t>
+            </a:r>
+            <a:r>
+              <a:rPr lang="en-US" dirty="0" err="1"/>
+              <a:t>möchten</a:t>
+            </a:r>
+            <a:r>
+              <a:rPr lang="en-US" dirty="0"/>
+              <a:t> </a:t>
+            </a:r>
+            <a:r>
+              <a:rPr lang="en-US" dirty="0" err="1"/>
+              <a:t>wir</a:t>
+            </a:r>
+            <a:r>
+              <a:rPr lang="en-US" dirty="0"/>
+              <a:t> </a:t>
+            </a:r>
+            <a:r>
+              <a:rPr lang="en-US" dirty="0" err="1"/>
+              <a:t>diese</a:t>
+            </a:r>
+            <a:r>
+              <a:rPr lang="en-US" dirty="0"/>
+              <a:t> in der </a:t>
+            </a:r>
+            <a:r>
+              <a:rPr lang="en-US" dirty="0" err="1"/>
+              <a:t>zweiten</a:t>
+            </a:r>
+            <a:r>
+              <a:rPr lang="en-US" dirty="0"/>
+              <a:t> </a:t>
+            </a:r>
+            <a:r>
+              <a:rPr lang="en-US" dirty="0" err="1"/>
+              <a:t>Woche</a:t>
+            </a:r>
+            <a:r>
+              <a:rPr lang="en-US" dirty="0"/>
+              <a:t> </a:t>
+            </a:r>
+            <a:r>
+              <a:rPr lang="en-US" dirty="0" err="1"/>
+              <a:t>vom</a:t>
+            </a:r>
+            <a:r>
+              <a:rPr lang="en-US" dirty="0"/>
+              <a:t> 26.05. bis </a:t>
+            </a:r>
+            <a:r>
+              <a:rPr lang="en-US" dirty="0" err="1"/>
+              <a:t>zum</a:t>
+            </a:r>
+            <a:r>
+              <a:rPr lang="en-US" dirty="0"/>
+              <a:t> 01.06. </a:t>
+            </a:r>
+            <a:r>
+              <a:rPr lang="en-US" dirty="0" err="1"/>
+              <a:t>näher</a:t>
+            </a:r>
+            <a:r>
+              <a:rPr lang="en-US" dirty="0"/>
+              <a:t> </a:t>
+            </a:r>
+            <a:r>
+              <a:rPr lang="en-US" dirty="0" err="1"/>
+              <a:t>betrachten</a:t>
+            </a:r>
+            <a:r>
+              <a:rPr lang="en-US" dirty="0"/>
+              <a:t> und </a:t>
+            </a:r>
+            <a:r>
+              <a:rPr lang="en-US" dirty="0" err="1"/>
+              <a:t>ihre</a:t>
+            </a:r>
+            <a:r>
+              <a:rPr lang="en-US" dirty="0"/>
+              <a:t> </a:t>
+            </a:r>
+            <a:r>
+              <a:rPr lang="en-US" dirty="0" err="1"/>
+              <a:t>Struktur</a:t>
+            </a:r>
+            <a:r>
+              <a:rPr lang="en-US" dirty="0"/>
+              <a:t> verstehen. Wir </a:t>
+            </a:r>
+            <a:r>
+              <a:rPr lang="en-US" dirty="0" err="1"/>
+              <a:t>werden</a:t>
+            </a:r>
+            <a:r>
+              <a:rPr lang="en-US" dirty="0"/>
+              <a:t> </a:t>
+            </a:r>
+            <a:r>
+              <a:rPr lang="en-US" dirty="0" err="1"/>
+              <a:t>eine</a:t>
+            </a:r>
+            <a:r>
+              <a:rPr lang="en-US" dirty="0"/>
+              <a:t> </a:t>
+            </a:r>
+            <a:r>
+              <a:rPr lang="en-US" dirty="0" err="1"/>
+              <a:t>grundlegende</a:t>
+            </a:r>
+            <a:r>
+              <a:rPr lang="en-US" dirty="0"/>
+              <a:t> explorative </a:t>
+            </a:r>
+            <a:r>
+              <a:rPr lang="en-US" dirty="0" err="1"/>
+              <a:t>Datenanalyse</a:t>
+            </a:r>
+            <a:r>
+              <a:rPr lang="en-US" dirty="0"/>
+              <a:t> </a:t>
+            </a:r>
+            <a:r>
+              <a:rPr lang="en-US" dirty="0" err="1"/>
+              <a:t>durchführen</a:t>
+            </a:r>
+            <a:r>
+              <a:rPr lang="en-US" dirty="0"/>
+              <a:t>, </a:t>
+            </a:r>
+            <a:r>
+              <a:rPr lang="en-US" dirty="0" err="1"/>
+              <a:t>bei</a:t>
+            </a:r>
+            <a:r>
+              <a:rPr lang="en-US" dirty="0"/>
+              <a:t> der </a:t>
+            </a:r>
+            <a:r>
+              <a:rPr lang="en-US" dirty="0" err="1"/>
+              <a:t>wir</a:t>
+            </a:r>
+            <a:r>
+              <a:rPr lang="en-US" dirty="0"/>
+              <a:t> die </a:t>
+            </a:r>
+            <a:r>
+              <a:rPr lang="en-US" dirty="0" err="1"/>
+              <a:t>Verteilung</a:t>
+            </a:r>
+            <a:r>
+              <a:rPr lang="en-US" dirty="0"/>
+              <a:t> der </a:t>
+            </a:r>
+            <a:r>
+              <a:rPr lang="en-US" dirty="0" err="1"/>
+              <a:t>Gesamtdaten</a:t>
+            </a:r>
+            <a:r>
+              <a:rPr lang="en-US" dirty="0"/>
+              <a:t>, </a:t>
+            </a:r>
+            <a:r>
+              <a:rPr lang="en-US" dirty="0" err="1"/>
+              <a:t>einzelner</a:t>
+            </a:r>
+            <a:r>
+              <a:rPr lang="en-US" dirty="0"/>
+              <a:t> </a:t>
+            </a:r>
+            <a:r>
+              <a:rPr lang="en-US" dirty="0" err="1"/>
+              <a:t>Stichproben</a:t>
+            </a:r>
+            <a:r>
+              <a:rPr lang="en-US" dirty="0"/>
+              <a:t> und </a:t>
+            </a:r>
+            <a:r>
+              <a:rPr lang="en-US" dirty="0" err="1"/>
+              <a:t>Merkmale</a:t>
+            </a:r>
+            <a:r>
+              <a:rPr lang="en-US" dirty="0"/>
+              <a:t> </a:t>
+            </a:r>
+            <a:r>
+              <a:rPr lang="en-US" dirty="0" err="1"/>
+              <a:t>betrachten</a:t>
+            </a:r>
+            <a:r>
+              <a:rPr lang="en-US" dirty="0"/>
+              <a:t>. Dabei </a:t>
+            </a:r>
+            <a:r>
+              <a:rPr lang="en-US" dirty="0" err="1"/>
+              <a:t>werden</a:t>
+            </a:r>
+            <a:r>
+              <a:rPr lang="en-US" dirty="0"/>
+              <a:t> </a:t>
+            </a:r>
+            <a:r>
+              <a:rPr lang="en-US" dirty="0" err="1"/>
+              <a:t>wir</a:t>
+            </a:r>
+            <a:r>
+              <a:rPr lang="en-US" dirty="0"/>
+              <a:t> </a:t>
+            </a:r>
+            <a:r>
+              <a:rPr lang="en-US" dirty="0" err="1"/>
+              <a:t>beispielsweise</a:t>
+            </a:r>
+            <a:r>
+              <a:rPr lang="en-US" dirty="0"/>
+              <a:t> absolute und </a:t>
+            </a:r>
+            <a:r>
+              <a:rPr lang="en-US" dirty="0" err="1"/>
+              <a:t>lokale</a:t>
+            </a:r>
+            <a:r>
+              <a:rPr lang="en-US" dirty="0"/>
+              <a:t> Maxima in den </a:t>
+            </a:r>
+            <a:r>
+              <a:rPr lang="en-US" dirty="0" err="1"/>
+              <a:t>Proteinprofilen</a:t>
+            </a:r>
+            <a:r>
+              <a:rPr lang="en-US" dirty="0"/>
+              <a:t> </a:t>
+            </a:r>
+            <a:r>
+              <a:rPr lang="en-US" dirty="0" err="1"/>
+              <a:t>betrachten</a:t>
+            </a:r>
+            <a:r>
+              <a:rPr lang="en-US" dirty="0"/>
+              <a:t>. Wir </a:t>
+            </a:r>
+            <a:r>
+              <a:rPr lang="en-US" dirty="0" err="1"/>
+              <a:t>werden</a:t>
+            </a:r>
+            <a:r>
+              <a:rPr lang="en-US" dirty="0"/>
+              <a:t> </a:t>
+            </a:r>
+            <a:r>
+              <a:rPr lang="en-US" dirty="0" err="1"/>
+              <a:t>mit</a:t>
+            </a:r>
+            <a:r>
+              <a:rPr lang="en-US" dirty="0"/>
+              <a:t> </a:t>
+            </a:r>
+            <a:r>
+              <a:rPr lang="en-US" dirty="0" err="1"/>
+              <a:t>einem</a:t>
+            </a:r>
+            <a:r>
+              <a:rPr lang="en-US" dirty="0"/>
+              <a:t> t-test </a:t>
+            </a:r>
+            <a:r>
+              <a:rPr lang="en-US" dirty="0" err="1"/>
+              <a:t>überprüfen</a:t>
+            </a:r>
+            <a:r>
+              <a:rPr lang="en-US" dirty="0"/>
+              <a:t>, </a:t>
+            </a:r>
+            <a:r>
+              <a:rPr lang="en-US" dirty="0" err="1"/>
+              <a:t>ob</a:t>
+            </a:r>
+            <a:r>
+              <a:rPr lang="en-US" dirty="0"/>
+              <a:t> die Shifts </a:t>
+            </a:r>
+            <a:r>
+              <a:rPr lang="en-US" dirty="0" err="1"/>
+              <a:t>signifikant</a:t>
+            </a:r>
+            <a:r>
+              <a:rPr lang="en-US" dirty="0"/>
+              <a:t> </a:t>
+            </a:r>
+            <a:r>
+              <a:rPr lang="en-US" dirty="0" err="1"/>
+              <a:t>sind</a:t>
+            </a:r>
+            <a:r>
+              <a:rPr lang="en-US" dirty="0"/>
+              <a:t> und </a:t>
+            </a:r>
+            <a:r>
+              <a:rPr lang="en-US" dirty="0" err="1"/>
+              <a:t>mithilfe</a:t>
+            </a:r>
+            <a:r>
+              <a:rPr lang="en-US" dirty="0"/>
+              <a:t> </a:t>
+            </a:r>
+            <a:r>
+              <a:rPr lang="en-US" dirty="0" err="1"/>
+              <a:t>eines</a:t>
+            </a:r>
+            <a:r>
+              <a:rPr lang="en-US" dirty="0"/>
+              <a:t> proportion tests </a:t>
+            </a:r>
+            <a:r>
+              <a:rPr lang="en-US" dirty="0" err="1"/>
+              <a:t>schauen</a:t>
+            </a:r>
+            <a:r>
+              <a:rPr lang="en-US" dirty="0"/>
+              <a:t>, </a:t>
+            </a:r>
+            <a:r>
+              <a:rPr lang="en-US" dirty="0" err="1"/>
+              <a:t>ob</a:t>
+            </a:r>
+            <a:r>
+              <a:rPr lang="en-US" dirty="0"/>
+              <a:t> </a:t>
+            </a:r>
+            <a:r>
+              <a:rPr lang="en-US" dirty="0" err="1"/>
+              <a:t>unsere</a:t>
+            </a:r>
+            <a:r>
+              <a:rPr lang="en-US" dirty="0"/>
+              <a:t> </a:t>
+            </a:r>
+            <a:r>
+              <a:rPr lang="en-US" dirty="0" err="1"/>
+              <a:t>Werte</a:t>
+            </a:r>
+            <a:r>
+              <a:rPr lang="en-US" dirty="0"/>
+              <a:t> den </a:t>
+            </a:r>
+            <a:r>
+              <a:rPr lang="en-US" dirty="0" err="1"/>
+              <a:t>wahren</a:t>
+            </a:r>
+            <a:r>
+              <a:rPr lang="en-US" dirty="0"/>
+              <a:t> </a:t>
+            </a:r>
+            <a:r>
+              <a:rPr lang="en-US" dirty="0" err="1"/>
+              <a:t>Anteil</a:t>
+            </a:r>
+            <a:r>
+              <a:rPr lang="en-US" dirty="0"/>
+              <a:t> der </a:t>
+            </a:r>
+            <a:r>
+              <a:rPr lang="en-US" dirty="0" err="1"/>
+              <a:t>Gesamtproteine</a:t>
+            </a:r>
+            <a:r>
+              <a:rPr lang="en-US" dirty="0"/>
+              <a:t> </a:t>
+            </a:r>
+            <a:r>
+              <a:rPr lang="en-US" dirty="0" err="1"/>
+              <a:t>darstellen</a:t>
+            </a:r>
+            <a:r>
+              <a:rPr lang="en-US" dirty="0"/>
+              <a:t>. </a:t>
+            </a:r>
+            <a:r>
+              <a:rPr lang="en-US" dirty="0" err="1"/>
+              <a:t>Weiterhin</a:t>
+            </a:r>
+            <a:r>
+              <a:rPr lang="en-US" dirty="0"/>
+              <a:t> </a:t>
+            </a:r>
+            <a:r>
+              <a:rPr lang="en-US" dirty="0" err="1"/>
+              <a:t>werden</a:t>
+            </a:r>
+            <a:r>
+              <a:rPr lang="en-US" dirty="0"/>
+              <a:t> </a:t>
+            </a:r>
+            <a:r>
+              <a:rPr lang="en-US" dirty="0" err="1"/>
+              <a:t>wird</a:t>
+            </a:r>
+            <a:r>
+              <a:rPr lang="en-US" dirty="0"/>
+              <a:t> </a:t>
+            </a:r>
+            <a:r>
+              <a:rPr lang="en-US" dirty="0" err="1"/>
+              <a:t>unsere</a:t>
+            </a:r>
+            <a:r>
+              <a:rPr lang="en-US" dirty="0"/>
+              <a:t> Daten </a:t>
+            </a:r>
+            <a:r>
+              <a:rPr lang="en-US" dirty="0" err="1"/>
+              <a:t>visualisieren</a:t>
+            </a:r>
+            <a:r>
+              <a:rPr lang="en-US" dirty="0"/>
+              <a:t> und </a:t>
+            </a:r>
+            <a:r>
+              <a:rPr lang="en-US" dirty="0" err="1"/>
+              <a:t>erste</a:t>
+            </a:r>
+            <a:r>
+              <a:rPr lang="en-US" dirty="0"/>
+              <a:t> </a:t>
+            </a:r>
+            <a:r>
+              <a:rPr lang="en-US" dirty="0" err="1"/>
+              <a:t>Hypothesen</a:t>
+            </a:r>
+            <a:r>
+              <a:rPr lang="en-US" dirty="0"/>
+              <a:t> </a:t>
+            </a:r>
+            <a:r>
+              <a:rPr lang="en-US" dirty="0" err="1"/>
+              <a:t>überprüfen</a:t>
+            </a:r>
+            <a:r>
+              <a:rPr lang="en-US" dirty="0"/>
+              <a:t>.</a:t>
+            </a:r>
+          </a:p>
+        </p:txBody>
+      </p:sp>
+      <p:sp>
+        <p:nvSpPr>
+          <p:cNvPr id="4" name="Foliennummernplatzhalter 3"/>
+          <p:cNvSpPr>
+            <a:spLocks noGrp="1"/>
+          </p:cNvSpPr>
+          <p:nvPr>
+            <p:ph type="sldNum" sz="quarter" idx="5"/>
+          </p:nvPr>
+        </p:nvSpPr>
+        <p:spPr/>
+        <p:txBody>
+          <a:bodyPr/>
+          <a:lstStyle/>
+          <a:p>
+            <a:fld id="{5CE5EABD-9B00-4D4A-AB75-54D2757912B9}" type="slidenum">
+              <a:rPr lang="de-DE" smtClean="0"/>
+              <a:t>8</a:t>
+            </a:fld>
+            <a:endParaRPr lang="de-DE"/>
+          </a:p>
+        </p:txBody>
+      </p:sp>
+    </p:spTree>
+    <p:extLst>
+      <p:ext uri="{BB962C8B-B14F-4D97-AF65-F5344CB8AC3E}">
+        <p14:creationId xmlns:p14="http://schemas.microsoft.com/office/powerpoint/2010/main" val="2721610578"/>
+      </p:ext>
+    </p:extLst>
+  </p:cSld>
+  <p:clrMapOvr>
+    <a:masterClrMapping/>
+  </p:clrMapOvr>
+</p:notes>
+</file>
+
+<file path=ppt/notesSlides/notesSlide6.xml><?xml version="1.0" encoding="utf-8"?>
 <p:notes xmlns:a="http://schemas.openxmlformats.org/drawingml/2006/main" xmlns:r="http://schemas.openxmlformats.org/officeDocument/2006/relationships" xmlns:p="http://schemas.openxmlformats.org/presentationml/2006/main">
   <p:cSld>
     <p:spTree>
@@ -12583,7 +13980,7 @@
                 <a:effectLst/>
                 <a:latin typeface="-apple-system"/>
               </a:rPr>
-              <a:t>Data </a:t>
+              <a:t>Data description and </a:t>
             </a:r>
             <a:r>
               <a:rPr lang="en-GB" sz="2400" b="1" noProof="0" dirty="0">
@@ -12622,7 +14019,7 @@
         <p:spPr>
           <a:xfrm>
             <a:off x="2445174" y="3982197"/>
-            <a:ext cx="2880360" cy="1477328"/>
+            <a:ext cx="2880360" cy="2031325"/>
           </a:xfrm>
           <a:prstGeom prst="rect">
             <a:avLst/>
@@ -12673,10 +14070,41 @@
                 </a:solidFill>
                 <a:latin typeface="-apple-system"/>
               </a:rPr>
-              <a:t> Remove low variance rows</a:t>
-            </a:r>
-          </a:p>
-          <a:p>
+              <a:t> Remove low variance rows                                   </a:t>
+            </a:r>
+          </a:p>
+          <a:p>
+            <a:pPr>
+              <a:buFont typeface="Arial" panose="020B0604020202020204" pitchFamily="34" charset="0"/>
+              <a:buChar char="•"/>
+            </a:pPr>
+            <a:endParaRPr lang="en-GB" dirty="0">
+              <a:solidFill>
+                <a:srgbClr val="1F2328"/>
+              </a:solidFill>
+              <a:latin typeface="-apple-system"/>
+            </a:endParaRPr>
+          </a:p>
+          <a:p>
+            <a:pPr>
+              <a:buFont typeface="Arial" panose="020B0604020202020204" pitchFamily="34" charset="0"/>
+              <a:buChar char="•"/>
+            </a:pPr>
+            <a:r>
+              <a:rPr lang="en-GB" noProof="0" dirty="0">
+                <a:solidFill>
+                  <a:srgbClr val="1F2328"/>
+                </a:solidFill>
+                <a:latin typeface="-apple-system"/>
+              </a:rPr>
+              <a:t>Remove technical outliers</a:t>
+            </a:r>
+          </a:p>
+          <a:p>
+            <a:pPr>
+              <a:buFont typeface="Arial" panose="020B0604020202020204" pitchFamily="34" charset="0"/>
+              <a:buChar char="•"/>
+            </a:pPr>
             <a:endParaRPr lang="en-GB" noProof="0" dirty="0">
               <a:solidFill>
                 <a:srgbClr val="1F2328"/>
@@ -12690,14 +14118,20 @@
               <a:buChar char="•"/>
             </a:pPr>
             <a:r>
-              <a:rPr lang="en-GB" noProof="0" dirty="0">
+              <a:rPr lang="en-GB" dirty="0">
                 <a:solidFill>
                   <a:srgbClr val="1F2328"/>
                 </a:solidFill>
                 <a:latin typeface="-apple-system"/>
               </a:rPr>
-              <a:t> Remove technical outliers</a:t>
-            </a:r>
+              <a:t>Normalization</a:t>
+            </a:r>
+            <a:endParaRPr lang="en-GB" noProof="0" dirty="0">
+              <a:solidFill>
+                <a:srgbClr val="1F2328"/>
+              </a:solidFill>
+              <a:latin typeface="-apple-system"/>
+            </a:endParaRPr>
           </a:p>
         </p:txBody>
       </p:sp>
@@ -12752,7 +14186,7 @@
           <p:nvPr/>
         </p:nvPicPr>
         <p:blipFill>
-          <a:blip r:embed="rId2">
+          <a:blip r:embed="rId3">
             <a:extLst>
               <a:ext uri="{28A0092B-C50C-407E-A947-70E740481C1C}">
                 <a14:useLocalDpi xmlns:a14="http://schemas.microsoft.com/office/drawing/2010/main" val="0"/>
@@ -12848,7 +14282,7 @@
           <p:nvPr/>
         </p:nvPicPr>
         <p:blipFill>
-          <a:blip r:embed="rId3">
+          <a:blip r:embed="rId4">
             <a:extLst>
               <a:ext uri="{28A0092B-C50C-407E-A947-70E740481C1C}">
                 <a14:useLocalDpi xmlns:a14="http://schemas.microsoft.com/office/drawing/2010/main" val="0"/>
@@ -13386,6 +14820,55 @@
                       </p:childTnLst>
                     </p:cTn>
                   </p:par>
+                  <p:par>
+                    <p:cTn id="31" fill="hold">
+                      <p:stCondLst>
+                        <p:cond delay="indefinite"/>
+                      </p:stCondLst>
+                      <p:childTnLst>
+                        <p:par>
+                          <p:cTn id="32" fill="hold">
+                            <p:stCondLst>
+                              <p:cond delay="0"/>
+                            </p:stCondLst>
+                            <p:childTnLst>
+                              <p:par>
+                                <p:cTn id="33" presetID="1" presetClass="entr" presetSubtype="0" fill="hold" nodeType="clickEffect">
+                                  <p:stCondLst>
+                                    <p:cond delay="0"/>
+                                  </p:stCondLst>
+                                  <p:childTnLst>
+                                    <p:set>
+                                      <p:cBhvr>
+                                        <p:cTn id="34" dur="1" fill="hold">
+                                          <p:stCondLst>
+                                            <p:cond delay="0"/>
+                                          </p:stCondLst>
+                                        </p:cTn>
+                                        <p:tgtEl>
+                                          <p:spTgt spid="9">
+                                            <p:txEl>
+                                              <p:pRg st="6" end="6"/>
+                                            </p:txEl>
+                                          </p:spTgt>
+                                        </p:tgtEl>
+                                        <p:attrNameLst>
+                                          <p:attrName>style.visibility</p:attrName>
+                                        </p:attrNameLst>
+                                      </p:cBhvr>
+                                      <p:to>
+                                        <p:strVal val="visible"/>
+                                      </p:to>
+                                    </p:set>
+                                  </p:childTnLst>
+                                </p:cTn>
+                              </p:par>
+                            </p:childTnLst>
+                          </p:cTn>
+                        </p:par>
+                      </p:childTnLst>
+                    </p:cTn>
+                  </p:par>
                 </p:childTnLst>
               </p:cTn>
               <p:prevCondLst>
@@ -13635,7 +15118,7 @@
                 </a:solidFill>
                 <a:latin typeface="-apple-system"/>
               </a:rPr>
-              <a:t>Proportion test</a:t>
+              <a:t> Proportion test</a:t>
             </a:r>
           </a:p>
         </p:txBody>
@@ -13691,7 +15174,7 @@
           <p:nvPr/>
         </p:nvPicPr>
         <p:blipFill>
-          <a:blip r:embed="rId2">
+          <a:blip r:embed="rId3">
             <a:extLst>
               <a:ext uri="{28A0092B-C50C-407E-A947-70E740481C1C}">
                 <a14:useLocalDpi xmlns:a14="http://schemas.microsoft.com/office/drawing/2010/main" val="0"/>
@@ -13914,7 +15397,7 @@
           <p:nvPr/>
         </p:nvPicPr>
         <p:blipFill>
-          <a:blip r:embed="rId3">
+          <a:blip r:embed="rId4">
             <a:extLst>
               <a:ext uri="{28A0092B-C50C-407E-A947-70E740481C1C}">
                 <a14:useLocalDpi xmlns:a14="http://schemas.microsoft.com/office/drawing/2010/main" val="0"/>
@@ -13928,42 +15411,6 @@
           <a:xfrm>
             <a:off x="6017678" y="1651000"/>
             <a:ext cx="5789455" cy="4256282"/>
-          </a:xfrm>
-          <a:prstGeom prst="rect">
-            <a:avLst/>
-          </a:prstGeom>
-        </p:spPr>
-      </p:pic>
-      <p:pic>
-        <p:nvPicPr>
-          <p:cNvPr id="10" name="Picture 9" descr="A blue screen with black text&#10;&#10;AI-generated content may be incorrect.">
-            <a:extLst>
-              <a:ext uri="{FF2B5EF4-FFF2-40B4-BE49-F238E27FC236}">
-                <a16:creationId xmlns:a16="http://schemas.microsoft.com/office/drawing/2014/main" id="{C6A6EDF5-5A94-3215-64CE-13024C5DEDAD}"/>
-              </a:ext>
-            </a:extLst>
-          </p:cNvPr>
-          <p:cNvPicPr>
-            <a:picLocks noChangeAspect="1"/>
-          </p:cNvPicPr>
-          <p:nvPr/>
-        </p:nvPicPr>
-        <p:blipFill>
-          <a:blip r:embed="rId4">
-            <a:extLst>
-              <a:ext uri="{28A0092B-C50C-407E-A947-70E740481C1C}">
-                <a14:useLocalDpi xmlns:a14="http://schemas.microsoft.com/office/drawing/2010/main" val="0"/>
-              </a:ext>
-            </a:extLst>
-          </a:blip>
-          <a:stretch>
-            <a:fillRect/>
-          </a:stretch>
-        </p:blipFill>
-        <p:spPr>
-          <a:xfrm>
-            <a:off x="6017677" y="1651000"/>
-            <a:ext cx="5789455" cy="4347031"/>
           </a:xfrm>
           <a:prstGeom prst="rect">
             <a:avLst/>
@@ -14304,7 +15751,7 @@
                             </p:stCondLst>
                             <p:childTnLst>
                               <p:par>
-                                <p:cTn id="23" presetID="1" presetClass="entr" presetSubtype="0" fill="hold" nodeType="clickEffect">
+                                <p:cTn id="23" presetID="1" presetClass="entr" presetSubtype="0" fill="hold" grpId="0" nodeType="clickEffect">
                                   <p:stCondLst>
                                     <p:cond delay="0"/>
                                   </p:stCondLst>
@@ -14312,55 +15759,6 @@
                                     <p:set>
                                       <p:cBhvr>
                                         <p:cTn id="24" dur="1" fill="hold">
-                                          <p:stCondLst>
-                                            <p:cond delay="0"/>
-                                          </p:stCondLst>
-                                        </p:cTn>
-                                        <p:tgtEl>
-                                          <p:spTgt spid="9">
-                                            <p:txEl>
-                                              <p:pRg st="4" end="4"/>
-                                            </p:txEl>
-                                          </p:spTgt>
-                                        </p:tgtEl>
-                                        <p:attrNameLst>
-                                          <p:attrName>style.visibility</p:attrName>
-                                        </p:attrNameLst>
-                                      </p:cBhvr>
-                                      <p:to>
-                                        <p:strVal val="visible"/>
-                                      </p:to>
-                                    </p:set>
-                                  </p:childTnLst>
-                                </p:cTn>
-                              </p:par>
-                            </p:childTnLst>
-                          </p:cTn>
-                        </p:par>
-                      </p:childTnLst>
-                    </p:cTn>
-                  </p:par>
-                  <p:par>
-                    <p:cTn id="25" fill="hold">
-                      <p:stCondLst>
-                        <p:cond delay="indefinite"/>
-                      </p:stCondLst>
-                      <p:childTnLst>
-                        <p:par>
-                          <p:cTn id="26" fill="hold">
-                            <p:stCondLst>
-                              <p:cond delay="0"/>
-                            </p:stCondLst>
-                            <p:childTnLst>
-                              <p:par>
-                                <p:cTn id="27" presetID="1" presetClass="entr" presetSubtype="0" fill="hold" grpId="0" nodeType="clickEffect">
-                                  <p:stCondLst>
-                                    <p:cond delay="0"/>
-                                  </p:stCondLst>
-                                  <p:childTnLst>
-                                    <p:set>
-                                      <p:cBhvr>
-                                        <p:cTn id="28" dur="1" fill="hold">
                                           <p:stCondLst>
                                             <p:cond delay="0"/>
                                           </p:stCondLst>
@@ -14380,14 +15778,14 @@
                                 </p:cTn>
                               </p:par>
                               <p:par>
-                                <p:cTn id="29" presetID="1" presetClass="entr" presetSubtype="0" fill="hold" grpId="0" nodeType="withEffect">
+                                <p:cTn id="25" presetID="1" presetClass="entr" presetSubtype="0" fill="hold" grpId="0" nodeType="withEffect">
                                   <p:stCondLst>
                                     <p:cond delay="0"/>
                                   </p:stCondLst>
                                   <p:childTnLst>
                                     <p:set>
                                       <p:cBhvr>
-                                        <p:cTn id="30" dur="1" fill="hold">
+                                        <p:cTn id="26" dur="1" fill="hold">
                                           <p:stCondLst>
                                             <p:cond delay="0"/>
                                           </p:stCondLst>
@@ -14407,14 +15805,14 @@
                                 </p:cTn>
                               </p:par>
                               <p:par>
-                                <p:cTn id="31" presetID="1" presetClass="entr" presetSubtype="0" fill="hold" nodeType="withEffect">
+                                <p:cTn id="27" presetID="1" presetClass="entr" presetSubtype="0" fill="hold" nodeType="withEffect">
                                   <p:stCondLst>
                                     <p:cond delay="0"/>
                                   </p:stCondLst>
                                   <p:childTnLst>
                                     <p:set>
                                       <p:cBhvr>
-                                        <p:cTn id="32" dur="1" fill="hold">
+                                        <p:cTn id="28" dur="1" fill="hold">
                                           <p:stCondLst>
                                             <p:cond delay="0"/>
                                           </p:stCondLst>
@@ -14440,32 +15838,36 @@
                     </p:cTn>
                   </p:par>
                   <p:par>
-                    <p:cTn id="33" fill="hold">
+                    <p:cTn id="29" fill="hold">
                       <p:stCondLst>
                         <p:cond delay="indefinite"/>
                       </p:stCondLst>
                       <p:childTnLst>
                         <p:par>
-                          <p:cTn id="34" fill="hold">
+                          <p:cTn id="30" fill="hold">
                             <p:stCondLst>
                               <p:cond delay="0"/>
                             </p:stCondLst>
                             <p:childTnLst>
                               <p:par>
-                                <p:cTn id="35" presetID="1" presetClass="entr" presetSubtype="0" fill="hold" nodeType="clickEffect">
+                                <p:cTn id="31" presetID="1" presetClass="entr" presetSubtype="0" fill="hold" nodeType="clickEffect">
                                   <p:stCondLst>
                                     <p:cond delay="0"/>
                                   </p:stCondLst>
                                   <p:childTnLst>
                                     <p:set>
                                       <p:cBhvr>
-                                        <p:cTn id="36" dur="1" fill="hold">
+                                        <p:cTn id="32" dur="1" fill="hold">
                                           <p:stCondLst>
                                             <p:cond delay="0"/>
                                           </p:stCondLst>
                                         </p:cTn>
                                         <p:tgtEl>
-                                          <p:spTgt spid="10"/>
+                                          <p:spTgt spid="9">
+                                            <p:txEl>
+                                              <p:pRg st="4" end="4"/>
+                                            </p:txEl>
+                                          </p:spTgt>
                                         </p:tgtEl>
                                         <p:attrNameLst>
                                           <p:attrName>style.visibility</p:attrName>

--- a/Project Proposal.pptx
+++ b/Project Proposal.pptx
@@ -11100,76 +11100,6 @@
           </a:p>
         </p:txBody>
       </p:sp>
-      <p:pic>
-        <p:nvPicPr>
-          <p:cNvPr id="6" name="Picture 5" descr="A cartoon of a ladder and a tree&#10;&#10;AI-generated content may be incorrect.">
-            <a:extLst>
-              <a:ext uri="{FF2B5EF4-FFF2-40B4-BE49-F238E27FC236}">
-                <a16:creationId xmlns:a16="http://schemas.microsoft.com/office/drawing/2014/main" id="{396D2326-6A34-8546-E077-3E24C6FC9960}"/>
-              </a:ext>
-            </a:extLst>
-          </p:cNvPr>
-          <p:cNvPicPr>
-            <a:picLocks noChangeAspect="1"/>
-          </p:cNvPicPr>
-          <p:nvPr/>
-        </p:nvPicPr>
-        <p:blipFill>
-          <a:blip r:embed="rId3">
-            <a:extLst>
-              <a:ext uri="{28A0092B-C50C-407E-A947-70E740481C1C}">
-                <a14:useLocalDpi xmlns:a14="http://schemas.microsoft.com/office/drawing/2010/main" val="0"/>
-              </a:ext>
-            </a:extLst>
-          </a:blip>
-          <a:srcRect l="37033" r="1"/>
-          <a:stretch/>
-        </p:blipFill>
-        <p:spPr>
-          <a:xfrm>
-            <a:off x="520409" y="1817081"/>
-            <a:ext cx="3597812" cy="4000108"/>
-          </a:xfrm>
-          <a:prstGeom prst="rect">
-            <a:avLst/>
-          </a:prstGeom>
-        </p:spPr>
-      </p:pic>
-      <p:pic>
-        <p:nvPicPr>
-          <p:cNvPr id="8" name="Picture 7" descr="A diagram of a ladder and brain&#10;&#10;AI-generated content may be incorrect.">
-            <a:extLst>
-              <a:ext uri="{FF2B5EF4-FFF2-40B4-BE49-F238E27FC236}">
-                <a16:creationId xmlns:a16="http://schemas.microsoft.com/office/drawing/2014/main" id="{3FD1A5A0-9772-0167-0EB3-35171872DC8D}"/>
-              </a:ext>
-            </a:extLst>
-          </p:cNvPr>
-          <p:cNvPicPr>
-            <a:picLocks noChangeAspect="1"/>
-          </p:cNvPicPr>
-          <p:nvPr/>
-        </p:nvPicPr>
-        <p:blipFill>
-          <a:blip r:embed="rId4">
-            <a:extLst>
-              <a:ext uri="{28A0092B-C50C-407E-A947-70E740481C1C}">
-                <a14:useLocalDpi xmlns:a14="http://schemas.microsoft.com/office/drawing/2010/main" val="0"/>
-              </a:ext>
-            </a:extLst>
-          </a:blip>
-          <a:srcRect l="37040"/>
-          <a:stretch/>
-        </p:blipFill>
-        <p:spPr>
-          <a:xfrm>
-            <a:off x="4118221" y="1817082"/>
-            <a:ext cx="3597812" cy="4000108"/>
-          </a:xfrm>
-          <a:prstGeom prst="rect">
-            <a:avLst/>
-          </a:prstGeom>
-        </p:spPr>
-      </p:pic>
       <p:sp>
         <p:nvSpPr>
           <p:cNvPr id="4" name="Textfeld 3">
@@ -11267,6 +11197,42 @@
           </a:p>
         </p:txBody>
       </p:sp>
+      <p:pic>
+        <p:nvPicPr>
+          <p:cNvPr id="5" name="Grafik 4" descr="Ein Bild, das Diagramm, Clipart enthält.&#10;&#10;KI-generierte Inhalte können fehlerhaft sein.">
+            <a:extLst>
+              <a:ext uri="{FF2B5EF4-FFF2-40B4-BE49-F238E27FC236}">
+                <a16:creationId xmlns:a16="http://schemas.microsoft.com/office/drawing/2014/main" id="{27081F80-6BAF-1BD8-9C20-8E5BCE0744F6}"/>
+              </a:ext>
+            </a:extLst>
+          </p:cNvPr>
+          <p:cNvPicPr>
+            <a:picLocks noChangeAspect="1"/>
+          </p:cNvPicPr>
+          <p:nvPr/>
+        </p:nvPicPr>
+        <p:blipFill>
+          <a:blip r:embed="rId3">
+            <a:extLst>
+              <a:ext uri="{28A0092B-C50C-407E-A947-70E740481C1C}">
+                <a14:useLocalDpi xmlns:a14="http://schemas.microsoft.com/office/drawing/2010/main" val="0"/>
+              </a:ext>
+            </a:extLst>
+          </a:blip>
+          <a:stretch>
+            <a:fillRect/>
+          </a:stretch>
+        </p:blipFill>
+        <p:spPr>
+          <a:xfrm>
+            <a:off x="649515" y="2279068"/>
+            <a:ext cx="7010400" cy="3400044"/>
+          </a:xfrm>
+          <a:prstGeom prst="rect">
+            <a:avLst/>
+          </a:prstGeom>
+        </p:spPr>
+      </p:pic>
     </p:spTree>
     <p:extLst>
       <p:ext uri="{BB962C8B-B14F-4D97-AF65-F5344CB8AC3E}">
@@ -11311,11 +11277,7 @@
                                           </p:stCondLst>
                                         </p:cTn>
                                         <p:tgtEl>
-                                          <p:spTgt spid="7">
-                                            <p:txEl>
-                                              <p:pRg st="0" end="0"/>
-                                            </p:txEl>
-                                          </p:spTgt>
+                                          <p:spTgt spid="5"/>
                                         </p:tgtEl>
                                         <p:attrNameLst>
                                           <p:attrName>style.visibility</p:attrName>
@@ -11355,6 +11317,55 @@
                                     <p:set>
                                       <p:cBhvr>
                                         <p:cTn id="10" dur="1" fill="hold">
+                                          <p:stCondLst>
+                                            <p:cond delay="0"/>
+                                          </p:stCondLst>
+                                        </p:cTn>
+                                        <p:tgtEl>
+                                          <p:spTgt spid="7">
+                                            <p:txEl>
+                                              <p:pRg st="0" end="0"/>
+                                            </p:txEl>
+                                          </p:spTgt>
+                                        </p:tgtEl>
+                                        <p:attrNameLst>
+                                          <p:attrName>style.visibility</p:attrName>
+                                        </p:attrNameLst>
+                                      </p:cBhvr>
+                                      <p:to>
+                                        <p:strVal val="visible"/>
+                                      </p:to>
+                                    </p:set>
+                                  </p:childTnLst>
+                                </p:cTn>
+                              </p:par>
+                            </p:childTnLst>
+                          </p:cTn>
+                        </p:par>
+                      </p:childTnLst>
+                    </p:cTn>
+                  </p:par>
+                  <p:par>
+                    <p:cTn id="11" fill="hold">
+                      <p:stCondLst>
+                        <p:cond delay="indefinite"/>
+                      </p:stCondLst>
+                      <p:childTnLst>
+                        <p:par>
+                          <p:cTn id="12" fill="hold">
+                            <p:stCondLst>
+                              <p:cond delay="0"/>
+                            </p:stCondLst>
+                            <p:childTnLst>
+                              <p:par>
+                                <p:cTn id="13" presetID="1" presetClass="entr" presetSubtype="0" fill="hold" nodeType="clickEffect">
+                                  <p:stCondLst>
+                                    <p:cond delay="0"/>
+                                  </p:stCondLst>
+                                  <p:childTnLst>
+                                    <p:set>
+                                      <p:cBhvr>
+                                        <p:cTn id="14" dur="1" fill="hold">
                                           <p:stCondLst>
                                             <p:cond delay="0"/>
                                           </p:stCondLst>

--- a/Project Proposal.pptx
+++ b/Project Proposal.pptx
@@ -373,7 +373,7 @@
           <a:p>
             <a:fld id="{5CE5EABD-9B00-4D4A-AB75-54D2757912B9}" type="slidenum">
               <a:rPr lang="de-DE" smtClean="0"/>
-              <a:t>‹Nr.›</a:t>
+              <a:t>‹#›</a:t>
             </a:fld>
             <a:endParaRPr lang="de-DE"/>
           </a:p>
@@ -3115,7 +3115,7 @@
           <a:p>
             <a:fld id="{76CD8E94-8180-4651-B6B5-5A5ABA3C85A7}" type="slidenum">
               <a:rPr lang="de-DE" smtClean="0"/>
-              <a:t>‹Nr.›</a:t>
+              <a:t>‹#›</a:t>
             </a:fld>
             <a:endParaRPr lang="de-DE"/>
           </a:p>
@@ -3315,7 +3315,7 @@
           <a:p>
             <a:fld id="{76CD8E94-8180-4651-B6B5-5A5ABA3C85A7}" type="slidenum">
               <a:rPr lang="de-DE" smtClean="0"/>
-              <a:t>‹Nr.›</a:t>
+              <a:t>‹#›</a:t>
             </a:fld>
             <a:endParaRPr lang="de-DE"/>
           </a:p>
@@ -3525,7 +3525,7 @@
           <a:p>
             <a:fld id="{76CD8E94-8180-4651-B6B5-5A5ABA3C85A7}" type="slidenum">
               <a:rPr lang="de-DE" smtClean="0"/>
-              <a:t>‹Nr.›</a:t>
+              <a:t>‹#›</a:t>
             </a:fld>
             <a:endParaRPr lang="de-DE"/>
           </a:p>
@@ -3725,7 +3725,7 @@
           <a:p>
             <a:fld id="{76CD8E94-8180-4651-B6B5-5A5ABA3C85A7}" type="slidenum">
               <a:rPr lang="de-DE" smtClean="0"/>
-              <a:t>‹Nr.›</a:t>
+              <a:t>‹#›</a:t>
             </a:fld>
             <a:endParaRPr lang="de-DE"/>
           </a:p>
@@ -4001,7 +4001,7 @@
           <a:p>
             <a:fld id="{76CD8E94-8180-4651-B6B5-5A5ABA3C85A7}" type="slidenum">
               <a:rPr lang="de-DE" smtClean="0"/>
-              <a:t>‹Nr.›</a:t>
+              <a:t>‹#›</a:t>
             </a:fld>
             <a:endParaRPr lang="de-DE"/>
           </a:p>
@@ -4269,7 +4269,7 @@
           <a:p>
             <a:fld id="{76CD8E94-8180-4651-B6B5-5A5ABA3C85A7}" type="slidenum">
               <a:rPr lang="de-DE" smtClean="0"/>
-              <a:t>‹Nr.›</a:t>
+              <a:t>‹#›</a:t>
             </a:fld>
             <a:endParaRPr lang="de-DE"/>
           </a:p>
@@ -4684,7 +4684,7 @@
           <a:p>
             <a:fld id="{76CD8E94-8180-4651-B6B5-5A5ABA3C85A7}" type="slidenum">
               <a:rPr lang="de-DE" smtClean="0"/>
-              <a:t>‹Nr.›</a:t>
+              <a:t>‹#›</a:t>
             </a:fld>
             <a:endParaRPr lang="de-DE"/>
           </a:p>
@@ -4826,7 +4826,7 @@
           <a:p>
             <a:fld id="{76CD8E94-8180-4651-B6B5-5A5ABA3C85A7}" type="slidenum">
               <a:rPr lang="de-DE" smtClean="0"/>
-              <a:t>‹Nr.›</a:t>
+              <a:t>‹#›</a:t>
             </a:fld>
             <a:endParaRPr lang="de-DE"/>
           </a:p>
@@ -4939,7 +4939,7 @@
           <a:p>
             <a:fld id="{76CD8E94-8180-4651-B6B5-5A5ABA3C85A7}" type="slidenum">
               <a:rPr lang="de-DE" smtClean="0"/>
-              <a:t>‹Nr.›</a:t>
+              <a:t>‹#›</a:t>
             </a:fld>
             <a:endParaRPr lang="de-DE"/>
           </a:p>
@@ -5252,7 +5252,7 @@
           <a:p>
             <a:fld id="{76CD8E94-8180-4651-B6B5-5A5ABA3C85A7}" type="slidenum">
               <a:rPr lang="de-DE" smtClean="0"/>
-              <a:t>‹Nr.›</a:t>
+              <a:t>‹#›</a:t>
             </a:fld>
             <a:endParaRPr lang="de-DE"/>
           </a:p>
@@ -5541,7 +5541,7 @@
           <a:p>
             <a:fld id="{76CD8E94-8180-4651-B6B5-5A5ABA3C85A7}" type="slidenum">
               <a:rPr lang="de-DE" smtClean="0"/>
-              <a:t>‹Nr.›</a:t>
+              <a:t>‹#›</a:t>
             </a:fld>
             <a:endParaRPr lang="de-DE"/>
           </a:p>
@@ -5820,7 +5820,7 @@
           <a:p>
             <a:fld id="{76CD8E94-8180-4651-B6B5-5A5ABA3C85A7}" type="slidenum">
               <a:rPr lang="de-DE" smtClean="0"/>
-              <a:t>‹Nr.›</a:t>
+              <a:t>‹#›</a:t>
             </a:fld>
             <a:endParaRPr lang="de-DE"/>
           </a:p>
@@ -7084,7 +7084,7 @@
                             </p:stCondLst>
                             <p:childTnLst>
                               <p:par>
-                                <p:cTn id="13" presetID="1" presetClass="entr" presetSubtype="0" fill="hold" grpId="0" nodeType="clickEffect">
+                                <p:cTn id="13" presetID="1" presetClass="entr" presetSubtype="0" fill="hold" nodeType="clickEffect">
                                   <p:stCondLst>
                                     <p:cond delay="0"/>
                                   </p:stCondLst>
@@ -7097,11 +7097,7 @@
                                           </p:stCondLst>
                                         </p:cTn>
                                         <p:tgtEl>
-                                          <p:spTgt spid="9">
-                                            <p:txEl>
-                                              <p:pRg st="2" end="2"/>
-                                            </p:txEl>
-                                          </p:spTgt>
+                                          <p:spTgt spid="14"/>
                                         </p:tgtEl>
                                         <p:attrNameLst>
                                           <p:attrName>style.visibility</p:attrName>
@@ -7146,7 +7142,7 @@
                                           </p:stCondLst>
                                         </p:cTn>
                                         <p:tgtEl>
-                                          <p:spTgt spid="14"/>
+                                          <p:spTgt spid="16"/>
                                         </p:tgtEl>
                                         <p:attrNameLst>
                                           <p:attrName>style.visibility</p:attrName>
@@ -7191,7 +7187,11 @@
                                           </p:stCondLst>
                                         </p:cTn>
                                         <p:tgtEl>
-                                          <p:spTgt spid="16"/>
+                                          <p:spTgt spid="9">
+                                            <p:txEl>
+                                              <p:pRg st="2" end="2"/>
+                                            </p:txEl>
+                                          </p:spTgt>
                                         </p:tgtEl>
                                         <p:attrNameLst>
                                           <p:attrName>style.visibility</p:attrName>
@@ -14108,7 +14108,7 @@
                 </a:solidFill>
                 <a:latin typeface="-apple-system"/>
               </a:rPr>
-              <a:t>Remove technical outliers</a:t>
+              <a:t> Remove technical outliers</a:t>
             </a:r>
           </a:p>
           <a:p>
@@ -14135,7 +14135,7 @@
                 </a:solidFill>
                 <a:latin typeface="-apple-system"/>
               </a:rPr>
-              <a:t>Normalization</a:t>
+              <a:t> Normalization</a:t>
             </a:r>
             <a:endParaRPr lang="en-GB" noProof="0" dirty="0">
               <a:solidFill>

--- a/Project Proposal.pptx
+++ b/Project Proposal.pptx
@@ -1064,6 +1064,14 @@
             </a:r>
             <a:r>
               <a:rPr lang="en-US" dirty="0" err="1"/>
+              <a:t>zu</a:t>
+            </a:r>
+            <a:r>
+              <a:rPr lang="en-US" dirty="0"/>
+              <a:t> </a:t>
+            </a:r>
+            <a:r>
+              <a:rPr lang="en-US" dirty="0" err="1"/>
               <a:t>erzählen</a:t>
             </a:r>
             <a:r>
@@ -1303,7 +1311,15 @@
             </a:r>
             <a:r>
               <a:rPr lang="en-US" dirty="0" err="1"/>
-              <a:t>der</a:t>
+              <a:t>Beschreibung</a:t>
+            </a:r>
+            <a:r>
+              <a:rPr lang="en-US" dirty="0"/>
+              <a:t> und </a:t>
+            </a:r>
+            <a:r>
+              <a:rPr lang="en-US" dirty="0" err="1"/>
+              <a:t>Aufreinigung</a:t>
             </a:r>
             <a:r>
               <a:rPr lang="en-US" dirty="0"/>
@@ -1311,7 +1327,95 @@
             </a:r>
             <a:r>
               <a:rPr lang="en-US" dirty="0" err="1"/>
-              <a:t>Beschreibung</a:t>
+              <a:t>unserer</a:t>
+            </a:r>
+            <a:r>
+              <a:rPr lang="en-US" dirty="0"/>
+              <a:t> Daten </a:t>
+            </a:r>
+            <a:r>
+              <a:rPr lang="en-US" dirty="0" err="1"/>
+              <a:t>beschäftigen</a:t>
+            </a:r>
+            <a:r>
+              <a:rPr lang="en-US" dirty="0"/>
+              <a:t>. Dabei </a:t>
+            </a:r>
+            <a:r>
+              <a:rPr lang="en-US" dirty="0" err="1"/>
+              <a:t>möchten</a:t>
+            </a:r>
+            <a:r>
+              <a:rPr lang="en-US" dirty="0"/>
+              <a:t> </a:t>
+            </a:r>
+            <a:r>
+              <a:rPr lang="en-US" dirty="0" err="1"/>
+              <a:t>wir</a:t>
+            </a:r>
+            <a:r>
+              <a:rPr lang="en-US" dirty="0"/>
+              <a:t> </a:t>
+            </a:r>
+            <a:r>
+              <a:rPr lang="en-US" dirty="0" err="1"/>
+              <a:t>unsere</a:t>
+            </a:r>
+            <a:r>
+              <a:rPr lang="en-US" dirty="0"/>
+              <a:t> Daten neu </a:t>
+            </a:r>
+            <a:r>
+              <a:rPr lang="en-US" dirty="0" err="1"/>
+              <a:t>sortieren</a:t>
+            </a:r>
+            <a:r>
+              <a:rPr lang="en-US" dirty="0"/>
+              <a:t>, um den Proben </a:t>
+            </a:r>
+            <a:r>
+              <a:rPr lang="en-US" dirty="0" err="1"/>
+              <a:t>eindeutig</a:t>
+            </a:r>
+            <a:r>
+              <a:rPr lang="en-US" dirty="0"/>
+              <a:t> die </a:t>
+            </a:r>
+            <a:r>
+              <a:rPr lang="en-US" dirty="0" err="1"/>
+              <a:t>richtigen</a:t>
+            </a:r>
+            <a:r>
+              <a:rPr lang="en-US" dirty="0"/>
+              <a:t> </a:t>
+            </a:r>
+            <a:r>
+              <a:rPr lang="en-US" dirty="0" err="1"/>
+              <a:t>Fraktionen</a:t>
+            </a:r>
+            <a:r>
+              <a:rPr lang="en-US" dirty="0"/>
+              <a:t> </a:t>
+            </a:r>
+            <a:r>
+              <a:rPr lang="en-US" dirty="0" err="1"/>
+              <a:t>zuordnen</a:t>
+            </a:r>
+            <a:r>
+              <a:rPr lang="en-US" dirty="0"/>
+              <a:t> </a:t>
+            </a:r>
+            <a:r>
+              <a:rPr lang="en-US" dirty="0" err="1"/>
+              <a:t>zu</a:t>
+            </a:r>
+            <a:r>
+              <a:rPr lang="en-US" dirty="0"/>
+              <a:t> </a:t>
+            </a:r>
+            <a:r>
+              <a:rPr lang="en-US" dirty="0" err="1"/>
+              <a:t>können</a:t>
             </a:r>
             <a:r>
               <a:rPr lang="en-US" dirty="0"/>
@@ -1319,7 +1423,15 @@
             </a:r>
             <a:r>
               <a:rPr lang="en-US" dirty="0" err="1"/>
-              <a:t>Aufreinigung</a:t>
+              <a:t>sie</a:t>
+            </a:r>
+            <a:r>
+              <a:rPr lang="en-US" dirty="0"/>
+              <a:t> in </a:t>
+            </a:r>
+            <a:r>
+              <a:rPr lang="en-US" dirty="0" err="1"/>
+              <a:t>ein</a:t>
             </a:r>
             <a:r>
               <a:rPr lang="en-US" dirty="0"/>
@@ -1327,15 +1439,319 @@
             </a:r>
             <a:r>
               <a:rPr lang="en-US" dirty="0" err="1"/>
-              <a:t>unserer</a:t>
-            </a:r>
-            <a:r>
-              <a:rPr lang="en-US" dirty="0"/>
-              <a:t> Daten </a:t>
-            </a:r>
-            <a:r>
-              <a:rPr lang="en-US" dirty="0" err="1"/>
-              <a:t>beschäftigen</a:t>
+              <a:t>richtiges</a:t>
+            </a:r>
+            <a:r>
+              <a:rPr lang="en-US" dirty="0"/>
+              <a:t> Format </a:t>
+            </a:r>
+            <a:r>
+              <a:rPr lang="en-US" dirty="0" err="1"/>
+              <a:t>zu</a:t>
+            </a:r>
+            <a:r>
+              <a:rPr lang="en-US" dirty="0"/>
+              <a:t> (</a:t>
+            </a:r>
+            <a:r>
+              <a:rPr lang="en-US" dirty="0" err="1"/>
+              <a:t>numerics</a:t>
+            </a:r>
+            <a:r>
+              <a:rPr lang="en-US" dirty="0"/>
+              <a:t>) </a:t>
+            </a:r>
+            <a:r>
+              <a:rPr lang="en-US" dirty="0" err="1"/>
+              <a:t>überführen</a:t>
+            </a:r>
+            <a:r>
+              <a:rPr lang="en-US" dirty="0"/>
+              <a:t>. </a:t>
+            </a:r>
+            <a:r>
+              <a:rPr lang="en-US" dirty="0" err="1"/>
+              <a:t>Weiterhin</a:t>
+            </a:r>
+            <a:r>
+              <a:rPr lang="en-US" dirty="0"/>
+              <a:t> </a:t>
+            </a:r>
+            <a:r>
+              <a:rPr lang="en-US" dirty="0" err="1"/>
+              <a:t>möchten</a:t>
+            </a:r>
+            <a:r>
+              <a:rPr lang="en-US" dirty="0"/>
+              <a:t> </a:t>
+            </a:r>
+            <a:r>
+              <a:rPr lang="en-US" dirty="0" err="1"/>
+              <a:t>wir</a:t>
+            </a:r>
+            <a:r>
+              <a:rPr lang="en-US" dirty="0"/>
+              <a:t> </a:t>
+            </a:r>
+            <a:r>
+              <a:rPr lang="en-US" dirty="0" err="1"/>
+              <a:t>Reihen</a:t>
+            </a:r>
+            <a:r>
+              <a:rPr lang="en-US" dirty="0"/>
+              <a:t> </a:t>
+            </a:r>
+            <a:r>
+              <a:rPr lang="en-US" dirty="0" err="1"/>
+              <a:t>entfernen</a:t>
+            </a:r>
+            <a:r>
+              <a:rPr lang="en-US" dirty="0"/>
+              <a:t>, die </a:t>
+            </a:r>
+            <a:r>
+              <a:rPr lang="en-US" dirty="0" err="1"/>
+              <a:t>keine</a:t>
+            </a:r>
+            <a:r>
+              <a:rPr lang="en-US" dirty="0"/>
+              <a:t> </a:t>
+            </a:r>
+            <a:r>
+              <a:rPr lang="en-US" dirty="0" err="1"/>
+              <a:t>signifikanten</a:t>
+            </a:r>
+            <a:r>
+              <a:rPr lang="en-US" dirty="0"/>
+              <a:t> Daten, </a:t>
+            </a:r>
+            <a:r>
+              <a:rPr lang="en-US" dirty="0" err="1"/>
+              <a:t>beziehungsweise</a:t>
+            </a:r>
+            <a:r>
+              <a:rPr lang="en-US" dirty="0"/>
+              <a:t> </a:t>
+            </a:r>
+            <a:r>
+              <a:rPr lang="en-US" dirty="0" err="1"/>
+              <a:t>Abweichungen</a:t>
+            </a:r>
+            <a:r>
+              <a:rPr lang="en-US" dirty="0"/>
+              <a:t> von Null </a:t>
+            </a:r>
+            <a:r>
+              <a:rPr lang="en-US" dirty="0" err="1"/>
+              <a:t>zeigen</a:t>
+            </a:r>
+            <a:r>
+              <a:rPr lang="en-US" dirty="0"/>
+              <a:t>. Auch </a:t>
+            </a:r>
+            <a:r>
+              <a:rPr lang="en-US" dirty="0" err="1"/>
+              <a:t>nicht</a:t>
+            </a:r>
+            <a:r>
+              <a:rPr lang="en-US" dirty="0"/>
+              <a:t> </a:t>
+            </a:r>
+            <a:r>
+              <a:rPr lang="en-US" dirty="0" err="1"/>
+              <a:t>vorhandene</a:t>
+            </a:r>
+            <a:r>
+              <a:rPr lang="en-US" dirty="0"/>
+              <a:t> </a:t>
+            </a:r>
+            <a:r>
+              <a:rPr lang="en-US" dirty="0" err="1"/>
+              <a:t>Werte</a:t>
+            </a:r>
+            <a:r>
+              <a:rPr lang="en-US" dirty="0"/>
+              <a:t> </a:t>
+            </a:r>
+            <a:r>
+              <a:rPr lang="en-US" dirty="0" err="1"/>
+              <a:t>würden</a:t>
+            </a:r>
+            <a:r>
+              <a:rPr lang="en-US" dirty="0"/>
+              <a:t> </a:t>
+            </a:r>
+            <a:r>
+              <a:rPr lang="en-US" dirty="0" err="1"/>
+              <a:t>entfernt</a:t>
+            </a:r>
+            <a:r>
+              <a:rPr lang="en-US" dirty="0"/>
+              <a:t> </a:t>
+            </a:r>
+            <a:r>
+              <a:rPr lang="en-US" dirty="0" err="1"/>
+              <a:t>oder</a:t>
+            </a:r>
+            <a:r>
+              <a:rPr lang="en-US" dirty="0"/>
+              <a:t> </a:t>
+            </a:r>
+            <a:r>
+              <a:rPr lang="en-US" dirty="0" err="1"/>
+              <a:t>ersetzt</a:t>
+            </a:r>
+            <a:r>
+              <a:rPr lang="en-US" dirty="0"/>
+              <a:t> </a:t>
+            </a:r>
+            <a:r>
+              <a:rPr lang="en-US" dirty="0" err="1"/>
+              <a:t>werden</a:t>
+            </a:r>
+            <a:r>
+              <a:rPr lang="en-US" dirty="0"/>
+              <a:t>. </a:t>
+            </a:r>
+            <a:r>
+              <a:rPr lang="en-US" dirty="0" err="1"/>
+              <a:t>Außerdem</a:t>
+            </a:r>
+            <a:r>
+              <a:rPr lang="en-US" dirty="0"/>
+              <a:t> </a:t>
+            </a:r>
+            <a:r>
+              <a:rPr lang="en-US" dirty="0" err="1"/>
+              <a:t>möchten</a:t>
+            </a:r>
+            <a:r>
+              <a:rPr lang="en-US" dirty="0"/>
+              <a:t> </a:t>
+            </a:r>
+            <a:r>
+              <a:rPr lang="en-US" dirty="0" err="1"/>
+              <a:t>wir</a:t>
+            </a:r>
+            <a:r>
+              <a:rPr lang="en-US" dirty="0"/>
+              <a:t> </a:t>
+            </a:r>
+            <a:r>
+              <a:rPr lang="en-US" dirty="0" err="1"/>
+              <a:t>eventuelle</a:t>
+            </a:r>
+            <a:r>
+              <a:rPr lang="en-US" dirty="0"/>
+              <a:t> </a:t>
+            </a:r>
+            <a:r>
+              <a:rPr lang="en-US" dirty="0" err="1"/>
+              <a:t>Ausreißer</a:t>
+            </a:r>
+            <a:r>
+              <a:rPr lang="en-US" dirty="0"/>
+              <a:t> </a:t>
+            </a:r>
+            <a:r>
+              <a:rPr lang="en-US" dirty="0" err="1"/>
+              <a:t>aussortieren</a:t>
+            </a:r>
+            <a:r>
+              <a:rPr lang="en-US" dirty="0"/>
+              <a:t>, </a:t>
+            </a:r>
+            <a:r>
+              <a:rPr lang="en-US" dirty="0" err="1"/>
+              <a:t>wenn</a:t>
+            </a:r>
+            <a:r>
+              <a:rPr lang="en-US" dirty="0"/>
+              <a:t> </a:t>
+            </a:r>
+            <a:r>
+              <a:rPr lang="en-US" dirty="0" err="1"/>
+              <a:t>sie</a:t>
+            </a:r>
+            <a:r>
+              <a:rPr lang="en-US" dirty="0"/>
+              <a:t> </a:t>
+            </a:r>
+            <a:r>
+              <a:rPr lang="en-US" dirty="0" err="1"/>
+              <a:t>technischen</a:t>
+            </a:r>
+            <a:r>
+              <a:rPr lang="en-US" dirty="0"/>
+              <a:t> </a:t>
+            </a:r>
+            <a:r>
+              <a:rPr lang="en-US" dirty="0" err="1"/>
+              <a:t>Ursprungs</a:t>
+            </a:r>
+            <a:r>
+              <a:rPr lang="en-US" dirty="0"/>
+              <a:t> </a:t>
+            </a:r>
+            <a:r>
+              <a:rPr lang="en-US" dirty="0" err="1"/>
+              <a:t>sind</a:t>
+            </a:r>
+            <a:r>
+              <a:rPr lang="en-US" dirty="0"/>
+              <a:t>. Das </a:t>
+            </a:r>
+            <a:r>
+              <a:rPr lang="en-US" dirty="0" err="1"/>
+              <a:t>allgemeine</a:t>
+            </a:r>
+            <a:r>
+              <a:rPr lang="en-US" dirty="0"/>
+              <a:t> </a:t>
+            </a:r>
+            <a:r>
+              <a:rPr lang="en-US" dirty="0" err="1"/>
+              <a:t>Grundprinzip</a:t>
+            </a:r>
+            <a:r>
+              <a:rPr lang="en-US" dirty="0"/>
+              <a:t> </a:t>
+            </a:r>
+            <a:r>
+              <a:rPr lang="en-US" dirty="0" err="1"/>
+              <a:t>eines</a:t>
+            </a:r>
+            <a:r>
+              <a:rPr lang="en-US" dirty="0"/>
+              <a:t> </a:t>
+            </a:r>
+            <a:r>
+              <a:rPr lang="en-US" dirty="0" err="1"/>
+              <a:t>Ausreißers</a:t>
+            </a:r>
+            <a:r>
+              <a:rPr lang="en-US" dirty="0"/>
+              <a:t> </a:t>
+            </a:r>
+            <a:r>
+              <a:rPr lang="en-US" dirty="0" err="1"/>
+              <a:t>ist</a:t>
+            </a:r>
+            <a:r>
+              <a:rPr lang="en-US" dirty="0"/>
+              <a:t> </a:t>
+            </a:r>
+            <a:r>
+              <a:rPr lang="en-US" dirty="0" err="1"/>
+              <a:t>hier</a:t>
+            </a:r>
+            <a:r>
+              <a:rPr lang="en-US" dirty="0"/>
+              <a:t> </a:t>
+            </a:r>
+            <a:r>
+              <a:rPr lang="en-US" dirty="0" err="1"/>
+              <a:t>dargestellt</a:t>
             </a:r>
             <a:r>
               <a:rPr lang="en-US" dirty="0"/>
@@ -1343,7 +1759,15 @@
             </a:r>
             <a:r>
               <a:rPr lang="en-US" dirty="0" err="1"/>
-              <a:t>möchten</a:t>
+              <a:t>zeigt</a:t>
+            </a:r>
+            <a:r>
+              <a:rPr lang="en-US" dirty="0"/>
+              <a:t> der </a:t>
+            </a:r>
+            <a:r>
+              <a:rPr lang="en-US" dirty="0" err="1"/>
+              <a:t>Datenpunkt</a:t>
             </a:r>
             <a:r>
               <a:rPr lang="en-US" dirty="0"/>
@@ -1351,7 +1775,7 @@
             </a:r>
             <a:r>
               <a:rPr lang="en-US" dirty="0" err="1"/>
-              <a:t>wir</a:t>
+              <a:t>im</a:t>
             </a:r>
             <a:r>
               <a:rPr lang="en-US" dirty="0"/>
@@ -1359,31 +1783,15 @@
             </a:r>
             <a:r>
               <a:rPr lang="en-US" dirty="0" err="1"/>
-              <a:t>unsere</a:t>
-            </a:r>
-            <a:r>
-              <a:rPr lang="en-US" dirty="0"/>
-              <a:t> Daten neu </a:t>
-            </a:r>
-            <a:r>
-              <a:rPr lang="en-US" dirty="0" err="1"/>
-              <a:t>sortieren</a:t>
-            </a:r>
-            <a:r>
-              <a:rPr lang="en-US" dirty="0"/>
-              <a:t>, um den Proben </a:t>
-            </a:r>
-            <a:r>
-              <a:rPr lang="en-US" dirty="0" err="1"/>
-              <a:t>eindeutig</a:t>
-            </a:r>
-            <a:r>
-              <a:rPr lang="en-US" dirty="0"/>
-              <a:t> die </a:t>
-            </a:r>
-            <a:r>
-              <a:rPr lang="en-US" dirty="0" err="1"/>
-              <a:t>richtigen</a:t>
+              <a:t>roten</a:t>
+            </a:r>
+            <a:r>
+              <a:rPr lang="en-US" dirty="0"/>
+              <a:t> Kreis </a:t>
+            </a:r>
+            <a:r>
+              <a:rPr lang="en-US" dirty="0" err="1"/>
+              <a:t>signifikant</a:t>
             </a:r>
             <a:r>
               <a:rPr lang="en-US" dirty="0"/>
@@ -1391,7 +1799,7 @@
             </a:r>
             <a:r>
               <a:rPr lang="en-US" dirty="0" err="1"/>
-              <a:t>Fraktionen</a:t>
+              <a:t>erhöhte</a:t>
             </a:r>
             <a:r>
               <a:rPr lang="en-US" dirty="0"/>
@@ -1399,7 +1807,7 @@
             </a:r>
             <a:r>
               <a:rPr lang="en-US" dirty="0" err="1"/>
-              <a:t>zuordnen</a:t>
+              <a:t>Cholesterolwerte</a:t>
             </a:r>
             <a:r>
               <a:rPr lang="en-US" dirty="0"/>
@@ -1407,6 +1815,22 @@
             </a:r>
             <a:r>
               <a:rPr lang="en-US" dirty="0" err="1"/>
+              <a:t>im</a:t>
+            </a:r>
+            <a:r>
+              <a:rPr lang="en-US" dirty="0"/>
+              <a:t> </a:t>
+            </a:r>
+            <a:r>
+              <a:rPr lang="en-US" dirty="0" err="1"/>
+              <a:t>Vergleich</a:t>
+            </a:r>
+            <a:r>
+              <a:rPr lang="en-US" dirty="0"/>
+              <a:t> </a:t>
+            </a:r>
+            <a:r>
+              <a:rPr lang="en-US" dirty="0" err="1"/>
               <a:t>zu</a:t>
             </a:r>
             <a:r>
@@ -1415,23 +1839,7 @@
             </a:r>
             <a:r>
               <a:rPr lang="en-US" dirty="0" err="1"/>
-              <a:t>können</a:t>
-            </a:r>
-            <a:r>
-              <a:rPr lang="en-US" dirty="0"/>
-              <a:t> und </a:t>
-            </a:r>
-            <a:r>
-              <a:rPr lang="en-US" dirty="0" err="1"/>
-              <a:t>sie</a:t>
-            </a:r>
-            <a:r>
-              <a:rPr lang="en-US" dirty="0"/>
-              <a:t> in </a:t>
-            </a:r>
-            <a:r>
-              <a:rPr lang="en-US" dirty="0" err="1"/>
-              <a:t>ein</a:t>
+              <a:t>anderen</a:t>
             </a:r>
             <a:r>
               <a:rPr lang="en-US" dirty="0"/>
@@ -1439,31 +1847,15 @@
             </a:r>
             <a:r>
               <a:rPr lang="en-US" dirty="0" err="1"/>
-              <a:t>richtiges</a:t>
-            </a:r>
-            <a:r>
-              <a:rPr lang="en-US" dirty="0"/>
-              <a:t> Format (</a:t>
-            </a:r>
-            <a:r>
-              <a:rPr lang="en-US" dirty="0" err="1"/>
-              <a:t>numerics</a:t>
-            </a:r>
-            <a:r>
-              <a:rPr lang="en-US" dirty="0"/>
-              <a:t>) </a:t>
-            </a:r>
-            <a:r>
-              <a:rPr lang="en-US" dirty="0" err="1"/>
-              <a:t>überführen</a:t>
-            </a:r>
-            <a:r>
-              <a:rPr lang="en-US" dirty="0"/>
-              <a:t>. </a:t>
-            </a:r>
-            <a:r>
-              <a:rPr lang="en-US" dirty="0" err="1"/>
-              <a:t>Weiterhin</a:t>
+              <a:t>Werten</a:t>
+            </a:r>
+            <a:r>
+              <a:rPr lang="en-US" dirty="0"/>
+              <a:t> in der </a:t>
+            </a:r>
+            <a:r>
+              <a:rPr lang="en-US" dirty="0" err="1"/>
+              <a:t>gleichen</a:t>
             </a:r>
             <a:r>
               <a:rPr lang="en-US" dirty="0"/>
@@ -1471,7 +1863,15 @@
             </a:r>
             <a:r>
               <a:rPr lang="en-US" dirty="0" err="1"/>
-              <a:t>möchten</a:t>
+              <a:t>Altersgruppe</a:t>
+            </a:r>
+            <a:r>
+              <a:rPr lang="en-US" dirty="0"/>
+              <a:t>. Da dies </a:t>
+            </a:r>
+            <a:r>
+              <a:rPr lang="en-US" dirty="0" err="1"/>
+              <a:t>jedoch</a:t>
             </a:r>
             <a:r>
               <a:rPr lang="en-US" dirty="0"/>
@@ -1479,7 +1879,7 @@
             </a:r>
             <a:r>
               <a:rPr lang="en-US" dirty="0" err="1"/>
-              <a:t>wir</a:t>
+              <a:t>vermutlich</a:t>
             </a:r>
             <a:r>
               <a:rPr lang="en-US" dirty="0"/>
@@ -1487,7 +1887,7 @@
             </a:r>
             <a:r>
               <a:rPr lang="en-US" dirty="0" err="1"/>
-              <a:t>Reihen</a:t>
+              <a:t>kein</a:t>
             </a:r>
             <a:r>
               <a:rPr lang="en-US" dirty="0"/>
@@ -1495,15 +1895,7 @@
             </a:r>
             <a:r>
               <a:rPr lang="en-US" dirty="0" err="1"/>
-              <a:t>entfernen</a:t>
-            </a:r>
-            <a:r>
-              <a:rPr lang="en-US" dirty="0"/>
-              <a:t>, die </a:t>
-            </a:r>
-            <a:r>
-              <a:rPr lang="en-US" dirty="0" err="1"/>
-              <a:t>keine</a:t>
+              <a:t>technischer</a:t>
             </a:r>
             <a:r>
               <a:rPr lang="en-US" dirty="0"/>
@@ -1511,15 +1903,7 @@
             </a:r>
             <a:r>
               <a:rPr lang="en-US" dirty="0" err="1"/>
-              <a:t>signifikanten</a:t>
-            </a:r>
-            <a:r>
-              <a:rPr lang="en-US" dirty="0"/>
-              <a:t> Daten, </a:t>
-            </a:r>
-            <a:r>
-              <a:rPr lang="en-US" dirty="0" err="1"/>
-              <a:t>beziehungsweise</a:t>
+              <a:t>Ausreißer</a:t>
             </a:r>
             <a:r>
               <a:rPr lang="en-US" dirty="0"/>
@@ -1527,23 +1911,15 @@
             </a:r>
             <a:r>
               <a:rPr lang="en-US" dirty="0" err="1"/>
-              <a:t>Abweichungen</a:t>
-            </a:r>
-            <a:r>
-              <a:rPr lang="en-US" dirty="0"/>
-              <a:t> von Null </a:t>
-            </a:r>
-            <a:r>
-              <a:rPr lang="en-US" dirty="0" err="1"/>
-              <a:t>zeigen</a:t>
-            </a:r>
-            <a:r>
-              <a:rPr lang="en-US" dirty="0"/>
-              <a:t>. Auch </a:t>
-            </a:r>
-            <a:r>
-              <a:rPr lang="en-US" dirty="0" err="1"/>
-              <a:t>nicht</a:t>
+              <a:t>ist</a:t>
+            </a:r>
+            <a:r>
+              <a:rPr lang="en-US" dirty="0"/>
+              <a:t>, </a:t>
+            </a:r>
+            <a:r>
+              <a:rPr lang="en-US" dirty="0" err="1"/>
+              <a:t>würde</a:t>
             </a:r>
             <a:r>
               <a:rPr lang="en-US" dirty="0"/>
@@ -1551,7 +1927,15 @@
             </a:r>
             <a:r>
               <a:rPr lang="en-US" dirty="0" err="1"/>
-              <a:t>vorhandene</a:t>
+              <a:t>dieser</a:t>
+            </a:r>
+            <a:r>
+              <a:rPr lang="en-US" dirty="0"/>
+              <a:t> Wert </a:t>
+            </a:r>
+            <a:r>
+              <a:rPr lang="en-US" dirty="0" err="1"/>
+              <a:t>weiterhin</a:t>
             </a:r>
             <a:r>
               <a:rPr lang="en-US" dirty="0"/>
@@ -1559,7 +1943,7 @@
             </a:r>
             <a:r>
               <a:rPr lang="en-US" dirty="0" err="1"/>
-              <a:t>Werte</a:t>
+              <a:t>berücksichtigt</a:t>
             </a:r>
             <a:r>
               <a:rPr lang="en-US" dirty="0"/>
@@ -1567,295 +1951,7 @@
             </a:r>
             <a:r>
               <a:rPr lang="en-US" dirty="0" err="1"/>
-              <a:t>würden</a:t>
-            </a:r>
-            <a:r>
-              <a:rPr lang="en-US" dirty="0"/>
-              <a:t> </a:t>
-            </a:r>
-            <a:r>
-              <a:rPr lang="en-US" dirty="0" err="1"/>
-              <a:t>entfernt</a:t>
-            </a:r>
-            <a:r>
-              <a:rPr lang="en-US" dirty="0"/>
-              <a:t> </a:t>
-            </a:r>
-            <a:r>
-              <a:rPr lang="en-US" dirty="0" err="1"/>
-              <a:t>oder</a:t>
-            </a:r>
-            <a:r>
-              <a:rPr lang="en-US" dirty="0"/>
-              <a:t> </a:t>
-            </a:r>
-            <a:r>
-              <a:rPr lang="en-US" dirty="0" err="1"/>
-              <a:t>ersetzt</a:t>
-            </a:r>
-            <a:r>
-              <a:rPr lang="en-US" dirty="0"/>
-              <a:t> </a:t>
-            </a:r>
-            <a:r>
-              <a:rPr lang="en-US" dirty="0" err="1"/>
               <a:t>werden</a:t>
-            </a:r>
-            <a:r>
-              <a:rPr lang="en-US" dirty="0"/>
-              <a:t>. </a:t>
-            </a:r>
-            <a:r>
-              <a:rPr lang="en-US" dirty="0" err="1"/>
-              <a:t>Außerdem</a:t>
-            </a:r>
-            <a:r>
-              <a:rPr lang="en-US" dirty="0"/>
-              <a:t> </a:t>
-            </a:r>
-            <a:r>
-              <a:rPr lang="en-US" dirty="0" err="1"/>
-              <a:t>möchten</a:t>
-            </a:r>
-            <a:r>
-              <a:rPr lang="en-US" dirty="0"/>
-              <a:t> </a:t>
-            </a:r>
-            <a:r>
-              <a:rPr lang="en-US" dirty="0" err="1"/>
-              <a:t>wir</a:t>
-            </a:r>
-            <a:r>
-              <a:rPr lang="en-US" dirty="0"/>
-              <a:t> </a:t>
-            </a:r>
-            <a:r>
-              <a:rPr lang="en-US" dirty="0" err="1"/>
-              <a:t>eventuelle</a:t>
-            </a:r>
-            <a:r>
-              <a:rPr lang="en-US" dirty="0"/>
-              <a:t> </a:t>
-            </a:r>
-            <a:r>
-              <a:rPr lang="en-US" dirty="0" err="1"/>
-              <a:t>Ausreißer</a:t>
-            </a:r>
-            <a:r>
-              <a:rPr lang="en-US" dirty="0"/>
-              <a:t> </a:t>
-            </a:r>
-            <a:r>
-              <a:rPr lang="en-US" dirty="0" err="1"/>
-              <a:t>aussortieren</a:t>
-            </a:r>
-            <a:r>
-              <a:rPr lang="en-US" dirty="0"/>
-              <a:t>, </a:t>
-            </a:r>
-            <a:r>
-              <a:rPr lang="en-US" dirty="0" err="1"/>
-              <a:t>wenn</a:t>
-            </a:r>
-            <a:r>
-              <a:rPr lang="en-US" dirty="0"/>
-              <a:t> </a:t>
-            </a:r>
-            <a:r>
-              <a:rPr lang="en-US" dirty="0" err="1"/>
-              <a:t>sie</a:t>
-            </a:r>
-            <a:r>
-              <a:rPr lang="en-US" dirty="0"/>
-              <a:t> </a:t>
-            </a:r>
-            <a:r>
-              <a:rPr lang="en-US" dirty="0" err="1"/>
-              <a:t>technischen</a:t>
-            </a:r>
-            <a:r>
-              <a:rPr lang="en-US" dirty="0"/>
-              <a:t> </a:t>
-            </a:r>
-            <a:r>
-              <a:rPr lang="en-US" dirty="0" err="1"/>
-              <a:t>Ursprungs</a:t>
-            </a:r>
-            <a:r>
-              <a:rPr lang="en-US" dirty="0"/>
-              <a:t> </a:t>
-            </a:r>
-            <a:r>
-              <a:rPr lang="en-US" dirty="0" err="1"/>
-              <a:t>sind</a:t>
-            </a:r>
-            <a:r>
-              <a:rPr lang="en-US" dirty="0"/>
-              <a:t>. Das </a:t>
-            </a:r>
-            <a:r>
-              <a:rPr lang="en-US" dirty="0" err="1"/>
-              <a:t>allgemeine</a:t>
-            </a:r>
-            <a:r>
-              <a:rPr lang="en-US" dirty="0"/>
-              <a:t> </a:t>
-            </a:r>
-            <a:r>
-              <a:rPr lang="en-US" dirty="0" err="1"/>
-              <a:t>Grundprinzip</a:t>
-            </a:r>
-            <a:r>
-              <a:rPr lang="en-US" dirty="0"/>
-              <a:t> </a:t>
-            </a:r>
-            <a:r>
-              <a:rPr lang="en-US" dirty="0" err="1"/>
-              <a:t>eines</a:t>
-            </a:r>
-            <a:r>
-              <a:rPr lang="en-US" dirty="0"/>
-              <a:t> </a:t>
-            </a:r>
-            <a:r>
-              <a:rPr lang="en-US" dirty="0" err="1"/>
-              <a:t>Ausreißers</a:t>
-            </a:r>
-            <a:r>
-              <a:rPr lang="en-US" dirty="0"/>
-              <a:t> </a:t>
-            </a:r>
-            <a:r>
-              <a:rPr lang="en-US" dirty="0" err="1"/>
-              <a:t>ist</a:t>
-            </a:r>
-            <a:r>
-              <a:rPr lang="en-US" dirty="0"/>
-              <a:t> </a:t>
-            </a:r>
-            <a:r>
-              <a:rPr lang="en-US" dirty="0" err="1"/>
-              <a:t>hier</a:t>
-            </a:r>
-            <a:r>
-              <a:rPr lang="en-US" dirty="0"/>
-              <a:t> </a:t>
-            </a:r>
-            <a:r>
-              <a:rPr lang="en-US" dirty="0" err="1"/>
-              <a:t>dargestellt</a:t>
-            </a:r>
-            <a:r>
-              <a:rPr lang="en-US" dirty="0"/>
-              <a:t>. Dabei </a:t>
-            </a:r>
-            <a:r>
-              <a:rPr lang="en-US" dirty="0" err="1"/>
-              <a:t>zeigt</a:t>
-            </a:r>
-            <a:r>
-              <a:rPr lang="en-US" dirty="0"/>
-              <a:t> der </a:t>
-            </a:r>
-            <a:r>
-              <a:rPr lang="en-US" dirty="0" err="1"/>
-              <a:t>Datenpunkt</a:t>
-            </a:r>
-            <a:r>
-              <a:rPr lang="en-US" dirty="0"/>
-              <a:t> </a:t>
-            </a:r>
-            <a:r>
-              <a:rPr lang="en-US" dirty="0" err="1"/>
-              <a:t>im</a:t>
-            </a:r>
-            <a:r>
-              <a:rPr lang="en-US" dirty="0"/>
-              <a:t> </a:t>
-            </a:r>
-            <a:r>
-              <a:rPr lang="en-US" dirty="0" err="1"/>
-              <a:t>roten</a:t>
-            </a:r>
-            <a:r>
-              <a:rPr lang="en-US" dirty="0"/>
-              <a:t> Kreis </a:t>
-            </a:r>
-            <a:r>
-              <a:rPr lang="en-US" dirty="0" err="1"/>
-              <a:t>signifikant</a:t>
-            </a:r>
-            <a:r>
-              <a:rPr lang="en-US" dirty="0"/>
-              <a:t> </a:t>
-            </a:r>
-            <a:r>
-              <a:rPr lang="en-US" dirty="0" err="1"/>
-              <a:t>erhöhte</a:t>
-            </a:r>
-            <a:r>
-              <a:rPr lang="en-US" dirty="0"/>
-              <a:t> </a:t>
-            </a:r>
-            <a:r>
-              <a:rPr lang="en-US" dirty="0" err="1"/>
-              <a:t>Cholesterolwerte</a:t>
-            </a:r>
-            <a:r>
-              <a:rPr lang="en-US" dirty="0"/>
-              <a:t> </a:t>
-            </a:r>
-            <a:r>
-              <a:rPr lang="en-US" dirty="0" err="1"/>
-              <a:t>im</a:t>
-            </a:r>
-            <a:r>
-              <a:rPr lang="en-US" dirty="0"/>
-              <a:t> </a:t>
-            </a:r>
-            <a:r>
-              <a:rPr lang="en-US" dirty="0" err="1"/>
-              <a:t>Vergleich</a:t>
-            </a:r>
-            <a:r>
-              <a:rPr lang="en-US" dirty="0"/>
-              <a:t> </a:t>
-            </a:r>
-            <a:r>
-              <a:rPr lang="en-US" dirty="0" err="1"/>
-              <a:t>zu</a:t>
-            </a:r>
-            <a:r>
-              <a:rPr lang="en-US" dirty="0"/>
-              <a:t> </a:t>
-            </a:r>
-            <a:r>
-              <a:rPr lang="en-US" dirty="0" err="1"/>
-              <a:t>anderen</a:t>
-            </a:r>
-            <a:r>
-              <a:rPr lang="en-US" dirty="0"/>
-              <a:t> </a:t>
-            </a:r>
-            <a:r>
-              <a:rPr lang="en-US" dirty="0" err="1"/>
-              <a:t>Werten</a:t>
-            </a:r>
-            <a:r>
-              <a:rPr lang="en-US" dirty="0"/>
-              <a:t> in der </a:t>
-            </a:r>
-            <a:r>
-              <a:rPr lang="en-US" dirty="0" err="1"/>
-              <a:t>gleichen</a:t>
-            </a:r>
-            <a:r>
-              <a:rPr lang="en-US" dirty="0"/>
-              <a:t> </a:t>
-            </a:r>
-            <a:r>
-              <a:rPr lang="en-US" dirty="0" err="1"/>
-              <a:t>Altersgruppe</a:t>
             </a:r>
             <a:r>
               <a:rPr lang="en-US" dirty="0"/>
@@ -2298,7 +2394,7 @@
             </a:r>
             <a:r>
               <a:rPr lang="en-US" dirty="0" err="1"/>
-              <a:t>betrachten</a:t>
+              <a:t>analysieren</a:t>
             </a:r>
             <a:r>
               <a:rPr lang="en-US" dirty="0"/>
@@ -2503,6 +2599,21 @@
             <a:r>
               <a:rPr lang="en-US" dirty="0"/>
               <a:t>.</a:t>
+            </a:r>
+          </a:p>
+          <a:p>
+            <a:endParaRPr lang="en-US" dirty="0"/>
+          </a:p>
+          <a:p>
+            <a:r>
+              <a:rPr lang="en-US" dirty="0"/>
+              <a:t>[T-test – Is there a significance difference between the mean of two groups, One-sample/independent two sample/paired two sample t-test, normal distribution necessary</a:t>
+            </a:r>
+          </a:p>
+          <a:p>
+            <a:r>
+              <a:rPr lang="en-US" dirty="0"/>
+              <a:t>Proportion tests – Comparison of observed and expected counts, Fisher extract test gives (small samples), Chi square test (larger samples), give p-value]</a:t>
             </a:r>
           </a:p>
         </p:txBody>
@@ -15026,7 +15137,7 @@
         <p:spPr>
           <a:xfrm>
             <a:off x="2424006" y="3982197"/>
-            <a:ext cx="2880360" cy="1477328"/>
+            <a:ext cx="2880360" cy="369332"/>
           </a:xfrm>
           <a:prstGeom prst="rect">
             <a:avLst/>
@@ -15051,74 +15162,6 @@
                 <a:latin typeface="-apple-system"/>
               </a:rPr>
               <a:t> Data distribution</a:t>
-            </a:r>
-          </a:p>
-          <a:p>
-            <a:endParaRPr lang="en-GB" noProof="0" dirty="0">
-              <a:solidFill>
-                <a:srgbClr val="1F2328"/>
-              </a:solidFill>
-              <a:latin typeface="-apple-system"/>
-            </a:endParaRPr>
-          </a:p>
-          <a:p>
-            <a:pPr>
-              <a:buFont typeface="Arial" panose="020B0604020202020204" pitchFamily="34" charset="0"/>
-              <a:buChar char="•"/>
-            </a:pPr>
-            <a:r>
-              <a:rPr lang="en-GB" noProof="0" dirty="0">
-                <a:solidFill>
-                  <a:srgbClr val="1F2328"/>
-                </a:solidFill>
-                <a:latin typeface="-apple-system"/>
-              </a:rPr>
-              <a:t> </a:t>
-            </a:r>
-            <a:r>
-              <a:rPr lang="en-GB" dirty="0">
-                <a:solidFill>
-                  <a:srgbClr val="1F2328"/>
-                </a:solidFill>
-                <a:latin typeface="-apple-system"/>
-              </a:rPr>
-              <a:t>t</a:t>
-            </a:r>
-            <a:r>
-              <a:rPr lang="en-GB" noProof="0" dirty="0">
-                <a:solidFill>
-                  <a:srgbClr val="1F2328"/>
-                </a:solidFill>
-                <a:latin typeface="-apple-system"/>
-              </a:rPr>
-              <a:t>-test</a:t>
-            </a:r>
-          </a:p>
-          <a:p>
-            <a:pPr>
-              <a:buFont typeface="Arial" panose="020B0604020202020204" pitchFamily="34" charset="0"/>
-              <a:buChar char="•"/>
-            </a:pPr>
-            <a:endParaRPr lang="en-GB" dirty="0">
-              <a:solidFill>
-                <a:srgbClr val="1F2328"/>
-              </a:solidFill>
-              <a:latin typeface="-apple-system"/>
-            </a:endParaRPr>
-          </a:p>
-          <a:p>
-            <a:pPr>
-              <a:buFont typeface="Arial" panose="020B0604020202020204" pitchFamily="34" charset="0"/>
-              <a:buChar char="•"/>
-            </a:pPr>
-            <a:r>
-              <a:rPr lang="en-GB" noProof="0" dirty="0">
-                <a:solidFill>
-                  <a:srgbClr val="1F2328"/>
-                </a:solidFill>
-                <a:latin typeface="-apple-system"/>
-              </a:rPr>
-              <a:t> Proportion test</a:t>
             </a:r>
           </a:p>
         </p:txBody>
@@ -15342,7 +15385,7 @@
         </p:nvSpPr>
         <p:spPr>
           <a:xfrm>
-            <a:off x="5645940" y="5654757"/>
+            <a:off x="5563765" y="5760295"/>
             <a:ext cx="6341533" cy="804333"/>
           </a:xfrm>
           <a:prstGeom prst="rect">
@@ -15409,7 +15452,7 @@
         </p:blipFill>
         <p:spPr>
           <a:xfrm>
-            <a:off x="6017678" y="1651000"/>
+            <a:off x="6017676" y="1634681"/>
             <a:ext cx="5789455" cy="4256282"/>
           </a:xfrm>
           <a:prstGeom prst="rect">
@@ -15505,6 +15548,194 @@
           </a:p>
         </p:txBody>
       </p:sp>
+      <p:sp>
+        <p:nvSpPr>
+          <p:cNvPr id="23" name="TextBox 8">
+            <a:extLst>
+              <a:ext uri="{FF2B5EF4-FFF2-40B4-BE49-F238E27FC236}">
+                <a16:creationId xmlns:a16="http://schemas.microsoft.com/office/drawing/2014/main" id="{7C0C4254-3BC0-5F13-B9E9-D7D1D17B9278}"/>
+              </a:ext>
+            </a:extLst>
+          </p:cNvPr>
+          <p:cNvSpPr txBox="1"/>
+          <p:nvPr/>
+        </p:nvSpPr>
+        <p:spPr>
+          <a:xfrm>
+            <a:off x="2419026" y="3982197"/>
+            <a:ext cx="2880360" cy="923330"/>
+          </a:xfrm>
+          <a:prstGeom prst="rect">
+            <a:avLst/>
+          </a:prstGeom>
+          <a:noFill/>
+        </p:spPr>
+        <p:txBody>
+          <a:bodyPr wrap="square" rtlCol="0">
+            <a:spAutoFit/>
+          </a:bodyPr>
+          <a:lstStyle/>
+          <a:p>
+            <a:endParaRPr lang="en-GB" noProof="0" dirty="0">
+              <a:solidFill>
+                <a:srgbClr val="1F2328"/>
+              </a:solidFill>
+              <a:latin typeface="-apple-system"/>
+            </a:endParaRPr>
+          </a:p>
+          <a:p>
+            <a:endParaRPr lang="en-GB" noProof="0" dirty="0">
+              <a:solidFill>
+                <a:srgbClr val="1F2328"/>
+              </a:solidFill>
+              <a:latin typeface="-apple-system"/>
+            </a:endParaRPr>
+          </a:p>
+          <a:p>
+            <a:pPr>
+              <a:buFont typeface="Arial" panose="020B0604020202020204" pitchFamily="34" charset="0"/>
+              <a:buChar char="•"/>
+            </a:pPr>
+            <a:r>
+              <a:rPr lang="en-GB" noProof="0" dirty="0">
+                <a:solidFill>
+                  <a:srgbClr val="1F2328"/>
+                </a:solidFill>
+                <a:latin typeface="-apple-system"/>
+              </a:rPr>
+              <a:t> </a:t>
+            </a:r>
+            <a:r>
+              <a:rPr lang="en-GB" dirty="0">
+                <a:solidFill>
+                  <a:srgbClr val="1F2328"/>
+                </a:solidFill>
+                <a:latin typeface="-apple-system"/>
+              </a:rPr>
+              <a:t>t</a:t>
+            </a:r>
+            <a:r>
+              <a:rPr lang="en-GB" noProof="0" dirty="0">
+                <a:solidFill>
+                  <a:srgbClr val="1F2328"/>
+                </a:solidFill>
+                <a:latin typeface="-apple-system"/>
+              </a:rPr>
+              <a:t>-test</a:t>
+            </a:r>
+          </a:p>
+        </p:txBody>
+      </p:sp>
+      <p:sp>
+        <p:nvSpPr>
+          <p:cNvPr id="24" name="TextBox 8">
+            <a:extLst>
+              <a:ext uri="{FF2B5EF4-FFF2-40B4-BE49-F238E27FC236}">
+                <a16:creationId xmlns:a16="http://schemas.microsoft.com/office/drawing/2014/main" id="{5D775630-8F41-1CF7-6598-99844A1C3560}"/>
+              </a:ext>
+            </a:extLst>
+          </p:cNvPr>
+          <p:cNvSpPr txBox="1"/>
+          <p:nvPr/>
+        </p:nvSpPr>
+        <p:spPr>
+          <a:xfrm>
+            <a:off x="2419026" y="3908319"/>
+            <a:ext cx="2880360" cy="1477328"/>
+          </a:xfrm>
+          <a:prstGeom prst="rect">
+            <a:avLst/>
+          </a:prstGeom>
+          <a:noFill/>
+        </p:spPr>
+        <p:txBody>
+          <a:bodyPr wrap="square" rtlCol="0">
+            <a:spAutoFit/>
+          </a:bodyPr>
+          <a:lstStyle/>
+          <a:p>
+            <a:pPr>
+              <a:buFont typeface="Arial" panose="020B0604020202020204" pitchFamily="34" charset="0"/>
+              <a:buChar char="•"/>
+            </a:pPr>
+            <a:endParaRPr lang="en-GB" dirty="0">
+              <a:solidFill>
+                <a:srgbClr val="1F2328"/>
+              </a:solidFill>
+              <a:latin typeface="-apple-system"/>
+            </a:endParaRPr>
+          </a:p>
+          <a:p>
+            <a:endParaRPr lang="en-GB" noProof="0" dirty="0">
+              <a:solidFill>
+                <a:srgbClr val="1F2328"/>
+              </a:solidFill>
+              <a:latin typeface="-apple-system"/>
+            </a:endParaRPr>
+          </a:p>
+          <a:p>
+            <a:endParaRPr lang="en-GB" dirty="0">
+              <a:solidFill>
+                <a:srgbClr val="1F2328"/>
+              </a:solidFill>
+              <a:latin typeface="-apple-system"/>
+            </a:endParaRPr>
+          </a:p>
+          <a:p>
+            <a:endParaRPr lang="en-GB" dirty="0">
+              <a:solidFill>
+                <a:srgbClr val="1F2328"/>
+              </a:solidFill>
+              <a:latin typeface="-apple-system"/>
+            </a:endParaRPr>
+          </a:p>
+          <a:p>
+            <a:pPr>
+              <a:buFont typeface="Arial" panose="020B0604020202020204" pitchFamily="34" charset="0"/>
+              <a:buChar char="•"/>
+            </a:pPr>
+            <a:r>
+              <a:rPr lang="en-GB" noProof="0" dirty="0">
+                <a:solidFill>
+                  <a:srgbClr val="1F2328"/>
+                </a:solidFill>
+                <a:latin typeface="-apple-system"/>
+              </a:rPr>
+              <a:t> Proportion test</a:t>
+            </a:r>
+          </a:p>
+        </p:txBody>
+      </p:sp>
+      <p:pic>
+        <p:nvPicPr>
+          <p:cNvPr id="27" name="Grafik 26">
+            <a:extLst>
+              <a:ext uri="{FF2B5EF4-FFF2-40B4-BE49-F238E27FC236}">
+                <a16:creationId xmlns:a16="http://schemas.microsoft.com/office/drawing/2014/main" id="{3BB72E34-2E69-4DD5-3475-61993EF5CAE0}"/>
+              </a:ext>
+            </a:extLst>
+          </p:cNvPr>
+          <p:cNvPicPr>
+            <a:picLocks noChangeAspect="1"/>
+          </p:cNvPicPr>
+          <p:nvPr/>
+        </p:nvPicPr>
+        <p:blipFill>
+          <a:blip r:embed="rId5"/>
+          <a:stretch>
+            <a:fillRect/>
+          </a:stretch>
+        </p:blipFill>
+        <p:spPr>
+          <a:xfrm>
+            <a:off x="6065524" y="1658452"/>
+            <a:ext cx="5693758" cy="4254325"/>
+          </a:xfrm>
+          <a:prstGeom prst="rect">
+            <a:avLst/>
+          </a:prstGeom>
+        </p:spPr>
+      </p:pic>
     </p:spTree>
     <p:extLst>
       <p:ext uri="{BB962C8B-B14F-4D97-AF65-F5344CB8AC3E}">
@@ -15581,7 +15812,7 @@
                             </p:stCondLst>
                             <p:childTnLst>
                               <p:par>
-                                <p:cTn id="9" presetID="1" presetClass="entr" presetSubtype="0" fill="hold" nodeType="clickEffect">
+                                <p:cTn id="9" presetID="1" presetClass="entr" presetSubtype="0" fill="hold" grpId="0" nodeType="clickEffect">
                                   <p:stCondLst>
                                     <p:cond delay="0"/>
                                   </p:stCondLst>
@@ -15594,11 +15825,7 @@
                                           </p:stCondLst>
                                         </p:cTn>
                                         <p:tgtEl>
-                                          <p:spTgt spid="9">
-                                            <p:txEl>
-                                              <p:pRg st="0" end="0"/>
-                                            </p:txEl>
-                                          </p:spTgt>
+                                          <p:spTgt spid="9"/>
                                         </p:tgtEl>
                                         <p:attrNameLst>
                                           <p:attrName>style.visibility</p:attrName>
@@ -15611,33 +15838,15 @@
                                   </p:childTnLst>
                                 </p:cTn>
                               </p:par>
-                            </p:childTnLst>
-                          </p:cTn>
-                        </p:par>
-                      </p:childTnLst>
-                    </p:cTn>
-                  </p:par>
-                  <p:par>
-                    <p:cTn id="11" fill="hold">
-                      <p:stCondLst>
-                        <p:cond delay="indefinite"/>
-                      </p:stCondLst>
-                      <p:childTnLst>
-                        <p:par>
-                          <p:cTn id="12" fill="hold">
-                            <p:stCondLst>
-                              <p:cond delay="0"/>
-                            </p:stCondLst>
-                            <p:childTnLst>
                               <p:par>
-                                <p:cTn id="13" presetID="1" presetClass="entr" presetSubtype="0" fill="hold" nodeType="clickEffect">
+                                <p:cTn id="11" presetID="1" presetClass="entr" presetSubtype="0" fill="hold" nodeType="withEffect">
                                   <p:stCondLst>
                                     <p:cond delay="0"/>
                                   </p:stCondLst>
                                   <p:childTnLst>
                                     <p:set>
                                       <p:cBhvr>
-                                        <p:cTn id="14" dur="1" fill="hold">
+                                        <p:cTn id="12" dur="1" fill="hold">
                                           <p:stCondLst>
                                             <p:cond delay="0"/>
                                           </p:stCondLst>
@@ -15657,14 +15866,14 @@
                                 </p:cTn>
                               </p:par>
                               <p:par>
-                                <p:cTn id="15" presetID="1" presetClass="entr" presetSubtype="0" fill="hold" grpId="0" nodeType="withEffect">
+                                <p:cTn id="13" presetID="1" presetClass="entr" presetSubtype="0" fill="hold" grpId="0" nodeType="withEffect">
                                   <p:stCondLst>
                                     <p:cond delay="0"/>
                                   </p:stCondLst>
                                   <p:childTnLst>
                                     <p:set>
                                       <p:cBhvr>
-                                        <p:cTn id="16" dur="1" fill="hold">
+                                        <p:cTn id="14" dur="1" fill="hold">
                                           <p:stCondLst>
                                             <p:cond delay="0"/>
                                           </p:stCondLst>
@@ -15690,36 +15899,32 @@
                     </p:cTn>
                   </p:par>
                   <p:par>
-                    <p:cTn id="17" fill="hold">
+                    <p:cTn id="15" fill="hold">
                       <p:stCondLst>
                         <p:cond delay="indefinite"/>
                       </p:stCondLst>
                       <p:childTnLst>
                         <p:par>
-                          <p:cTn id="18" fill="hold">
+                          <p:cTn id="16" fill="hold">
                             <p:stCondLst>
                               <p:cond delay="0"/>
                             </p:stCondLst>
                             <p:childTnLst>
                               <p:par>
-                                <p:cTn id="19" presetID="1" presetClass="entr" presetSubtype="0" fill="hold" nodeType="clickEffect">
+                                <p:cTn id="17" presetID="1" presetClass="entr" presetSubtype="0" fill="hold" grpId="0" nodeType="clickEffect">
                                   <p:stCondLst>
                                     <p:cond delay="0"/>
                                   </p:stCondLst>
                                   <p:childTnLst>
                                     <p:set>
                                       <p:cBhvr>
-                                        <p:cTn id="20" dur="1" fill="hold">
+                                        <p:cTn id="18" dur="1" fill="hold">
                                           <p:stCondLst>
                                             <p:cond delay="0"/>
                                           </p:stCondLst>
                                         </p:cTn>
                                         <p:tgtEl>
-                                          <p:spTgt spid="9">
-                                            <p:txEl>
-                                              <p:pRg st="2" end="2"/>
-                                            </p:txEl>
-                                          </p:spTgt>
+                                          <p:spTgt spid="8"/>
                                         </p:tgtEl>
                                         <p:attrNameLst>
                                           <p:attrName>style.visibility</p:attrName>
@@ -15732,33 +15937,15 @@
                                   </p:childTnLst>
                                 </p:cTn>
                               </p:par>
-                            </p:childTnLst>
-                          </p:cTn>
-                        </p:par>
-                      </p:childTnLst>
-                    </p:cTn>
-                  </p:par>
-                  <p:par>
-                    <p:cTn id="21" fill="hold">
-                      <p:stCondLst>
-                        <p:cond delay="indefinite"/>
-                      </p:stCondLst>
-                      <p:childTnLst>
-                        <p:par>
-                          <p:cTn id="22" fill="hold">
-                            <p:stCondLst>
-                              <p:cond delay="0"/>
-                            </p:stCondLst>
-                            <p:childTnLst>
                               <p:par>
-                                <p:cTn id="23" presetID="1" presetClass="entr" presetSubtype="0" fill="hold" grpId="0" nodeType="clickEffect">
+                                <p:cTn id="19" presetID="1" presetClass="entr" presetSubtype="0" fill="hold" grpId="0" nodeType="withEffect">
                                   <p:stCondLst>
                                     <p:cond delay="0"/>
                                   </p:stCondLst>
                                   <p:childTnLst>
                                     <p:set>
                                       <p:cBhvr>
-                                        <p:cTn id="24" dur="1" fill="hold">
+                                        <p:cTn id="20" dur="1" fill="hold">
                                           <p:stCondLst>
                                             <p:cond delay="0"/>
                                           </p:stCondLst>
@@ -15778,20 +15965,20 @@
                                 </p:cTn>
                               </p:par>
                               <p:par>
-                                <p:cTn id="25" presetID="1" presetClass="entr" presetSubtype="0" fill="hold" grpId="0" nodeType="withEffect">
+                                <p:cTn id="21" presetID="1" presetClass="entr" presetSubtype="0" fill="hold" grpId="0" nodeType="withEffect">
                                   <p:stCondLst>
                                     <p:cond delay="0"/>
                                   </p:stCondLst>
                                   <p:childTnLst>
                                     <p:set>
                                       <p:cBhvr>
-                                        <p:cTn id="26" dur="1" fill="hold">
+                                        <p:cTn id="22" dur="1" fill="hold">
                                           <p:stCondLst>
                                             <p:cond delay="0"/>
                                           </p:stCondLst>
                                         </p:cTn>
                                         <p:tgtEl>
-                                          <p:spTgt spid="8"/>
+                                          <p:spTgt spid="23"/>
                                         </p:tgtEl>
                                         <p:attrNameLst>
                                           <p:attrName>style.visibility</p:attrName>
@@ -15805,14 +15992,14 @@
                                 </p:cTn>
                               </p:par>
                               <p:par>
-                                <p:cTn id="27" presetID="1" presetClass="entr" presetSubtype="0" fill="hold" nodeType="withEffect">
+                                <p:cTn id="23" presetID="1" presetClass="entr" presetSubtype="0" fill="hold" nodeType="withEffect">
                                   <p:stCondLst>
                                     <p:cond delay="0"/>
                                   </p:stCondLst>
                                   <p:childTnLst>
                                     <p:set>
                                       <p:cBhvr>
-                                        <p:cTn id="28" dur="1" fill="hold">
+                                        <p:cTn id="24" dur="1" fill="hold">
                                           <p:stCondLst>
                                             <p:cond delay="0"/>
                                           </p:stCondLst>
@@ -15838,36 +16025,59 @@
                     </p:cTn>
                   </p:par>
                   <p:par>
-                    <p:cTn id="29" fill="hold">
+                    <p:cTn id="25" fill="hold">
                       <p:stCondLst>
                         <p:cond delay="indefinite"/>
                       </p:stCondLst>
                       <p:childTnLst>
                         <p:par>
-                          <p:cTn id="30" fill="hold">
+                          <p:cTn id="26" fill="hold">
                             <p:stCondLst>
                               <p:cond delay="0"/>
                             </p:stCondLst>
                             <p:childTnLst>
                               <p:par>
-                                <p:cTn id="31" presetID="1" presetClass="entr" presetSubtype="0" fill="hold" nodeType="clickEffect">
+                                <p:cTn id="27" presetID="1" presetClass="entr" presetSubtype="0" fill="hold" grpId="0" nodeType="clickEffect">
                                   <p:stCondLst>
                                     <p:cond delay="0"/>
                                   </p:stCondLst>
                                   <p:childTnLst>
                                     <p:set>
                                       <p:cBhvr>
-                                        <p:cTn id="32" dur="1" fill="hold">
+                                        <p:cTn id="28" dur="1" fill="hold">
                                           <p:stCondLst>
                                             <p:cond delay="0"/>
                                           </p:stCondLst>
                                         </p:cTn>
                                         <p:tgtEl>
-                                          <p:spTgt spid="9">
-                                            <p:txEl>
-                                              <p:pRg st="4" end="4"/>
-                                            </p:txEl>
-                                          </p:spTgt>
+                                          <p:spTgt spid="24"/>
+                                        </p:tgtEl>
+                                        <p:attrNameLst>
+                                          <p:attrName>style.visibility</p:attrName>
+                                        </p:attrNameLst>
+                                      </p:cBhvr>
+                                      <p:to>
+                                        <p:strVal val="visible"/>
+                                      </p:to>
+                                    </p:set>
+                                  </p:childTnLst>
+                                </p:cTn>
+                              </p:par>
+                              <p:par>
+                                <p:cTn id="29" presetID="1" presetClass="entr" presetSubtype="0" fill="hold" nodeType="withEffect">
+                                  <p:stCondLst>
+                                    <p:cond delay="0"/>
+                                  </p:stCondLst>
+                                  <p:childTnLst>
+                                    <p:set>
+                                      <p:cBhvr>
+                                        <p:cTn id="30" dur="1" fill="hold">
+                                          <p:stCondLst>
+                                            <p:cond delay="0"/>
+                                          </p:stCondLst>
+                                        </p:cTn>
+                                        <p:tgtEl>
+                                          <p:spTgt spid="27"/>
                                         </p:tgtEl>
                                         <p:attrNameLst>
                                           <p:attrName>style.visibility</p:attrName>
@@ -15909,9 +16119,12 @@
     </p:tnLst>
     <p:bldLst>
       <p:bldP spid="2" grpId="0" animBg="1"/>
+      <p:bldP spid="9" grpId="0"/>
       <p:bldP spid="5" grpId="0"/>
       <p:bldP spid="8" grpId="0" animBg="1"/>
       <p:bldP spid="11" grpId="0"/>
+      <p:bldP spid="23" grpId="0"/>
+      <p:bldP spid="24" grpId="0"/>
     </p:bldLst>
   </p:timing>
 </p:sld>

--- a/Project Proposal.pptx
+++ b/Project Proposal.pptx
@@ -215,7 +215,7 @@
           <a:p>
             <a:fld id="{F3DC1176-C79C-4333-88B3-BCEA525AFE9D}" type="datetimeFigureOut">
               <a:rPr lang="de-DE" smtClean="0"/>
-              <a:t>13.05.2025</a:t>
+              <a:t>09.06.2025</a:t>
             </a:fld>
             <a:endParaRPr lang="de-DE"/>
           </a:p>
@@ -373,7 +373,7 @@
           <a:p>
             <a:fld id="{5CE5EABD-9B00-4D4A-AB75-54D2757912B9}" type="slidenum">
               <a:rPr lang="de-DE" smtClean="0"/>
-              <a:t>‹Nr.›</a:t>
+              <a:t>‹#›</a:t>
             </a:fld>
             <a:endParaRPr lang="de-DE"/>
           </a:p>
@@ -3172,7 +3172,7 @@
           <a:p>
             <a:fld id="{AEE46315-4AAD-410B-89FA-21C15CCB14A3}" type="datetimeFigureOut">
               <a:rPr lang="de-DE" smtClean="0"/>
-              <a:t>13.05.2025</a:t>
+              <a:t>09.06.2025</a:t>
             </a:fld>
             <a:endParaRPr lang="de-DE"/>
           </a:p>
@@ -3226,7 +3226,7 @@
           <a:p>
             <a:fld id="{76CD8E94-8180-4651-B6B5-5A5ABA3C85A7}" type="slidenum">
               <a:rPr lang="de-DE" smtClean="0"/>
-              <a:t>‹Nr.›</a:t>
+              <a:t>‹#›</a:t>
             </a:fld>
             <a:endParaRPr lang="de-DE"/>
           </a:p>
@@ -3372,7 +3372,7 @@
           <a:p>
             <a:fld id="{AEE46315-4AAD-410B-89FA-21C15CCB14A3}" type="datetimeFigureOut">
               <a:rPr lang="de-DE" smtClean="0"/>
-              <a:t>13.05.2025</a:t>
+              <a:t>09.06.2025</a:t>
             </a:fld>
             <a:endParaRPr lang="de-DE"/>
           </a:p>
@@ -3426,7 +3426,7 @@
           <a:p>
             <a:fld id="{76CD8E94-8180-4651-B6B5-5A5ABA3C85A7}" type="slidenum">
               <a:rPr lang="de-DE" smtClean="0"/>
-              <a:t>‹Nr.›</a:t>
+              <a:t>‹#›</a:t>
             </a:fld>
             <a:endParaRPr lang="de-DE"/>
           </a:p>
@@ -3582,7 +3582,7 @@
           <a:p>
             <a:fld id="{AEE46315-4AAD-410B-89FA-21C15CCB14A3}" type="datetimeFigureOut">
               <a:rPr lang="de-DE" smtClean="0"/>
-              <a:t>13.05.2025</a:t>
+              <a:t>09.06.2025</a:t>
             </a:fld>
             <a:endParaRPr lang="de-DE"/>
           </a:p>
@@ -3636,7 +3636,7 @@
           <a:p>
             <a:fld id="{76CD8E94-8180-4651-B6B5-5A5ABA3C85A7}" type="slidenum">
               <a:rPr lang="de-DE" smtClean="0"/>
-              <a:t>‹Nr.›</a:t>
+              <a:t>‹#›</a:t>
             </a:fld>
             <a:endParaRPr lang="de-DE"/>
           </a:p>
@@ -3782,7 +3782,7 @@
           <a:p>
             <a:fld id="{AEE46315-4AAD-410B-89FA-21C15CCB14A3}" type="datetimeFigureOut">
               <a:rPr lang="de-DE" smtClean="0"/>
-              <a:t>13.05.2025</a:t>
+              <a:t>09.06.2025</a:t>
             </a:fld>
             <a:endParaRPr lang="de-DE"/>
           </a:p>
@@ -3836,7 +3836,7 @@
           <a:p>
             <a:fld id="{76CD8E94-8180-4651-B6B5-5A5ABA3C85A7}" type="slidenum">
               <a:rPr lang="de-DE" smtClean="0"/>
-              <a:t>‹Nr.›</a:t>
+              <a:t>‹#›</a:t>
             </a:fld>
             <a:endParaRPr lang="de-DE"/>
           </a:p>
@@ -4058,7 +4058,7 @@
           <a:p>
             <a:fld id="{AEE46315-4AAD-410B-89FA-21C15CCB14A3}" type="datetimeFigureOut">
               <a:rPr lang="de-DE" smtClean="0"/>
-              <a:t>13.05.2025</a:t>
+              <a:t>09.06.2025</a:t>
             </a:fld>
             <a:endParaRPr lang="de-DE"/>
           </a:p>
@@ -4112,7 +4112,7 @@
           <a:p>
             <a:fld id="{76CD8E94-8180-4651-B6B5-5A5ABA3C85A7}" type="slidenum">
               <a:rPr lang="de-DE" smtClean="0"/>
-              <a:t>‹Nr.›</a:t>
+              <a:t>‹#›</a:t>
             </a:fld>
             <a:endParaRPr lang="de-DE"/>
           </a:p>
@@ -4326,7 +4326,7 @@
           <a:p>
             <a:fld id="{AEE46315-4AAD-410B-89FA-21C15CCB14A3}" type="datetimeFigureOut">
               <a:rPr lang="de-DE" smtClean="0"/>
-              <a:t>13.05.2025</a:t>
+              <a:t>09.06.2025</a:t>
             </a:fld>
             <a:endParaRPr lang="de-DE"/>
           </a:p>
@@ -4380,7 +4380,7 @@
           <a:p>
             <a:fld id="{76CD8E94-8180-4651-B6B5-5A5ABA3C85A7}" type="slidenum">
               <a:rPr lang="de-DE" smtClean="0"/>
-              <a:t>‹Nr.›</a:t>
+              <a:t>‹#›</a:t>
             </a:fld>
             <a:endParaRPr lang="de-DE"/>
           </a:p>
@@ -4741,7 +4741,7 @@
           <a:p>
             <a:fld id="{AEE46315-4AAD-410B-89FA-21C15CCB14A3}" type="datetimeFigureOut">
               <a:rPr lang="de-DE" smtClean="0"/>
-              <a:t>13.05.2025</a:t>
+              <a:t>09.06.2025</a:t>
             </a:fld>
             <a:endParaRPr lang="de-DE"/>
           </a:p>
@@ -4795,7 +4795,7 @@
           <a:p>
             <a:fld id="{76CD8E94-8180-4651-B6B5-5A5ABA3C85A7}" type="slidenum">
               <a:rPr lang="de-DE" smtClean="0"/>
-              <a:t>‹Nr.›</a:t>
+              <a:t>‹#›</a:t>
             </a:fld>
             <a:endParaRPr lang="de-DE"/>
           </a:p>
@@ -4883,7 +4883,7 @@
           <a:p>
             <a:fld id="{AEE46315-4AAD-410B-89FA-21C15CCB14A3}" type="datetimeFigureOut">
               <a:rPr lang="de-DE" smtClean="0"/>
-              <a:t>13.05.2025</a:t>
+              <a:t>09.06.2025</a:t>
             </a:fld>
             <a:endParaRPr lang="de-DE"/>
           </a:p>
@@ -4937,7 +4937,7 @@
           <a:p>
             <a:fld id="{76CD8E94-8180-4651-B6B5-5A5ABA3C85A7}" type="slidenum">
               <a:rPr lang="de-DE" smtClean="0"/>
-              <a:t>‹Nr.›</a:t>
+              <a:t>‹#›</a:t>
             </a:fld>
             <a:endParaRPr lang="de-DE"/>
           </a:p>
@@ -4996,7 +4996,7 @@
           <a:p>
             <a:fld id="{AEE46315-4AAD-410B-89FA-21C15CCB14A3}" type="datetimeFigureOut">
               <a:rPr lang="de-DE" smtClean="0"/>
-              <a:t>13.05.2025</a:t>
+              <a:t>09.06.2025</a:t>
             </a:fld>
             <a:endParaRPr lang="de-DE"/>
           </a:p>
@@ -5050,7 +5050,7 @@
           <a:p>
             <a:fld id="{76CD8E94-8180-4651-B6B5-5A5ABA3C85A7}" type="slidenum">
               <a:rPr lang="de-DE" smtClean="0"/>
-              <a:t>‹Nr.›</a:t>
+              <a:t>‹#›</a:t>
             </a:fld>
             <a:endParaRPr lang="de-DE"/>
           </a:p>
@@ -5309,7 +5309,7 @@
           <a:p>
             <a:fld id="{AEE46315-4AAD-410B-89FA-21C15CCB14A3}" type="datetimeFigureOut">
               <a:rPr lang="de-DE" smtClean="0"/>
-              <a:t>13.05.2025</a:t>
+              <a:t>09.06.2025</a:t>
             </a:fld>
             <a:endParaRPr lang="de-DE"/>
           </a:p>
@@ -5363,7 +5363,7 @@
           <a:p>
             <a:fld id="{76CD8E94-8180-4651-B6B5-5A5ABA3C85A7}" type="slidenum">
               <a:rPr lang="de-DE" smtClean="0"/>
-              <a:t>‹Nr.›</a:t>
+              <a:t>‹#›</a:t>
             </a:fld>
             <a:endParaRPr lang="de-DE"/>
           </a:p>
@@ -5598,7 +5598,7 @@
           <a:p>
             <a:fld id="{AEE46315-4AAD-410B-89FA-21C15CCB14A3}" type="datetimeFigureOut">
               <a:rPr lang="de-DE" smtClean="0"/>
-              <a:t>13.05.2025</a:t>
+              <a:t>09.06.2025</a:t>
             </a:fld>
             <a:endParaRPr lang="de-DE"/>
           </a:p>
@@ -5652,7 +5652,7 @@
           <a:p>
             <a:fld id="{76CD8E94-8180-4651-B6B5-5A5ABA3C85A7}" type="slidenum">
               <a:rPr lang="de-DE" smtClean="0"/>
-              <a:t>‹Nr.›</a:t>
+              <a:t>‹#›</a:t>
             </a:fld>
             <a:endParaRPr lang="de-DE"/>
           </a:p>
@@ -5841,7 +5841,7 @@
           <a:p>
             <a:fld id="{AEE46315-4AAD-410B-89FA-21C15CCB14A3}" type="datetimeFigureOut">
               <a:rPr lang="de-DE" smtClean="0"/>
-              <a:t>13.05.2025</a:t>
+              <a:t>09.06.2025</a:t>
             </a:fld>
             <a:endParaRPr lang="de-DE"/>
           </a:p>
@@ -5931,7 +5931,7 @@
           <a:p>
             <a:fld id="{76CD8E94-8180-4651-B6B5-5A5ABA3C85A7}" type="slidenum">
               <a:rPr lang="de-DE" smtClean="0"/>
-              <a:t>‹Nr.›</a:t>
+              <a:t>‹#›</a:t>
             </a:fld>
             <a:endParaRPr lang="de-DE"/>
           </a:p>
